--- a/lectures/lecture-12/Lecture 12 - Lecture.pptx
+++ b/lectures/lecture-12/Lecture 12 - Lecture.pptx
@@ -143,6 +143,904 @@
     </p:ext>
   </p:extLst>
 </p:presentation>
+</file>
+
+<file path=ppt/ink/ink1.xml><?xml version="1.0" encoding="utf-8"?>
+<inkml:ink xmlns:inkml="http://www.w3.org/2003/InkML">
+  <inkml:definitions>
+    <inkml:context xml:id="ctx0">
+      <inkml:inkSource xml:id="inkSrc0">
+        <inkml:traceFormat>
+          <inkml:channel name="X" type="integer" min="-2.14748E9" max="2.14748E9" units="cm"/>
+          <inkml:channel name="Y" type="integer" min="-2.14748E9" max="2.14748E9" units="cm"/>
+          <inkml:channel name="F" type="integer" max="32767" units="dev"/>
+          <inkml:channel name="OA" type="integer" max="360" units="deg"/>
+          <inkml:channel name="OE" type="integer" max="90" units="deg"/>
+        </inkml:traceFormat>
+        <inkml:channelProperties>
+          <inkml:channelProperty channel="X" name="resolution" value="1000" units="1/cm"/>
+          <inkml:channelProperty channel="Y" name="resolution" value="1000" units="1/cm"/>
+          <inkml:channelProperty channel="F" name="resolution" value="0" units="1/dev"/>
+          <inkml:channelProperty channel="OA" name="resolution" value="1000" units="1/deg"/>
+          <inkml:channelProperty channel="OE" name="resolution" value="1000" units="1/deg"/>
+        </inkml:channelProperties>
+      </inkml:inkSource>
+      <inkml:timestamp xml:id="ts0" timeString="2021-07-15T16:30:45.348"/>
+    </inkml:context>
+    <inkml:brush xml:id="br0">
+      <inkml:brushProperty name="width" value="0.05" units="cm"/>
+      <inkml:brushProperty name="height" value="0.05" units="cm"/>
+      <inkml:brushProperty name="color" value="#FF0066"/>
+    </inkml:brush>
+  </inkml:definitions>
+  <inkml:trace contextRef="#ctx0" brushRef="#br0">34 1 6448 0 0,'0'0'585'0'0,"-15"6"2367"0"0,15-6-2855 0 0,0 1 1 0 0,0-1-1 0 0,-1 0 1 0 0,1 1-1 0 0,0-1 1 0 0,-1 1-1 0 0,1-1 1 0 0,0 0-1 0 0,-1 1 1 0 0,1-1-1 0 0,-1 0 0 0 0,1 0 1 0 0,-1 1-1 0 0,1-1 1 0 0,0 0-1 0 0,-1 0 1 0 0,1 0-1 0 0,-1 1 1 0 0,1-1-1 0 0,-1 0 1 0 0,1 0-1 0 0,-1 0 0 0 0,1 0 1 0 0,-1 0-1 0 0,1 0 1 0 0,-1 0-1 0 0,1 0 1 0 0,-1 0-1 0 0,1 0 1 0 0,-1 0-1 0 0,1 0 1 0 0,-1 0-1 0 0,1-1 0 0 0,-1 1 1 0 0,1 0-1 0 0,-1 0 1 0 0,1-1-1 0 0,-1 1 1 0 0,1 0-1 0 0,0 0 1 0 0,-1-1-1 0 0,1 1 1 0 0,1 1 647 0 0,0 0 1 0 0,0 0 0 0 0,0 0 0 0 0,0 0-1 0 0,0 0 1 0 0,0-1 0 0 0,1 1 0 0 0,-1 0-1 0 0,0 0 1 0 0,4 0 0 0 0,19 5 1358 0 0,29-4-2705 0 0,-45-2 1437 0 0,239-2 381 0 0,-224 3-1020 0 0,37 6-1 0 0,-38-3 16 0 0,36 1-1 0 0,3-4 141 0 0,28 2 56 0 0,-48-2-100 0 0,75 12 0 0 0,82 14 1131 0 0,-176-24-1269 0 0,0-2 0 0 0,0-1 0 0 0,38-4 0 0 0,-29-4 35 0 0,-27 7-157 0 0,2-1-25 0 0,-5 2-46 0 0</inkml:trace>
+</inkml:ink>
+</file>
+
+<file path=ppt/ink/ink10.xml><?xml version="1.0" encoding="utf-8"?>
+<inkml:ink xmlns:inkml="http://www.w3.org/2003/InkML">
+  <inkml:definitions>
+    <inkml:context xml:id="ctx0">
+      <inkml:inkSource xml:id="inkSrc0">
+        <inkml:traceFormat>
+          <inkml:channel name="X" type="integer" min="-2.14748E9" max="2.14748E9" units="cm"/>
+          <inkml:channel name="Y" type="integer" min="-2.14748E9" max="2.14748E9" units="cm"/>
+          <inkml:channel name="F" type="integer" max="32767" units="dev"/>
+          <inkml:channel name="OA" type="integer" max="360" units="deg"/>
+          <inkml:channel name="OE" type="integer" max="90" units="deg"/>
+        </inkml:traceFormat>
+        <inkml:channelProperties>
+          <inkml:channelProperty channel="X" name="resolution" value="1000" units="1/cm"/>
+          <inkml:channelProperty channel="Y" name="resolution" value="1000" units="1/cm"/>
+          <inkml:channelProperty channel="F" name="resolution" value="0" units="1/dev"/>
+          <inkml:channelProperty channel="OA" name="resolution" value="1000" units="1/deg"/>
+          <inkml:channelProperty channel="OE" name="resolution" value="1000" units="1/deg"/>
+        </inkml:channelProperties>
+      </inkml:inkSource>
+      <inkml:timestamp xml:id="ts0" timeString="2021-07-15T16:31:10.693"/>
+    </inkml:context>
+    <inkml:brush xml:id="br0">
+      <inkml:brushProperty name="width" value="0.05" units="cm"/>
+      <inkml:brushProperty name="height" value="0.05" units="cm"/>
+      <inkml:brushProperty name="color" value="#FF0066"/>
+    </inkml:brush>
+  </inkml:definitions>
+  <inkml:trace contextRef="#ctx0" brushRef="#br0">199 1 13824 0 0,'-3'1'132'0'0,"0"1"0"0"0,0-1 0 0 0,0 1 0 0 0,0 0 0 0 0,0 0 0 0 0,1 0 0 0 0,-1 1 0 0 0,1-1 0 0 0,-1 0 0 0 0,1 1 0 0 0,0 0 0 0 0,-3 4 0 0 0,-2 5 605 0 0,-11 24-1 0 0,12-22 316 0 0,-114 302 2056 0 0,117-306-3081 0 0,1-1 1 0 0,0 1-1 0 0,-1 12 1 0 0,2-17-54 0 0,1-1 0 0 0,0 1 1 0 0,0-1-1 0 0,1 1 0 0 0,-1-1 0 0 0,1 1 0 0 0,0-1 0 0 0,0 1 1 0 0,3 6-1 0 0,-4-11-113 0 0,1 1 0 0 0,-1 0 0 0 0,1 0 0 0 0,0-1 0 0 0,-1 1 0 0 0,1 0 0 0 0,-1-1 0 0 0,1 1 0 0 0,0 0 1 0 0,0-1-1 0 0,-1 1 0 0 0,1-1 0 0 0,0 1 0 0 0,0-1 0 0 0,0 0 0 0 0,-1 1 0 0 0,1-1 0 0 0,0 0 0 0 0,0 0 0 0 0,0 1 1 0 0,0-1-1 0 0,1 0 0 0 0,14-2-5270 0 0,-3-3 20 0 0</inkml:trace>
+  <inkml:trace contextRef="#ctx0" brushRef="#br0" timeOffset="1">207 343 3224 0 0,'0'0'143'0'0,"-8"8"2914"0"0,3-3-248 0 0,0 1 1 0 0,1-1 0 0 0,-6 11-1 0 0,9-12-2509 0 0,-1-1-1 0 0,0 1 0 0 0,1-1 0 0 0,0 1 1 0 0,0 0-1 0 0,0-1 0 0 0,0 1 0 0 0,0 0 1 0 0,1 0-1 0 0,0-1 0 0 0,0 1 1 0 0,0 0-1 0 0,0 0 0 0 0,1 4 0 0 0,0-6-247 0 0,-1-1-1 0 0,1 1 0 0 0,0-1 1 0 0,0 1-1 0 0,0-1 0 0 0,-1 1 1 0 0,1-1-1 0 0,0 0 0 0 0,1 1 1 0 0,-1-1-1 0 0,0 0 0 0 0,0 0 0 0 0,0 0 1 0 0,1 0-1 0 0,-1 0 0 0 0,1 0 1 0 0,-1 0-1 0 0,1-1 0 0 0,-1 1 1 0 0,1 0-1 0 0,-1-1 0 0 0,1 1 1 0 0,-1-1-1 0 0,1 0 0 0 0,0 0 1 0 0,-1 1-1 0 0,1-1 0 0 0,0 0 1 0 0,-1 0-1 0 0,4-1 0 0 0,-1 1-9 0 0,0 0 0 0 0,0 0-1 0 0,0-1 1 0 0,0 0 0 0 0,0 0 0 0 0,0 0-1 0 0,-1 0 1 0 0,1-1 0 0 0,0 1 0 0 0,0-1 0 0 0,6-4-1 0 0,-3 0-430 0 0,0 0-1 0 0,-1 0 0 0 0,1-1 1 0 0,-1 0-1 0 0,-1 0 1 0 0,1 0-1 0 0,-1-1 0 0 0,7-15 1 0 0,-6 8-7116 0 0</inkml:trace>
+</inkml:ink>
+</file>
+
+<file path=ppt/ink/ink11.xml><?xml version="1.0" encoding="utf-8"?>
+<inkml:ink xmlns:inkml="http://www.w3.org/2003/InkML">
+  <inkml:definitions>
+    <inkml:context xml:id="ctx0">
+      <inkml:inkSource xml:id="inkSrc0">
+        <inkml:traceFormat>
+          <inkml:channel name="X" type="integer" min="-2.14748E9" max="2.14748E9" units="cm"/>
+          <inkml:channel name="Y" type="integer" min="-2.14748E9" max="2.14748E9" units="cm"/>
+          <inkml:channel name="F" type="integer" max="32767" units="dev"/>
+          <inkml:channel name="OA" type="integer" max="360" units="deg"/>
+          <inkml:channel name="OE" type="integer" max="90" units="deg"/>
+        </inkml:traceFormat>
+        <inkml:channelProperties>
+          <inkml:channelProperty channel="X" name="resolution" value="1000" units="1/cm"/>
+          <inkml:channelProperty channel="Y" name="resolution" value="1000" units="1/cm"/>
+          <inkml:channelProperty channel="F" name="resolution" value="0" units="1/dev"/>
+          <inkml:channelProperty channel="OA" name="resolution" value="1000" units="1/deg"/>
+          <inkml:channelProperty channel="OE" name="resolution" value="1000" units="1/deg"/>
+        </inkml:channelProperties>
+      </inkml:inkSource>
+      <inkml:timestamp xml:id="ts0" timeString="2021-07-15T16:31:11.601"/>
+    </inkml:context>
+    <inkml:brush xml:id="br0">
+      <inkml:brushProperty name="width" value="0.05" units="cm"/>
+      <inkml:brushProperty name="height" value="0.05" units="cm"/>
+      <inkml:brushProperty name="color" value="#FF0066"/>
+    </inkml:brush>
+  </inkml:definitions>
+  <inkml:trace contextRef="#ctx0" brushRef="#br0">131 1 8144 0 0,'0'0'741'0'0,"0"0"-609"0"0,-7 2 399 0 0,7-2-379 0 0,-1 0 598 0 0,-11 3 2544 0 0,-24-8-177 0 0,2 7-1163 0 0,33-2-1839 0 0,-1 1 0 0 0,1 0 0 0 0,-1-1-1 0 0,1 1 1 0 0,-1 0 0 0 0,1 0-1 0 0,0 0 1 0 0,-1 0 0 0 0,1 0 0 0 0,0 0-1 0 0,0 0 1 0 0,0 0 0 0 0,0 0 0 0 0,0 1-1 0 0,0-1 1 0 0,0 0 0 0 0,0 1-1 0 0,0-1 1 0 0,0 1 0 0 0,1-1 0 0 0,-1 1-1 0 0,0 2 1 0 0,-4 12-81 0 0,-4 13 508 0 0,9-26-598 0 0,-1 0 0 0 0,1 0 0 0 0,0 0 1 0 0,1 1-1 0 0,-1-1 0 0 0,1 3 0 0 0,1 10 216 0 0,-2-15-88 0 0,0-1-84 0 0,0 1-1 0 0,1 0 0 0 0,-1 0 1 0 0,0-1-1 0 0,0 1 1 0 0,0 0-1 0 0,1 0 0 0 0,-1-1 1 0 0,0 1-1 0 0,1 0 1 0 0,-1 0-1 0 0,0-1 0 0 0,1 1 1 0 0,-1-1-1 0 0,1 1 0 0 0,-1 0 1 0 0,1-1-1 0 0,0 1 1 0 0,-1-1-1 0 0,1 1 0 0 0,0-1 1 0 0,-1 0-1 0 0,1 1 1 0 0,0-1-1 0 0,0 1 0 0 0,1-1 85 0 0,-1 1-1 0 0,1 0 0 0 0,0-1 0 0 0,-1 1 1 0 0,1-1-1 0 0,0 0 0 0 0,0 0 0 0 0,-1 0 1 0 0,1 0-1 0 0,0 0 0 0 0,0 0 1 0 0,-1 0-1 0 0,1 0 0 0 0,0-1 0 0 0,0 1 1 0 0,-1 0-1 0 0,1-1 0 0 0,0 0 0 0 0,-1 1 1 0 0,1-1-1 0 0,-1 0 0 0 0,3-2 0 0 0,1 0 43 0 0,0 0 0 0 0,0 0-1 0 0,0-1 1 0 0,-1 0 0 0 0,7-7 0 0 0,-6 5-276 0 0,-3 4 147 0 0,0-1 0 0 0,0 0 0 0 0,0 1 0 0 0,0-1-1 0 0,0 0 1 0 0,-1 0 0 0 0,1-1 0 0 0,0-2 0 0 0,-1 5 72 0 0,-1 0-1 0 0,1 0 1 0 0,-1-1 0 0 0,1 1-1 0 0,-1 0 1 0 0,0 0-1 0 0,1 0 1 0 0,-1 0 0 0 0,0 0-1 0 0,0 0 1 0 0,0-1-1 0 0,0 1 1 0 0,0 0 0 0 0,0 0-1 0 0,0 0 1 0 0,-1 0-1 0 0,1 0 1 0 0,0-1 0 0 0,-1 1-1 0 0,1 0 1 0 0,0 0-1 0 0,-1 0 1 0 0,0 0 0 0 0,1 0-1 0 0,-1 0 1 0 0,1 0-1 0 0,-1 0 1 0 0,-1-1 0 0 0,-5-7 0 0 0,4 4-14 0 0,-1 1-33 0 0,2 0-10 0 0,0 2-113 0 0</inkml:trace>
+</inkml:ink>
+</file>
+
+<file path=ppt/ink/ink12.xml><?xml version="1.0" encoding="utf-8"?>
+<inkml:ink xmlns:inkml="http://www.w3.org/2003/InkML">
+  <inkml:definitions>
+    <inkml:context xml:id="ctx0">
+      <inkml:inkSource xml:id="inkSrc0">
+        <inkml:traceFormat>
+          <inkml:channel name="X" type="integer" min="-2.14748E9" max="2.14748E9" units="cm"/>
+          <inkml:channel name="Y" type="integer" min="-2.14748E9" max="2.14748E9" units="cm"/>
+          <inkml:channel name="F" type="integer" max="32767" units="dev"/>
+          <inkml:channel name="OA" type="integer" max="360" units="deg"/>
+          <inkml:channel name="OE" type="integer" max="90" units="deg"/>
+        </inkml:traceFormat>
+        <inkml:channelProperties>
+          <inkml:channelProperty channel="X" name="resolution" value="1000" units="1/cm"/>
+          <inkml:channelProperty channel="Y" name="resolution" value="1000" units="1/cm"/>
+          <inkml:channelProperty channel="F" name="resolution" value="0" units="1/dev"/>
+          <inkml:channelProperty channel="OA" name="resolution" value="1000" units="1/deg"/>
+          <inkml:channelProperty channel="OE" name="resolution" value="1000" units="1/deg"/>
+        </inkml:channelProperties>
+      </inkml:inkSource>
+      <inkml:timestamp xml:id="ts0" timeString="2021-07-15T16:31:17.237"/>
+    </inkml:context>
+    <inkml:brush xml:id="br0">
+      <inkml:brushProperty name="width" value="0.05" units="cm"/>
+      <inkml:brushProperty name="height" value="0.05" units="cm"/>
+      <inkml:brushProperty name="color" value="#FF0066"/>
+    </inkml:brush>
+  </inkml:definitions>
+  <inkml:trace contextRef="#ctx0" brushRef="#br0">97 15 6448 0 0,'-15'2'828'0'0,"0"-2"2331"0"0,-23-5 0 0 0,35 5-2636 0 0,-1-1 0 0 0,1-1 0 0 0,-1 1 0 0 0,1 0 0 0 0,0-1 0 0 0,-5-3 6348 0 0,16 7-6251 0 0,39 2 348 0 0,-1-3 0 0 0,55-5 1 0 0,61 1-457 0 0,282 18 1427 0 0,-374-14-1893 0 0,55-2 84 0 0,-59 1 171 0 0,71 8 0 0 0,67 18 664 0 0,-43-5-600 0 0,-20-13-136 0 0,-123-8-90 0 0,-1 0 0 0 0,30-5 0 0 0,-14 2-153 0 0,-22 1 83 0 0,-1 0 0 0 0,0-1 1 0 0,0 0-1 0 0,11-5 0 0 0,-17 7-63 0 0,8-1-83 0 0,-11 2 59 0 0,0-1 1 0 0,0 1-1 0 0,0 0 0 0 0,1 0 0 0 0,-1 0 0 0 0,0-1 0 0 0,0 1 1 0 0,0 0-1 0 0,0-1 0 0 0,0 1 0 0 0,0-1 0 0 0,0 1 0 0 0,0-1 1 0 0,-1 1-1 0 0,1-1 0 0 0,1-1 0 0 0,15-7 387 0 0,-14 6-355 0 0,-3 2-170 0 0,-8 6-315 0 0,1 0-407 0 0,-7 5-1739 0 0,3-4-6168 0 0</inkml:trace>
+</inkml:ink>
+</file>
+
+<file path=ppt/ink/ink13.xml><?xml version="1.0" encoding="utf-8"?>
+<inkml:ink xmlns:inkml="http://www.w3.org/2003/InkML">
+  <inkml:definitions>
+    <inkml:context xml:id="ctx0">
+      <inkml:inkSource xml:id="inkSrc0">
+        <inkml:traceFormat>
+          <inkml:channel name="X" type="integer" min="-2.14748E9" max="2.14748E9" units="cm"/>
+          <inkml:channel name="Y" type="integer" min="-2.14748E9" max="2.14748E9" units="cm"/>
+          <inkml:channel name="F" type="integer" max="32767" units="dev"/>
+          <inkml:channel name="OA" type="integer" max="360" units="deg"/>
+          <inkml:channel name="OE" type="integer" max="90" units="deg"/>
+        </inkml:traceFormat>
+        <inkml:channelProperties>
+          <inkml:channelProperty channel="X" name="resolution" value="1000" units="1/cm"/>
+          <inkml:channelProperty channel="Y" name="resolution" value="1000" units="1/cm"/>
+          <inkml:channelProperty channel="F" name="resolution" value="0" units="1/dev"/>
+          <inkml:channelProperty channel="OA" name="resolution" value="1000" units="1/deg"/>
+          <inkml:channelProperty channel="OE" name="resolution" value="1000" units="1/deg"/>
+        </inkml:channelProperties>
+      </inkml:inkSource>
+      <inkml:timestamp xml:id="ts0" timeString="2021-07-15T16:31:26.766"/>
+    </inkml:context>
+    <inkml:brush xml:id="br0">
+      <inkml:brushProperty name="width" value="0.05" units="cm"/>
+      <inkml:brushProperty name="height" value="0.05" units="cm"/>
+      <inkml:brushProperty name="color" value="#FF0066"/>
+    </inkml:brush>
+  </inkml:definitions>
+  <inkml:trace contextRef="#ctx0" brushRef="#br0">111 239 6448 0 0,'-3'-1'201'0'0,"0"0"0"0"0,0 1 1 0 0,0 0-1 0 0,0-1 0 0 0,0 1 1 0 0,0 0-1 0 0,0 1 0 0 0,0-1 1 0 0,0 0-1 0 0,0 1 0 0 0,0 0 1 0 0,0 0-1 0 0,-4 1 0 0 0,-4 2 2231 0 0,10-4-2399 0 0,-36 9 4063 0 0,21-8 984 0 0,22-6-3669 0 0,17-2-836 0 0,0 2-1 0 0,46-6 1 0 0,5-1 54 0 0,51-7 57 0 0,-34 6-492 0 0,86-6 142 0 0,-115 14-168 0 0,-56 5-110 0 0,0-1-1 0 0,-1 0 0 0 0,0 0 1 0 0,1 0-1 0 0,8-4 0 0 0,-13 4 121 0 0,-4-8 159 0 0,-6 0-219 0 0,-1 0 1 0 0,0 0-1 0 0,0 1 1 0 0,-1 0-1 0 0,0 1 1 0 0,-18-9-1 0 0,-5-3-110 0 0,21 11 3 0 0,0 2 0 0 0,-17-7-1 0 0,16 8 1 0 0,0-1 0 0 0,-14-9-1 0 0,25 13-23 0 0,8 6 4 0 0,1 0 1 0 0,-1 0-1 0 0,0 0 1 0 0,1-1-1 0 0,0 0 1 0 0,0 0-1 0 0,0 0 0 0 0,0-1 1 0 0,0 0-1 0 0,7 2 1 0 0,13 1-45 0 0,32 3 0 0 0,-32-5 42 0 0,-3-1 36 0 0,29-1 1 0 0,-30-2 7 0 0,30 4 0 0 0,-48-2-24 0 0,0-1 26 0 0,0 1 0 0 0,0-1 0 0 0,0 1 0 0 0,0 0 0 0 0,5 3 0 0 0,-8-4 214 0 0,-6 18 83 0 0,-3-7-256 0 0,0-1-1 0 0,0 0 1 0 0,-1 0-1 0 0,-20 17 1 0 0,8-8-31 0 0,-3 5-7 0 0,-24 29 0 0 0,43-47-104 0 0,-18 25-1213 0 0,22-28 1125 0 0,-1-1 0 0 0,1 1 0 0 0,0-1-1 0 0,-1 1 1 0 0,1 0 0 0 0,0-1 0 0 0,1 1 0 0 0,-1 0-1 0 0,0-1 1 0 0,0 5 0 0 0</inkml:trace>
+</inkml:ink>
+</file>
+
+<file path=ppt/ink/ink14.xml><?xml version="1.0" encoding="utf-8"?>
+<inkml:ink xmlns:inkml="http://www.w3.org/2003/InkML">
+  <inkml:definitions>
+    <inkml:context xml:id="ctx0">
+      <inkml:inkSource xml:id="inkSrc0">
+        <inkml:traceFormat>
+          <inkml:channel name="X" type="integer" min="-2.14748E9" max="2.14748E9" units="cm"/>
+          <inkml:channel name="Y" type="integer" min="-2.14748E9" max="2.14748E9" units="cm"/>
+          <inkml:channel name="F" type="integer" max="32767" units="dev"/>
+          <inkml:channel name="OA" type="integer" max="360" units="deg"/>
+          <inkml:channel name="OE" type="integer" max="90" units="deg"/>
+        </inkml:traceFormat>
+        <inkml:channelProperties>
+          <inkml:channelProperty channel="X" name="resolution" value="1000" units="1/cm"/>
+          <inkml:channelProperty channel="Y" name="resolution" value="1000" units="1/cm"/>
+          <inkml:channelProperty channel="F" name="resolution" value="0" units="1/dev"/>
+          <inkml:channelProperty channel="OA" name="resolution" value="1000" units="1/deg"/>
+          <inkml:channelProperty channel="OE" name="resolution" value="1000" units="1/deg"/>
+        </inkml:channelProperties>
+      </inkml:inkSource>
+      <inkml:timestamp xml:id="ts0" timeString="2021-07-15T16:31:31.185"/>
+    </inkml:context>
+    <inkml:brush xml:id="br0">
+      <inkml:brushProperty name="width" value="0.05" units="cm"/>
+      <inkml:brushProperty name="height" value="0.05" units="cm"/>
+      <inkml:brushProperty name="color" value="#FF0066"/>
+    </inkml:brush>
+  </inkml:definitions>
+  <inkml:trace contextRef="#ctx0" brushRef="#br0">30 1 3224 0 0,'-13'2'3216'0'0,"6"-1"389"0"0,-3 1 4299 0 0,10-2-7793 0 0,0 1 0 0 0,0-1 0 0 0,1 1 0 0 0,-1-1 0 0 0,0 0-1 0 0,0 1 1 0 0,0-1 0 0 0,1 0 0 0 0,-1 0 0 0 0,0 1 0 0 0,0-1 0 0 0,1 0 0 0 0,-1 1 0 0 0,0-1 0 0 0,0 0 0 0 0,1 0 0 0 0,-1 0 0 0 0,0 1 0 0 0,1-1 0 0 0,-1 0 0 0 0,0 0 0 0 0,1 0 0 0 0,-1 0 0 0 0,1 0 0 0 0,-1 1 0 0 0,1-1 0 0 0,8 3 241 0 0,0 1 0 0 0,1-2 0 0 0,-1 1 0 0 0,12 1 0 0 0,3 0 182 0 0,37 8 977 0 0,121 4-1 0 0,0 1-659 0 0,-122-10-562 0 0,84 0-1 0 0,61-12 294 0 0,-113 1-229 0 0,-8 0-45 0 0,-31 0-152 0 0,0 3-1 0 0,80 8 1 0 0,0 7 490 0 0,-120-14-576 0 0,-1 0-1 0 0,1 0 0 0 0,0-2 1 0 0,-1 1-1 0 0,24-8 0 0 0,-6 7-9 0 0,-29 2-149 0 0</inkml:trace>
+</inkml:ink>
+</file>
+
+<file path=ppt/ink/ink15.xml><?xml version="1.0" encoding="utf-8"?>
+<inkml:ink xmlns:inkml="http://www.w3.org/2003/InkML">
+  <inkml:definitions>
+    <inkml:context xml:id="ctx0">
+      <inkml:inkSource xml:id="inkSrc0">
+        <inkml:traceFormat>
+          <inkml:channel name="X" type="integer" min="-2.14748E9" max="2.14748E9" units="cm"/>
+          <inkml:channel name="Y" type="integer" min="-2.14748E9" max="2.14748E9" units="cm"/>
+          <inkml:channel name="F" type="integer" max="32767" units="dev"/>
+          <inkml:channel name="OA" type="integer" max="360" units="deg"/>
+          <inkml:channel name="OE" type="integer" max="90" units="deg"/>
+        </inkml:traceFormat>
+        <inkml:channelProperties>
+          <inkml:channelProperty channel="X" name="resolution" value="1000" units="1/cm"/>
+          <inkml:channelProperty channel="Y" name="resolution" value="1000" units="1/cm"/>
+          <inkml:channelProperty channel="F" name="resolution" value="0" units="1/dev"/>
+          <inkml:channelProperty channel="OA" name="resolution" value="1000" units="1/deg"/>
+          <inkml:channelProperty channel="OE" name="resolution" value="1000" units="1/deg"/>
+        </inkml:channelProperties>
+      </inkml:inkSource>
+      <inkml:timestamp xml:id="ts0" timeString="2021-07-15T16:31:43.176"/>
+    </inkml:context>
+    <inkml:brush xml:id="br0">
+      <inkml:brushProperty name="width" value="0.05" units="cm"/>
+      <inkml:brushProperty name="height" value="0.05" units="cm"/>
+      <inkml:brushProperty name="color" value="#FF0066"/>
+    </inkml:brush>
+  </inkml:definitions>
+  <inkml:trace contextRef="#ctx0" brushRef="#br0">65 216 4608 0 0,'-13'0'448'0'0,"-38"5"9542"0"0,89-3-3077 0 0,-9 1-5945 0 0,48-3 0 0 0,66-6 470 0 0,-36 3-1022 0 0,-34 1 313 0 0,18-2 413 0 0,-24 2-1130 0 0,17-3-13 0 0,-72 5 18 0 0,15-3-55 0 0,-26 3 48 0 0,0 0 1 0 0,0 0 0 0 0,0 0 0 0 0,-1 0-1 0 0,1 0 1 0 0,0-1 0 0 0,0 1-1 0 0,0 0 1 0 0,-1-1 0 0 0,1 1 0 0 0,0 0-1 0 0,-1-1 1 0 0,1 1 0 0 0,0-1 0 0 0,-1 1-1 0 0,1-1 1 0 0,0 0 0 0 0,-1 1-1 0 0,1-1 1 0 0,-1 0 0 0 0,1 1 0 0 0,-1-1-1 0 0,0 0 1 0 0,1-1 0 0 0,-1 0 106 0 0,0-1-1 0 0,0 1 1 0 0,0-1 0 0 0,0 1-1 0 0,-1-1 1 0 0,1 1 0 0 0,-1-1-1 0 0,0 1 1 0 0,0-1 0 0 0,0 1-1 0 0,-1-3 1 0 0,-1 0-33 0 0,0 0 1 0 0,0 0-1 0 0,-6-8 0 0 0,-9-6-109 0 0,-2 1-1 0 0,0 1 0 0 0,-1 0 1 0 0,-40-22-1 0 0,56 36 20 0 0,0 0-1 0 0,-1 1 0 0 0,0 0 1 0 0,1 0-1 0 0,-1 0 1 0 0,0 1-1 0 0,0 0 1 0 0,0 0-1 0 0,0 0 1 0 0,-8 1-1 0 0,13 0 7 0 0,0 0 0 0 0,1 0 0 0 0,-1 0 0 0 0,0 0 0 0 0,0 0 0 0 0,0 1 0 0 0,0-1 0 0 0,0 0 0 0 0,0 0 0 0 0,0 1 0 0 0,1-1 0 0 0,-1 1 0 0 0,0-1 0 0 0,0 1 0 0 0,1-1 0 0 0,-1 1 0 0 0,0 0 0 0 0,1-1 0 0 0,-1 1 0 0 0,0 0 0 0 0,1-1 0 0 0,-1 1 0 0 0,0 1 0 0 0,1-2 0 0 0,0 1 0 0 0,-1-1 0 0 0,1 0 0 0 0,0 1 0 0 0,0-1 0 0 0,0 1 0 0 0,-1-1 0 0 0,1 1 0 0 0,0-1 0 0 0,0 1 0 0 0,0-1 0 0 0,0 1 0 0 0,0 0 0 0 0,0-1 0 0 0,0 1 0 0 0,0-1 0 0 0,0 1 0 0 0,0-1 0 0 0,0 1 0 0 0,0-1 0 0 0,1 1 0 0 0,-1-1 0 0 0,0 1 0 0 0,0-1 0 0 0,0 1 0 0 0,1-1 0 0 0,-1 1 0 0 0,0-1 0 0 0,1 0 0 0 0,-1 1 0 0 0,0-1 0 0 0,1 1 0 0 0,5 7 0 0 0,-4-6 1 0 0,0 1 0 0 0,1-1 0 0 0,0 0 1 0 0,-1 0-1 0 0,1 0 0 0 0,0 0 0 0 0,0-1 0 0 0,0 1 0 0 0,0-1 0 0 0,5 2 0 0 0,10 5 62 0 0,-3-1-19 0 0,-1-1 0 0 0,1 0 0 0 0,0-1 0 0 0,0-1 0 0 0,18 3 0 0 0,-27-6-26 0 0,-1-1 0 0 0,0 1 0 0 0,1-1 0 0 0,8-2 1 0 0,-9 2-4 0 0,0-1 0 0 0,0 1 0 0 0,0 0 0 0 0,0 0 0 0 0,8 1 0 0 0,-1 2 34 0 0,-1 0-1 0 0,19 8 0 0 0,-27-10-25 0 0,0 1 0 0 0,0-1 0 0 0,0 1 0 0 0,0-1 0 0 0,-1 1 0 0 0,1 0 0 0 0,-1 0 0 0 0,5 4-1 0 0,-7-5-10 0 0,1 0 0 0 0,0 0 0 0 0,-1 0 0 0 0,1 0 0 0 0,0 1 0 0 0,-1-1 0 0 0,0 0 0 0 0,1 0 0 0 0,-1 1 0 0 0,0-1 0 0 0,1 0-1 0 0,-1 0 1 0 0,0 1 0 0 0,0-1 0 0 0,0 0 0 0 0,0 1 0 0 0,0-1 0 0 0,-1 0 0 0 0,1 0 0 0 0,0 1 0 0 0,-1-1 0 0 0,1 0-1 0 0,-1 2 1 0 0,-8 21 85 0 0,1-4-18 0 0,-16 30 0 0 0,-67 90 301 0 0,78-120-486 0 0,8-11 85 0 0,-1-1-1 0 0,0 0 1 0 0,-7 8-1 0 0,12-14 33 0 0,-9 2-107 0 0,9-4-342 0 0,1-12-7359 0 0</inkml:trace>
+</inkml:ink>
+</file>
+
+<file path=ppt/ink/ink16.xml><?xml version="1.0" encoding="utf-8"?>
+<inkml:ink xmlns:inkml="http://www.w3.org/2003/InkML">
+  <inkml:definitions>
+    <inkml:context xml:id="ctx0">
+      <inkml:inkSource xml:id="inkSrc0">
+        <inkml:traceFormat>
+          <inkml:channel name="X" type="integer" min="-2.14748E9" max="2.14748E9" units="cm"/>
+          <inkml:channel name="Y" type="integer" min="-2.14748E9" max="2.14748E9" units="cm"/>
+          <inkml:channel name="F" type="integer" max="32767" units="dev"/>
+          <inkml:channel name="OA" type="integer" max="360" units="deg"/>
+          <inkml:channel name="OE" type="integer" max="90" units="deg"/>
+        </inkml:traceFormat>
+        <inkml:channelProperties>
+          <inkml:channelProperty channel="X" name="resolution" value="1000" units="1/cm"/>
+          <inkml:channelProperty channel="Y" name="resolution" value="1000" units="1/cm"/>
+          <inkml:channelProperty channel="F" name="resolution" value="0" units="1/dev"/>
+          <inkml:channelProperty channel="OA" name="resolution" value="1000" units="1/deg"/>
+          <inkml:channelProperty channel="OE" name="resolution" value="1000" units="1/deg"/>
+        </inkml:channelProperties>
+      </inkml:inkSource>
+      <inkml:timestamp xml:id="ts0" timeString="2021-07-15T16:31:53.504"/>
+    </inkml:context>
+    <inkml:brush xml:id="br0">
+      <inkml:brushProperty name="width" value="0.05" units="cm"/>
+      <inkml:brushProperty name="height" value="0.05" units="cm"/>
+      <inkml:brushProperty name="color" value="#FF0066"/>
+    </inkml:brush>
+  </inkml:definitions>
+  <inkml:trace contextRef="#ctx0" brushRef="#br0">66 276 5528 0 0,'-18'4'620'0'0,"-11"-3"6378"0"0,18-2-3185 0 0,11 2-3701 0 0,0-1 0 0 0,-1 0 0 0 0,1 0 0 0 0,0 0 0 0 0,0 0 0 0 0,-1 0 0 0 0,1 0 0 0 0,0 0 0 0 0,0-1 0 0 0,-1 1 0 0 0,1 0 0 0 0,0 0 0 0 0,-1 0 0 0 0,1 0 0 0 0,0 0 0 0 0,0 0 0 0 0,-1 0 0 0 0,1-1-1 0 0,0 1 1 0 0,0 0 0 0 0,0 0 0 0 0,-1 0 0 0 0,1 0 0 0 0,0-1 0 0 0,0 1 0 0 0,0 0 0 0 0,0 0 0 0 0,-1-1 0 0 0,1 1 0 0 0,0 0 0 0 0,0 0 0 0 0,0-1 0 0 0,2-9 1340 0 0,11-8-239 0 0,-9 13-1026 0 0,2 1 0 0 0,-1-1 0 0 0,0 1 1 0 0,1 1-1 0 0,0-1 0 0 0,0 1 0 0 0,0 0 0 0 0,0 0 0 0 0,10-3 0 0 0,8-1 58 0 0,30-4-1 0 0,-45 9-164 0 0,56-7 129 0 0,82-1-1 0 0,-121 9 202 0 0,169-24 210 0 0,-182 23-555 0 0,28-7 182 0 0,-38 8-210 0 0,0 0 0 0 0,0 0 1 0 0,0 0-1 0 0,0 0 0 0 0,-1 0 0 0 0,1-1 0 0 0,0 0 1 0 0,0 1-1 0 0,-1-1 0 0 0,5-4 0 0 0,-7 5-26 0 0,1 1 0 0 0,-1-1-1 0 0,0 0 1 0 0,1 0 0 0 0,-1 1 0 0 0,0-1-1 0 0,0 0 1 0 0,0 1 0 0 0,1-1 0 0 0,-1 0 0 0 0,0 0-1 0 0,0 0 1 0 0,0 1 0 0 0,0-1 0 0 0,0 0-1 0 0,0 0 1 0 0,0 1 0 0 0,-1-1 0 0 0,1 0-1 0 0,0 0 1 0 0,0 1 0 0 0,-1-1 0 0 0,1 0-1 0 0,0 1 1 0 0,-1-1 0 0 0,1 0 0 0 0,-1 1 0 0 0,1-1-1 0 0,-1 0 1 0 0,1 1 0 0 0,-1-1 0 0 0,1 1-1 0 0,-1-1 1 0 0,0 0 0 0 0,-5-4 52 0 0,1 1 1 0 0,-1 0 0 0 0,-6-4-1 0 0,1 1 10 0 0,4 2-48 0 0,-1 0-1 0 0,-1 1 1 0 0,1-1 0 0 0,-1 2-1 0 0,0-1 1 0 0,0 1 0 0 0,-9-2 0 0 0,-2 1-19 0 0,-1 0 0 0 0,-23-1 0 0 0,31 5-6 0 0,1 0 0 0 0,-1 1 0 0 0,0 0 0 0 0,-16 4 0 0 0,29-5 0 0 0,0 0 1 0 0,0 0-1 0 0,0 0 1 0 0,0 0-1 0 0,-1 0 0 0 0,1 0 1 0 0,0 0-1 0 0,0 0 0 0 0,0 0 1 0 0,0 0-1 0 0,0 0 0 0 0,0 0 1 0 0,0 0-1 0 0,0 0 0 0 0,0 0 1 0 0,0 0-1 0 0,0 0 0 0 0,0 0 1 0 0,0 0-1 0 0,0 0 0 0 0,-1 0 1 0 0,1 0-1 0 0,0 0 0 0 0,0 0 1 0 0,0 1-1 0 0,0-1 1 0 0,0 0-1 0 0,0 0 0 0 0,0 0 1 0 0,0 0-1 0 0,0 0 0 0 0,0 0 1 0 0,0 0-1 0 0,0 0 0 0 0,0 0 1 0 0,0 0-1 0 0,0 0 0 0 0,0 0 1 0 0,0 0-1 0 0,0 1 0 0 0,0-1 1 0 0,0 0-1 0 0,0 0 0 0 0,0 0 1 0 0,0 0-1 0 0,0 0 0 0 0,0 0 1 0 0,0 0-1 0 0,0 0 1 0 0,0 0-1 0 0,0 0 0 0 0,0 0 1 0 0,0 0-1 0 0,0 1 0 0 0,5 3 106 0 0,7 1 161 0 0,6-4-312 0 0,0-1 0 0 0,0-1-1 0 0,0-1 1 0 0,0-1 0 0 0,32-8 0 0 0,23-4 340 0 0,-73 15-292 0 0,0 0 0 0 0,0 0 0 0 0,0 0 0 0 0,0 0 0 0 0,1 0-1 0 0,-1 0 1 0 0,0 0 0 0 0,0 0 0 0 0,0 0 0 0 0,1 0 0 0 0,-1 0 0 0 0,0 0 0 0 0,0 0 0 0 0,0 0-1 0 0,0 0 1 0 0,1 0 0 0 0,-1 0 0 0 0,0 0 0 0 0,0 0 0 0 0,0 0 0 0 0,0 0 0 0 0,1 0 0 0 0,-1 1-1 0 0,0-1 1 0 0,0 0 0 0 0,0 0 0 0 0,0 0 0 0 0,0 0 0 0 0,0 0 0 0 0,1 1 0 0 0,-1-1-1 0 0,0 0 1 0 0,0 0 0 0 0,0 0 0 0 0,0 0 0 0 0,0 1 0 0 0,0-1 0 0 0,0 0 0 0 0,0 0 0 0 0,-2 11 228 0 0,-11 16 238 0 0,9-19-397 0 0,-5 9-122 0 0,0-1 1 0 0,-16 20-1 0 0,15-22-67 0 0,0 1 0 0 0,-14 29 0 0 0,23-42-142 0 0,1-1 1 0 0,-1 0-1 0 0,1 0 0 0 0,0 0 0 0 0,-1 1 0 0 0,1-1 1 0 0,0 0-1 0 0,0 1 0 0 0,0-1 0 0 0,0 0 1 0 0,0 1-1 0 0,0-1 0 0 0,0 0 0 0 0,0 0 0 0 0,1 1 1 0 0,-1-1-1 0 0,0 0 0 0 0,1 0 0 0 0,-1 1 1 0 0,1-1-1 0 0,0 0 0 0 0,0 2 0 0 0</inkml:trace>
+</inkml:ink>
+</file>
+
+<file path=ppt/ink/ink17.xml><?xml version="1.0" encoding="utf-8"?>
+<inkml:ink xmlns:inkml="http://www.w3.org/2003/InkML">
+  <inkml:definitions>
+    <inkml:context xml:id="ctx0">
+      <inkml:inkSource xml:id="inkSrc0">
+        <inkml:traceFormat>
+          <inkml:channel name="X" type="integer" min="-2.14748E9" max="2.14748E9" units="cm"/>
+          <inkml:channel name="Y" type="integer" min="-2.14748E9" max="2.14748E9" units="cm"/>
+          <inkml:channel name="F" type="integer" max="32767" units="dev"/>
+          <inkml:channel name="OA" type="integer" max="360" units="deg"/>
+          <inkml:channel name="OE" type="integer" max="90" units="deg"/>
+        </inkml:traceFormat>
+        <inkml:channelProperties>
+          <inkml:channelProperty channel="X" name="resolution" value="1000" units="1/cm"/>
+          <inkml:channelProperty channel="Y" name="resolution" value="1000" units="1/cm"/>
+          <inkml:channelProperty channel="F" name="resolution" value="0" units="1/dev"/>
+          <inkml:channelProperty channel="OA" name="resolution" value="1000" units="1/deg"/>
+          <inkml:channelProperty channel="OE" name="resolution" value="1000" units="1/deg"/>
+        </inkml:channelProperties>
+      </inkml:inkSource>
+      <inkml:timestamp xml:id="ts0" timeString="2021-07-15T16:32:03.538"/>
+    </inkml:context>
+    <inkml:brush xml:id="br0">
+      <inkml:brushProperty name="width" value="0.05" units="cm"/>
+      <inkml:brushProperty name="height" value="0.05" units="cm"/>
+      <inkml:brushProperty name="color" value="#FF0066"/>
+    </inkml:brush>
+  </inkml:definitions>
+  <inkml:trace contextRef="#ctx0" brushRef="#br0">48 133 2304 0 0,'0'0'449'0'0,"-9"0"3007"0"0,5 0-2369 0 0,-1-1 1 0 0,1 1-1 0 0,-1-1 0 0 0,1 0 1 0 0,-12-3 7409 0 0,17 5-8394 0 0,0 0-1 0 0,0 0 1 0 0,1 0-1 0 0,-1 0 0 0 0,0 0 1 0 0,0-1-1 0 0,1 1 1 0 0,-1-1-1 0 0,1 1 1 0 0,-1-1-1 0 0,1 1 0 0 0,-1-1 1 0 0,3 0-1 0 0,23 3 614 0 0,363-5 2574 0 0,-240 10-2702 0 0,-1 1 216 0 0,-147-9-757 0 0,0 0 1 0 0,0 0 0 0 0,0 0 0 0 0,1 0 0 0 0,-1 0 0 0 0,0 0 0 0 0,1-1 0 0 0,-1 1 0 0 0,0-1 0 0 0,0 1 0 0 0,1-1 0 0 0,2-1 0 0 0,-5 1-35 0 0,1 0 0 0 0,-1 0 0 0 0,0 0 0 0 0,0 0-1 0 0,1 0 1 0 0,-1 0 0 0 0,0 0 0 0 0,0 0 0 0 0,0 0 0 0 0,0 0 0 0 0,0 1 0 0 0,0-1 0 0 0,0 0 0 0 0,-1 0 0 0 0,1 0 0 0 0,0 0 0 0 0,0 0-1 0 0,-1 0 1 0 0,1 0 0 0 0,-1 0 0 0 0,1 1 0 0 0,0-1 0 0 0,-1 0 0 0 0,0 0 0 0 0,1 0 0 0 0,-1 1 0 0 0,1-1 0 0 0,-1 0 0 0 0,0 1 0 0 0,0-1 0 0 0,1 1-1 0 0,-1-1 1 0 0,0 1 0 0 0,0-1 0 0 0,-1 0 0 0 0,-28-15 194 0 0,-61-25 1 0 0,40 20-167 0 0,-25-5-59 0 0,48 18-357 0 0,9 3 486 0 0,19 5-105 0 0,0 0-1 0 0,0 0 0 0 0,0 0 0 0 0,0 0 0 0 0,0 0 0 0 0,0 0 0 0 0,0 0 0 0 0,0 0 0 0 0,0 0 0 0 0,0 0 0 0 0,0 0 0 0 0,0 0 0 0 0,0 0 0 0 0,0 0 0 0 0,0 0 0 0 0,0 0 0 0 0,0 0 0 0 0,0 0 0 0 0,0 1 0 0 0,0-1 0 0 0,0 0 0 0 0,0 0 1 0 0,0 0-1 0 0,0 0 0 0 0,0 0 0 0 0,0 0 0 0 0,0 0 0 0 0,0 0 0 0 0,11 4 66 0 0,27 5-48 0 0,0-1-1 0 0,58 5 0 0 0,12 1 27 0 0,-103-14-6 0 0,-4 0-24 0 0,0 0-1 0 0,0 0 1 0 0,0 0 0 0 0,0 0 0 0 0,0 0 0 0 0,0 0 0 0 0,0 1 0 0 0,0-1 0 0 0,0 0-1 0 0,0 0 1 0 0,0 1 0 0 0,0-1 0 0 0,0 0 0 0 0,0 1 0 0 0,-1-1 0 0 0,1 1 0 0 0,0-1 0 0 0,1 2-1 0 0,-4 1 46 0 0,1 1 0 0 0,-1-1-1 0 0,1 1 1 0 0,-1-1 0 0 0,0 0-1 0 0,0 0 1 0 0,-4 4 0 0 0,1 0-3 0 0,-4 6 1 0 0,-1-1 0 0 0,0 0 0 0 0,-1 0 0 0 0,-1-1 1 0 0,0 0-1 0 0,-19 13 0 0 0,18-15-246 0 0,-11 8 593 0 0,4-11-3571 0 0</inkml:trace>
+</inkml:ink>
+</file>
+
+<file path=ppt/ink/ink18.xml><?xml version="1.0" encoding="utf-8"?>
+<inkml:ink xmlns:inkml="http://www.w3.org/2003/InkML">
+  <inkml:definitions>
+    <inkml:context xml:id="ctx0">
+      <inkml:inkSource xml:id="inkSrc0">
+        <inkml:traceFormat>
+          <inkml:channel name="X" type="integer" min="-2.14748E9" max="2.14748E9" units="cm"/>
+          <inkml:channel name="Y" type="integer" min="-2.14748E9" max="2.14748E9" units="cm"/>
+          <inkml:channel name="F" type="integer" max="32767" units="dev"/>
+          <inkml:channel name="OA" type="integer" max="360" units="deg"/>
+          <inkml:channel name="OE" type="integer" max="90" units="deg"/>
+        </inkml:traceFormat>
+        <inkml:channelProperties>
+          <inkml:channelProperty channel="X" name="resolution" value="1000" units="1/cm"/>
+          <inkml:channelProperty channel="Y" name="resolution" value="1000" units="1/cm"/>
+          <inkml:channelProperty channel="F" name="resolution" value="0" units="1/dev"/>
+          <inkml:channelProperty channel="OA" name="resolution" value="1000" units="1/deg"/>
+          <inkml:channelProperty channel="OE" name="resolution" value="1000" units="1/deg"/>
+        </inkml:channelProperties>
+      </inkml:inkSource>
+      <inkml:timestamp xml:id="ts0" timeString="2021-07-15T16:32:12.606"/>
+    </inkml:context>
+    <inkml:brush xml:id="br0">
+      <inkml:brushProperty name="width" value="0.05" units="cm"/>
+      <inkml:brushProperty name="height" value="0.05" units="cm"/>
+      <inkml:brushProperty name="color" value="#FF0066"/>
+    </inkml:brush>
+  </inkml:definitions>
+  <inkml:trace contextRef="#ctx0" brushRef="#br0">16 18 4144 0 0,'0'0'631'0'0,"-9"9"6654"0"0,9-9-7074 0 0,-1 0 0 0 0,1 1 0 0 0,-1-1 0 0 0,1 1 0 0 0,-1-1 0 0 0,1 1 1 0 0,0-1-1 0 0,-1 1 0 0 0,1-1 0 0 0,-1 1 0 0 0,1-1 0 0 0,0 1 0 0 0,0 0 0 0 0,-1-1 1 0 0,1 1-1 0 0,0-1 0 0 0,0 1 0 0 0,0 0 0 0 0,0-1 0 0 0,0 1 0 0 0,0 0 0 0 0,0-1 0 0 0,0 1 1 0 0,0-1-1 0 0,0 1 0 0 0,0 0 0 0 0,0-1 0 0 0,0 1 0 0 0,0 0 0 0 0,1-1 0 0 0,-1 1 1 0 0,0-1-1 0 0,0 1 0 0 0,1-1 0 0 0,0 2 0 0 0,1 0 22 0 0,-1-1 0 0 0,1 1-1 0 0,0 0 1 0 0,1-1 0 0 0,-1 0-1 0 0,0 1 1 0 0,0-1 0 0 0,1 0 0 0 0,2 1-1 0 0,1 0-47 0 0,0-1 0 0 0,-1 0-1 0 0,1-1 1 0 0,0 1-1 0 0,0-1 1 0 0,-1 0 0 0 0,11-1-1 0 0,8-1 417 0 0,257 2 1743 0 0,-119-12-1435 0 0,0-1-391 0 0,-137 13-229 0 0,-13-1-159 0 0,1 1 1 0 0,-1 1-1 0 0,19 2 1 0 0,36 5 114 0 0,-14-4-26 0 0,-38-2-75 0 0,24-2 0 0 0,6 1 16 0 0,120 8 159 0 0,-56-4-22 0 0,115 1 1246 0 0,-132 1-939 0 0,-89-7-557 0 0,1-1-1 0 0,-1 1 1 0 0,1-1 0 0 0,-1 0 0 0 0,5-1 0 0 0,10-2 70 0 0,-17 4-114 0 0,1-1 20 0 0,10-8-2 0 0,-9 6-21 0 0,-1-2 0 0 0,-2 4-33 0 0,1 0 1 0 0,-1 0-1 0 0,0 0 1 0 0,0 0-1 0 0,1 0 0 0 0,-1 0 1 0 0,0 0-1 0 0,0 0 1 0 0,0 0-1 0 0,0 0 0 0 0,-1 0 1 0 0,1 0-1 0 0,0 0 0 0 0,0 0 1 0 0,-1 0-1 0 0,1 0 1 0 0,-1-2-1 0 0,-1-2-244 0 0,-8-27-4613 0 0</inkml:trace>
+</inkml:ink>
+</file>
+
+<file path=ppt/ink/ink19.xml><?xml version="1.0" encoding="utf-8"?>
+<inkml:ink xmlns:inkml="http://www.w3.org/2003/InkML">
+  <inkml:definitions>
+    <inkml:context xml:id="ctx0">
+      <inkml:inkSource xml:id="inkSrc0">
+        <inkml:traceFormat>
+          <inkml:channel name="X" type="integer" min="-2.14748E9" max="2.14748E9" units="cm"/>
+          <inkml:channel name="Y" type="integer" min="-2.14748E9" max="2.14748E9" units="cm"/>
+          <inkml:channel name="F" type="integer" max="32767" units="dev"/>
+          <inkml:channel name="OA" type="integer" max="360" units="deg"/>
+          <inkml:channel name="OE" type="integer" max="90" units="deg"/>
+        </inkml:traceFormat>
+        <inkml:channelProperties>
+          <inkml:channelProperty channel="X" name="resolution" value="1000" units="1/cm"/>
+          <inkml:channelProperty channel="Y" name="resolution" value="1000" units="1/cm"/>
+          <inkml:channelProperty channel="F" name="resolution" value="0" units="1/dev"/>
+          <inkml:channelProperty channel="OA" name="resolution" value="1000" units="1/deg"/>
+          <inkml:channelProperty channel="OE" name="resolution" value="1000" units="1/deg"/>
+        </inkml:channelProperties>
+      </inkml:inkSource>
+      <inkml:timestamp xml:id="ts0" timeString="2021-07-15T16:32:14.448"/>
+    </inkml:context>
+    <inkml:brush xml:id="br0">
+      <inkml:brushProperty name="width" value="0.05" units="cm"/>
+      <inkml:brushProperty name="height" value="0.05" units="cm"/>
+      <inkml:brushProperty name="color" value="#FF0066"/>
+    </inkml:brush>
+  </inkml:definitions>
+  <inkml:trace contextRef="#ctx0" brushRef="#br0">31 78 13592 0 0,'0'0'1556'0'0,"14"4"1259"0"0,-10-3-2172 0 0,-3-1-407 0 0,0 1 0 0 0,1 0 0 0 0,-1-1 0 0 0,0 1 0 0 0,1 0 0 0 0,-1-1 0 0 0,0 1 0 0 0,0 0 0 0 0,1 0 0 0 0,-1 0 0 0 0,1 2 0 0 0,0 1-140 0 0,0-1-1 0 0,0 1 1 0 0,-1-1 0 0 0,1 1-1 0 0,-1 0 1 0 0,0-1 0 0 0,0 1-1 0 0,0 0 1 0 0,-1 0 0 0 0,1 0-1 0 0,-1 0 1 0 0,0 0 0 0 0,0 5 0 0 0,0 8 57 0 0,1 7-65 0 0,-2 1 0 0 0,-1 0 0 0 0,-1-1-1 0 0,-6 24 1 0 0,3-12 69 0 0,5-31-144 0 0,0 4 231 0 0,-1 0 1 0 0,1 0 0 0 0,-2 0-1 0 0,1-1 1 0 0,-7 14-1 0 0,9-21-112 0 0,-8 15 269 0 0,8-15-400 0 0,0-1 0 0 0,0 0-1 0 0,0 1 1 0 0,0-1 0 0 0,0 0 0 0 0,0 1 0 0 0,0-1-1 0 0,-1 0 1 0 0,1 1 0 0 0,0-1 0 0 0,0 0 0 0 0,0 1-1 0 0,-1-1 1 0 0,1 0 0 0 0,0 1 0 0 0,0-1 0 0 0,-1 0-1 0 0,1 0 1 0 0,0 0 0 0 0,-1 1 0 0 0,1-1 0 0 0,0 0-1 0 0,-1 0 1 0 0,1 0 0 0 0,0 0 0 0 0,-1 1 0 0 0,1-1-1 0 0,0 0 1 0 0,-1 0 0 0 0,1 0 0 0 0,0 0 0 0 0,-1 0-1 0 0,1 0 1 0 0,0 0 0 0 0,-1 0 0 0 0,1 0 0 0 0,-1 0-1 0 0,1 0 1 0 0,0 0 0 0 0,-1 0 0 0 0,1-1 0 0 0,0 1-1 0 0,-1 0 1 0 0,-1-2-1 0 0,1 0 0 0 0,0 0 0 0 0,-1 0 0 0 0,1 0 0 0 0,0 0 0 0 0,0 0 0 0 0,1 0 0 0 0,-1 0 0 0 0,0 0 0 0 0,1-1 0 0 0,-1-2 0 0 0,-3-29 0 0 0,3 21 0 0 0,-1-15 279 0 0,1 1 1 0 0,1 0-1 0 0,2-1 0 0 0,0 1 0 0 0,2 0 0 0 0,1 0 0 0 0,14-44 0 0 0,-16 63-137 0 0,0 0-1 0 0,1 0 1 0 0,0 1-1 0 0,1 0 0 0 0,0 0 1 0 0,0 0-1 0 0,0 0 1 0 0,1 1-1 0 0,9-8 0 0 0,-12 11-92 0 0,0 0 0 0 0,1 0 0 0 0,0 1 0 0 0,-1-1 0 0 0,1 1-1 0 0,0 0 1 0 0,0 0 0 0 0,0 0 0 0 0,1 0 0 0 0,-1 1 0 0 0,0 0-1 0 0,1 0 1 0 0,-1 0 0 0 0,1 0 0 0 0,-1 1 0 0 0,1 0 0 0 0,-1 0-1 0 0,1 0 1 0 0,4 1 0 0 0,-6-1-8 0 0,0 1 0 0 0,-1 0-1 0 0,1 0 1 0 0,0 0 0 0 0,-1 0 0 0 0,1 0-1 0 0,-1 1 1 0 0,1-1 0 0 0,-1 1-1 0 0,0-1 1 0 0,1 1 0 0 0,-1 0 0 0 0,0 0-1 0 0,0 0 1 0 0,0 0 0 0 0,0 0 0 0 0,2 5-1 0 0,-2-4-16 0 0,-1 1 0 0 0,1-1 0 0 0,-1 1-1 0 0,0 0 1 0 0,0-1 0 0 0,0 1-1 0 0,0 0 1 0 0,-1 0 0 0 0,0-1 0 0 0,0 1-1 0 0,0 0 1 0 0,0 4 0 0 0,-1-3-13 0 0,1 0 0 0 0,-1 0 0 0 0,0-1 0 0 0,0 1 0 0 0,-1 0 1 0 0,1-1-1 0 0,-1 1 0 0 0,0-1 0 0 0,0 0 0 0 0,-1 0 0 0 0,1 0 0 0 0,-1 0 1 0 0,0 0-1 0 0,0 0 0 0 0,0-1 0 0 0,-1 1 0 0 0,1-1 0 0 0,-1 0 0 0 0,0 0 0 0 0,0 0 1 0 0,-4 2-1 0 0,4-4 16 0 0,0 0 0 0 0,1 0 1 0 0,-1 0-1 0 0,0-1 0 0 0,0 1 0 0 0,0-1 1 0 0,1 0-1 0 0,-1 0 0 0 0,0 0 1 0 0,0-1-1 0 0,0 1 0 0 0,-6-3 0 0 0,2 1-611 0 0,0-1-1 0 0,1 0 1 0 0,-1 0-1 0 0,-12-8 1 0 0,19 10-91 0 0,-5-3 134 0 0</inkml:trace>
+</inkml:ink>
+</file>
+
+<file path=ppt/ink/ink2.xml><?xml version="1.0" encoding="utf-8"?>
+<inkml:ink xmlns:inkml="http://www.w3.org/2003/InkML">
+  <inkml:definitions>
+    <inkml:context xml:id="ctx0">
+      <inkml:inkSource xml:id="inkSrc0">
+        <inkml:traceFormat>
+          <inkml:channel name="X" type="integer" min="-2.14748E9" max="2.14748E9" units="cm"/>
+          <inkml:channel name="Y" type="integer" min="-2.14748E9" max="2.14748E9" units="cm"/>
+          <inkml:channel name="F" type="integer" max="32767" units="dev"/>
+          <inkml:channel name="OA" type="integer" max="360" units="deg"/>
+          <inkml:channel name="OE" type="integer" max="90" units="deg"/>
+        </inkml:traceFormat>
+        <inkml:channelProperties>
+          <inkml:channelProperty channel="X" name="resolution" value="1000" units="1/cm"/>
+          <inkml:channelProperty channel="Y" name="resolution" value="1000" units="1/cm"/>
+          <inkml:channelProperty channel="F" name="resolution" value="0" units="1/dev"/>
+          <inkml:channelProperty channel="OA" name="resolution" value="1000" units="1/deg"/>
+          <inkml:channelProperty channel="OE" name="resolution" value="1000" units="1/deg"/>
+        </inkml:channelProperties>
+      </inkml:inkSource>
+      <inkml:timestamp xml:id="ts0" timeString="2021-07-15T16:30:47.068"/>
+    </inkml:context>
+    <inkml:brush xml:id="br0">
+      <inkml:brushProperty name="width" value="0.05" units="cm"/>
+      <inkml:brushProperty name="height" value="0.05" units="cm"/>
+      <inkml:brushProperty name="color" value="#FF0066"/>
+    </inkml:brush>
+  </inkml:definitions>
+  <inkml:trace contextRef="#ctx0" brushRef="#br0">28 71 9848 0 0,'0'0'474'0'0,"-6"-13"76"0"0,4 10-22 0 0,0 0 0 0 0,0 0 0 0 0,1-1 0 0 0,-1 1 0 0 0,1-1 0 0 0,-2-4 0 0 0,0-1 642 0 0,3 8-722 0 0,-5-15 8340 0 0,11 21-8299 0 0,-6-4-468 0 0,1 0 0 0 0,-1-1 1 0 0,1 1-1 0 0,-1-1 0 0 0,1 1 0 0 0,-1-1 1 0 0,1 1-1 0 0,0-1 0 0 0,-1 1 0 0 0,1-1 1 0 0,0 0-1 0 0,-1 1 0 0 0,1-1 0 0 0,0 0 1 0 0,0 0-1 0 0,-1 1 0 0 0,1-1 0 0 0,0 0 1 0 0,0 0-1 0 0,-1 0 0 0 0,1 0 0 0 0,0 0 1 0 0,0 0-1 0 0,0 0 0 0 0,-1 0 0 0 0,1 0 1 0 0,0-1-1 0 0,0 1 0 0 0,0 0 1 0 0,10-3 103 0 0,0 0 0 0 0,0 1 0 0 0,1 1 0 0 0,18-1 0 0 0,-9 1-10 0 0,123-3 633 0 0,-139 4-746 0 0,-1 1 42 0 0,0-1 0 0 0,1 1 1 0 0,-1 0-1 0 0,0 0 0 0 0,1 0 0 0 0,-1 0 0 0 0,5 3 0 0 0,-5-2 6 0 0,0 0 0 0 0,0-1-1 0 0,1 0 1 0 0,-1 0 0 0 0,0 0-1 0 0,0 0 1 0 0,7 0 0 0 0,35-1 299 0 0,-44-1-379 0 0,0 1 1 0 0,1-1-1 0 0,-1 0 0 0 0,0 0 0 0 0,0 0 0 0 0,4-2 0 0 0</inkml:trace>
+</inkml:ink>
+</file>
+
+<file path=ppt/ink/ink20.xml><?xml version="1.0" encoding="utf-8"?>
+<inkml:ink xmlns:inkml="http://www.w3.org/2003/InkML">
+  <inkml:definitions>
+    <inkml:context xml:id="ctx0">
+      <inkml:inkSource xml:id="inkSrc0">
+        <inkml:traceFormat>
+          <inkml:channel name="X" type="integer" min="-2.14748E9" max="2.14748E9" units="cm"/>
+          <inkml:channel name="Y" type="integer" min="-2.14748E9" max="2.14748E9" units="cm"/>
+          <inkml:channel name="F" type="integer" max="32767" units="dev"/>
+          <inkml:channel name="OA" type="integer" max="360" units="deg"/>
+          <inkml:channel name="OE" type="integer" max="90" units="deg"/>
+        </inkml:traceFormat>
+        <inkml:channelProperties>
+          <inkml:channelProperty channel="X" name="resolution" value="1000" units="1/cm"/>
+          <inkml:channelProperty channel="Y" name="resolution" value="1000" units="1/cm"/>
+          <inkml:channelProperty channel="F" name="resolution" value="0" units="1/dev"/>
+          <inkml:channelProperty channel="OA" name="resolution" value="1000" units="1/deg"/>
+          <inkml:channelProperty channel="OE" name="resolution" value="1000" units="1/deg"/>
+        </inkml:channelProperties>
+      </inkml:inkSource>
+      <inkml:timestamp xml:id="ts0" timeString="2021-07-15T16:32:14.794"/>
+    </inkml:context>
+    <inkml:brush xml:id="br0">
+      <inkml:brushProperty name="width" value="0.05" units="cm"/>
+      <inkml:brushProperty name="height" value="0.05" units="cm"/>
+      <inkml:brushProperty name="color" value="#FF0066"/>
+    </inkml:brush>
+  </inkml:definitions>
+  <inkml:trace contextRef="#ctx0" brushRef="#br0">0 93 2304 0 0,'2'0'22503'0'0,"7"3"-21508"0"0,5-4-409 0 0,-1-1 1 0 0,0 0-1 0 0,0-1 0 0 0,0-1 1 0 0,0 1-1 0 0,-1-2 0 0 0,19-9 1 0 0,-13 6-340 0 0,0 1 0 0 0,28-7 0 0 0,25-3-162 0 0,-44 12-317 0 0,-15 5-6917 0 0,-20-11 2850 0 0</inkml:trace>
+</inkml:ink>
+</file>
+
+<file path=ppt/ink/ink21.xml><?xml version="1.0" encoding="utf-8"?>
+<inkml:ink xmlns:inkml="http://www.w3.org/2003/InkML">
+  <inkml:definitions>
+    <inkml:context xml:id="ctx0">
+      <inkml:inkSource xml:id="inkSrc0">
+        <inkml:traceFormat>
+          <inkml:channel name="X" type="integer" min="-2.14748E9" max="2.14748E9" units="cm"/>
+          <inkml:channel name="Y" type="integer" min="-2.14748E9" max="2.14748E9" units="cm"/>
+          <inkml:channel name="F" type="integer" max="32767" units="dev"/>
+          <inkml:channel name="OA" type="integer" max="360" units="deg"/>
+          <inkml:channel name="OE" type="integer" max="90" units="deg"/>
+        </inkml:traceFormat>
+        <inkml:channelProperties>
+          <inkml:channelProperty channel="X" name="resolution" value="1000" units="1/cm"/>
+          <inkml:channelProperty channel="Y" name="resolution" value="1000" units="1/cm"/>
+          <inkml:channelProperty channel="F" name="resolution" value="0" units="1/dev"/>
+          <inkml:channelProperty channel="OA" name="resolution" value="1000" units="1/deg"/>
+          <inkml:channelProperty channel="OE" name="resolution" value="1000" units="1/deg"/>
+        </inkml:channelProperties>
+      </inkml:inkSource>
+      <inkml:timestamp xml:id="ts0" timeString="2021-07-15T16:32:15.166"/>
+    </inkml:context>
+    <inkml:brush xml:id="br0">
+      <inkml:brushProperty name="width" value="0.05" units="cm"/>
+      <inkml:brushProperty name="height" value="0.05" units="cm"/>
+      <inkml:brushProperty name="color" value="#FF0066"/>
+    </inkml:brush>
+  </inkml:definitions>
+  <inkml:trace contextRef="#ctx0" brushRef="#br0">73 0 19895 0 0,'0'0'971'0'0,"-10"8"224"0"0,7-4-946 0 0,0-1 0 0 0,0 1 0 0 0,0 0 0 0 0,0 0 1 0 0,1 1-1 0 0,0-1 0 0 0,0 0 0 0 0,0 1 0 0 0,0-1 0 0 0,-1 8 1 0 0,-1 8 1247 0 0,-3 21 0 0 0,6-36-1478 0 0,-6 110 2005 0 0,0-10-972 0 0,4-55-979 0 0,3-49-286 0 0,-5-1-3043 0 0</inkml:trace>
+</inkml:ink>
+</file>
+
+<file path=ppt/ink/ink22.xml><?xml version="1.0" encoding="utf-8"?>
+<inkml:ink xmlns:inkml="http://www.w3.org/2003/InkML">
+  <inkml:definitions>
+    <inkml:context xml:id="ctx0">
+      <inkml:inkSource xml:id="inkSrc0">
+        <inkml:traceFormat>
+          <inkml:channel name="X" type="integer" min="-2.14748E9" max="2.14748E9" units="cm"/>
+          <inkml:channel name="Y" type="integer" min="-2.14748E9" max="2.14748E9" units="cm"/>
+          <inkml:channel name="F" type="integer" max="32767" units="dev"/>
+          <inkml:channel name="OA" type="integer" max="360" units="deg"/>
+          <inkml:channel name="OE" type="integer" max="90" units="deg"/>
+        </inkml:traceFormat>
+        <inkml:channelProperties>
+          <inkml:channelProperty channel="X" name="resolution" value="1000" units="1/cm"/>
+          <inkml:channelProperty channel="Y" name="resolution" value="1000" units="1/cm"/>
+          <inkml:channelProperty channel="F" name="resolution" value="0" units="1/dev"/>
+          <inkml:channelProperty channel="OA" name="resolution" value="1000" units="1/deg"/>
+          <inkml:channelProperty channel="OE" name="resolution" value="1000" units="1/deg"/>
+        </inkml:channelProperties>
+      </inkml:inkSource>
+      <inkml:timestamp xml:id="ts0" timeString="2021-07-15T16:32:18.847"/>
+    </inkml:context>
+    <inkml:brush xml:id="br0">
+      <inkml:brushProperty name="width" value="0.05" units="cm"/>
+      <inkml:brushProperty name="height" value="0.05" units="cm"/>
+      <inkml:brushProperty name="color" value="#FF0066"/>
+    </inkml:brush>
+  </inkml:definitions>
+  <inkml:trace contextRef="#ctx0" brushRef="#br0">235 195 4608 0 0,'0'-12'488'0'0,"3"-27"770"0"0,0 22 1155 0 0,7-24 0 0 0,20-45 9906 0 0,-51 122-12299 0 0,1 11 98 0 0,-15 59 0 0 0,11-32 558 0 0,2-5-104 0 0,-29 73-32 0 0,50-139-536 0 0,-11 19-12 0 0,12-21 8 0 0,-1-1 1 0 0,1 0 0 0 0,0 1 0 0 0,0-1 0 0 0,0 0 0 0 0,0 0 0 0 0,-1 1 0 0 0,1-1 0 0 0,0 0 0 0 0,0 0-1 0 0,-1 1 1 0 0,1-1 0 0 0,0 0 0 0 0,0 0 0 0 0,-1 0 0 0 0,1 1 0 0 0,0-1 0 0 0,-1 0 0 0 0,1 0-1 0 0,0 0 1 0 0,-1 0 0 0 0,1 0 0 0 0,0 0 0 0 0,-1 0 0 0 0,1 0 0 0 0,0 0 0 0 0,-1 0 0 0 0,1 0-1 0 0,0 0 1 0 0,-1 0 0 0 0,1 0 0 0 0,0 0 0 0 0,-1 0 0 0 0,1 0 0 0 0,0 0 0 0 0,0 0 0 0 0,-1 0-1 0 0,1 0 1 0 0,0-1 0 0 0,-1 1 0 0 0,1 0 0 0 0,0 0 0 0 0,0 0 0 0 0,-1-1 0 0 0,1 1 0 0 0,0 0 0 0 0,0 0-1 0 0,-1-1 1 0 0,1 1 0 0 0,0 0 0 0 0,0 0 0 0 0,0-1 0 0 0,0 1 0 0 0,-1 0 0 0 0,1-1 0 0 0,0 1-1 0 0,0 0 1 0 0,0-1 0 0 0,-3-5 250 0 0,1 0-1 0 0,0 0 1 0 0,0 0-1 0 0,1-1 1 0 0,-2-8-1 0 0,-4-19 212 0 0,4 23-528 0 0,0 0-1 0 0,-1-12 0 0 0,0-1 20 0 0,3 14 163 0 0,1 8-76 0 0,0 1 1 0 0,0-1 0 0 0,0 1 0 0 0,0-1 0 0 0,0 1 0 0 0,0-1 0 0 0,-1 1 0 0 0,1 0 0 0 0,0-1 0 0 0,-1 1 0 0 0,1-1 0 0 0,-1 1 0 0 0,0 0 0 0 0,1 0 0 0 0,-1-1 0 0 0,-2-1-1 0 0,-4 23 282 0 0,-2 38-306 0 0,-2 6-19 0 0,8-52 17 0 0,1 1 0 0 0,0-1 0 0 0,1 0 0 0 0,0 1-1 0 0,1-1 1 0 0,0 1 0 0 0,1-1 0 0 0,0 1 0 0 0,5 15 0 0 0,-6-27-2 0 0,0-1-1 0 0,0 1 1 0 0,0-1 0 0 0,0 1-1 0 0,0-1 1 0 0,1 1 0 0 0,-1-1-1 0 0,0 1 1 0 0,0-1 0 0 0,1 1 0 0 0,-1-1-1 0 0,0 0 1 0 0,0 1 0 0 0,1-1-1 0 0,-1 1 1 0 0,1-1 0 0 0,-1 0-1 0 0,0 1 1 0 0,1-1 0 0 0,-1 0 0 0 0,1 1-1 0 0,-1-1 1 0 0,1 0 0 0 0,-1 0-1 0 0,0 0 1 0 0,1 1 0 0 0,-1-1-1 0 0,1 0 1 0 0,-1 0 0 0 0,1 0 0 0 0,-1 0-1 0 0,1 0 1 0 0,0 0 0 0 0,-1 0-1 0 0,1 0 1 0 0,-1 0 0 0 0,1 0 0 0 0,-1 0-1 0 0,1 0 1 0 0,-1 0 0 0 0,1 0-1 0 0,-1-1 1 0 0,1 1 0 0 0,0-1-1 0 0,16-10 500 0 0,0-8-486 0 0,17-23 0 0 0,-23 26 14 0 0,2 0-1 0 0,23-23 0 0 0,-33 36-44 0 0,1 0-1 0 0,-1 0 1 0 0,1 1-1 0 0,0-1 1 0 0,-1 1-1 0 0,1 0 1 0 0,0 0-1 0 0,0 0 1 0 0,1 0-1 0 0,4-1 1 0 0,-5 3-546 0 0,0-1 0 0 0,0 1 0 0 0,0 0 0 0 0,0 0 0 0 0,0 0 0 0 0,0 1 0 0 0,4 0 0 0 0,3 0-766 0 0</inkml:trace>
+</inkml:ink>
+</file>
+
+<file path=ppt/ink/ink23.xml><?xml version="1.0" encoding="utf-8"?>
+<inkml:ink xmlns:inkml="http://www.w3.org/2003/InkML">
+  <inkml:definitions>
+    <inkml:context xml:id="ctx0">
+      <inkml:inkSource xml:id="inkSrc0">
+        <inkml:traceFormat>
+          <inkml:channel name="X" type="integer" min="-2.14748E9" max="2.14748E9" units="cm"/>
+          <inkml:channel name="Y" type="integer" min="-2.14748E9" max="2.14748E9" units="cm"/>
+          <inkml:channel name="F" type="integer" max="32767" units="dev"/>
+          <inkml:channel name="OA" type="integer" max="360" units="deg"/>
+          <inkml:channel name="OE" type="integer" max="90" units="deg"/>
+        </inkml:traceFormat>
+        <inkml:channelProperties>
+          <inkml:channelProperty channel="X" name="resolution" value="1000" units="1/cm"/>
+          <inkml:channelProperty channel="Y" name="resolution" value="1000" units="1/cm"/>
+          <inkml:channelProperty channel="F" name="resolution" value="0" units="1/dev"/>
+          <inkml:channelProperty channel="OA" name="resolution" value="1000" units="1/deg"/>
+          <inkml:channelProperty channel="OE" name="resolution" value="1000" units="1/deg"/>
+        </inkml:channelProperties>
+      </inkml:inkSource>
+      <inkml:timestamp xml:id="ts0" timeString="2021-07-15T16:32:31.880"/>
+    </inkml:context>
+    <inkml:brush xml:id="br0">
+      <inkml:brushProperty name="width" value="0.05" units="cm"/>
+      <inkml:brushProperty name="height" value="0.05" units="cm"/>
+      <inkml:brushProperty name="color" value="#FF0066"/>
+    </inkml:brush>
+  </inkml:definitions>
+  <inkml:trace contextRef="#ctx0" brushRef="#br0">37 41 4144 0 0,'0'0'319'0'0,"-9"6"395"0"0,3-3 3294 0 0,-16-3 11181 0 0,28 2-14264 0 0,10 6-136 0 0,-7-2-380 0 0,1-2 1 0 0,0 1-1 0 0,0-1 1 0 0,17 4-1 0 0,0-4-111 0 0,0 0-1 0 0,0-2 0 0 0,0-1 1 0 0,0-2-1 0 0,32-3 1 0 0,135-31 628 0 0,-151 26-773 0 0,62-6 186 0 0,-5 1-39 0 0,-40 5-96 0 0,1 2 0 0 0,-1 4 0 0 0,83 4 0 0 0,-108 2-115 0 0,54 13 0 0 0,-54-9-22 0 0,48 5 1 0 0,-68-11-68 0 0,24 6 0 0 0,12 2 0 0 0,-19-5 0 0 0,-22-2 0 0 0,0-1 0 0 0,0 0 0 0 0,0-1 0 0 0,0 0 0 0 0,0 0 0 0 0,0-1 0 0 0,17-4 0 0 0,-27 6 0 0 0,2-1 0 0 0,-1 0 0 0 0,0 0 0 0 0,0 0 0 0 0,1 0 0 0 0,-1 0 0 0 0,0-1 0 0 0,0 1 0 0 0,1 0 0 0 0,-1 0 0 0 0,0-1 0 0 0,0 1 0 0 0,0-1 0 0 0,0 1 0 0 0,1-1 0 0 0,-1 0 0 0 0,0 1 0 0 0,1-2 0 0 0,2 1-68 0 0,-3 1-284 0 0</inkml:trace>
+</inkml:ink>
+</file>
+
+<file path=ppt/ink/ink24.xml><?xml version="1.0" encoding="utf-8"?>
+<inkml:ink xmlns:inkml="http://www.w3.org/2003/InkML">
+  <inkml:definitions>
+    <inkml:context xml:id="ctx0">
+      <inkml:inkSource xml:id="inkSrc0">
+        <inkml:traceFormat>
+          <inkml:channel name="X" type="integer" min="-2.14748E9" max="2.14748E9" units="cm"/>
+          <inkml:channel name="Y" type="integer" min="-2.14748E9" max="2.14748E9" units="cm"/>
+          <inkml:channel name="F" type="integer" max="32767" units="dev"/>
+          <inkml:channel name="OA" type="integer" max="360" units="deg"/>
+          <inkml:channel name="OE" type="integer" max="90" units="deg"/>
+        </inkml:traceFormat>
+        <inkml:channelProperties>
+          <inkml:channelProperty channel="X" name="resolution" value="1000" units="1/cm"/>
+          <inkml:channelProperty channel="Y" name="resolution" value="1000" units="1/cm"/>
+          <inkml:channelProperty channel="F" name="resolution" value="0" units="1/dev"/>
+          <inkml:channelProperty channel="OA" name="resolution" value="1000" units="1/deg"/>
+          <inkml:channelProperty channel="OE" name="resolution" value="1000" units="1/deg"/>
+        </inkml:channelProperties>
+      </inkml:inkSource>
+      <inkml:timestamp xml:id="ts0" timeString="2021-07-15T16:32:41.750"/>
+    </inkml:context>
+    <inkml:brush xml:id="br0">
+      <inkml:brushProperty name="width" value="0.05" units="cm"/>
+      <inkml:brushProperty name="height" value="0.05" units="cm"/>
+      <inkml:brushProperty name="color" value="#FF0066"/>
+    </inkml:brush>
+  </inkml:definitions>
+  <inkml:trace contextRef="#ctx0" brushRef="#br0">36 271 13360 0 0,'0'0'612'0'0,"-1"0"-15"0"0,-1 0-441 0 0,1 0 1 0 0,0 0-1 0 0,-1 0 0 0 0,1-1 1 0 0,0 1-1 0 0,-1 0 0 0 0,1 0 1 0 0,0-1-1 0 0,-1 1 0 0 0,1-1 1 0 0,0 1-1 0 0,0-1 0 0 0,-1 0 1 0 0,1 1-1 0 0,0-1 0 0 0,0 0 0 0 0,0 0 1 0 0,0 0-1 0 0,0 1 0 0 0,0-1 1 0 0,0 0-1 0 0,0-1 0 0 0,0 1 1 0 0,1 0-1 0 0,-1 0 0 0 0,0 0 1 0 0,1 0-1 0 0,-1-1 0 0 0,1 1 1 0 0,-1 0-1 0 0,1 0 0 0 0,0-1 1 0 0,-1-1-1 0 0,0-2 328 0 0,1 0 1 0 0,0 0-1 0 0,0 0 0 0 0,1 1 0 0 0,-1-1 0 0 0,1 0 1 0 0,2-7-1 0 0,3-7 202 0 0,1 1 0 0 0,12-23 1 0 0,8-20 1347 0 0,-26 58-1976 0 0,-1 2-39 0 0,1 0 0 0 0,-1 0 0 0 0,0 0 1 0 0,1 0-1 0 0,0 0 0 0 0,-1 0 0 0 0,1 1 1 0 0,-1-1-1 0 0,1 0 0 0 0,0 0 0 0 0,0 1 1 0 0,-1-1-1 0 0,1 0 0 0 0,0 1 0 0 0,2-2 0 0 0,0 14 177 0 0,-4-5-159 0 0,0 0-1 0 0,0 0 0 0 0,-1 0 1 0 0,0 0-1 0 0,-3 8 0 0 0,-3 7 29 0 0,-1 8 83 0 0,-20 44 0 0 0,28-73-44 0 0,3-3-83 0 0,-1 1 0 0 0,1-1 1 0 0,-1 0-1 0 0,0 0 0 0 0,0 0 0 0 0,0 0 0 0 0,0 0 1 0 0,0 0-1 0 0,0 0 0 0 0,0-3 0 0 0,1 2 10 0 0,9-22 111 0 0,-4 7-35 0 0,2 0 0 0 0,0 0-1 0 0,22-31 1 0 0,-17 30 5 0 0,13-15 202 0 0,-25 31-297 0 0,0 1-1 0 0,0 0 1 0 0,1 0-1 0 0,-1 0 1 0 0,0 0-1 0 0,1 1 0 0 0,-1-1 1 0 0,1 1-1 0 0,0-1 1 0 0,5-1-1 0 0,-8 3-6 0 0,1 1 0 0 0,-1-1 0 0 0,0 0-1 0 0,0 0 1 0 0,1 0 0 0 0,-1 1 0 0 0,0-1 0 0 0,0 0 0 0 0,1 0-1 0 0,-1 1 1 0 0,0-1 0 0 0,0 0 0 0 0,0 0 0 0 0,1 1 0 0 0,-1-1-1 0 0,0 0 1 0 0,0 1 0 0 0,0-1 0 0 0,0 0 0 0 0,0 1 0 0 0,0-1-1 0 0,0 0 1 0 0,0 1 0 0 0,0-1 0 0 0,0 0 0 0 0,0 1 0 0 0,0-1 0 0 0,0 0-1 0 0,0 1 1 0 0,0-1 0 0 0,0 0 0 0 0,0 1 0 0 0,0-1 0 0 0,0 0-1 0 0,0 0 1 0 0,-1 1 0 0 0,-2 16 490 0 0,-42 107-928 0 0,32-91 352 0 0,10-23 76 0 0,3-10 0 0 0,0 0 0 0 0,0 0 0 0 0,0 0 0 0 0,0 0 0 0 0,0 0 0 0 0,0 1 0 0 0,0-1 0 0 0,0 0 0 0 0,0 0 0 0 0,0 0 0 0 0,0 0 0 0 0,0 0 0 0 0,0 1 0 0 0,0-1 0 0 0,0 0 0 0 0,0 0 0 0 0,0 0 0 0 0,0 0 0 0 0,1 0 0 0 0,-1 0 0 0 0,0 1 0 0 0,0-1 0 0 0,0 0 0 0 0,0 0 0 0 0,0 0 0 0 0,0 0 0 0 0,0 0 0 0 0,0 0 0 0 0,1 0 0 0 0,-1 0 0 0 0,0 1 0 0 0,0-1 0 0 0,0 0 0 0 0,0 0 0 0 0,0 0 0 0 0,0 0 0 0 0,1 0 0 0 0,-1 0 0 0 0,0 0 0 0 0,0 0 0 0 0,0 0 0 0 0,0 0 0 0 0,0 0 0 0 0,1 0 0 0 0,-1 0 0 0 0,0 0 0 0 0,0 0 0 0 0,0 0 0 0 0,0 0 0 0 0,0 0 0 0 0,1 0 0 0 0,-1 0 0 0 0,0 0 0 0 0,0 0 0 0 0,0-1 0 0 0,0 1 0 0 0,0 0 0 0 0,0 0 0 0 0,1 0 0 0 0,-1 0 0 0 0,0 0 0 0 0,0 0 0 0 0,0-1 0 0 0,8-4 0 0 0,-8 5 0 0 0,10-9 12 0 0,0-1 0 0 0,0 0-1 0 0,14-21 1 0 0,0 2 16 0 0,-8 3 35 0 0,-15 22-46 0 0,1 1 0 0 0,-1 0 0 0 0,1 0 0 0 0,0 0 0 0 0,0 0 0 0 0,0 1 1 0 0,0-1-1 0 0,0 0 0 0 0,0 1 0 0 0,1 0 0 0 0,0-1 0 0 0,-1 1 0 0 0,6-3 0 0 0,-6 4 198 0 0,-2 9-216 0 0,-1 0-1 0 0,1 0 1 0 0,-1 0 0 0 0,-3 13-1 0 0,-3 15-101 0 0,4-22 109 0 0,0 0 0 0 0,-5 14 0 0 0,-3 6 126 0 0,-5 15 39 0 0,8-23-426 0 0,7-25 342 0 0,2-1-88 0 0,0 0 1 0 0,1 0-1 0 0,-1-1 1 0 0,0 1-1 0 0,0 0 1 0 0,0-1-1 0 0,0 1 1 0 0,1-1-1 0 0,-1 0 1 0 0,0 1-1 0 0,0-1 1 0 0,0 0-1 0 0,0 1 1 0 0,-1-1-1 0 0,1 0 1 0 0,0 0-1 0 0,1-1 1 0 0,13-21-91 0 0,-8 12 68 0 0,77-116 145 0 0,-44 65-108 0 0,-20 31-86 0 0,-17 29 72 0 0,-2 7 0 0 0,-2 5 0 0 0,-6 24 50 0 0,-2-1-1 0 0,-1 0 1 0 0,-27 59-1 0 0,35-87-58 0 0,-17 37-108 0 0,18-39 106 0 0,10-8-42 0 0,7-7 53 0 0,0-1 0 0 0,-1 0 0 0 0,-1-2 0 0 0,25-29 0 0 0,-29 32 0 0 0,48-68 0 0 0,-57 78-2 0 0,-1 2 3 0 0,0-1-1 0 0,0 1 1 0 0,0 0-1 0 0,0 0 1 0 0,1-1 0 0 0,-1 1-1 0 0,0 0 1 0 0,0-1 0 0 0,0 1-1 0 0,1 0 1 0 0,-1 0-1 0 0,0-1 1 0 0,0 1 0 0 0,1 0-1 0 0,-1 0 1 0 0,0 0 0 0 0,0-1-1 0 0,1 1 1 0 0,-1 0-1 0 0,0 0 1 0 0,1 0 0 0 0,-1 0-1 0 0,0 0 1 0 0,0 0 0 0 0,1-1-1 0 0,-1 1 1 0 0,0 0-1 0 0,1 0 1 0 0,0 1 8 0 0,0 0 0 0 0,-1 0 0 0 0,0 0 0 0 0,1-1 0 0 0,-1 1 0 0 0,1 0 0 0 0,-1 0 0 0 0,0 0 0 0 0,0 0 0 0 0,1 0 0 0 0,-1 0-1 0 0,0 0 1 0 0,0 0 0 0 0,0 0 0 0 0,0 1 0 0 0,0-1 8 0 0,0 7-25 0 0,0 1 0 0 0,-1 0 0 0 0,0-1 0 0 0,-1 1 0 0 0,0 0 0 0 0,-4 12 1 0 0,-2 11-18 0 0,-1 6 25 0 0,7-34 13 0 0,12-8 118 0 0,47-70-191 0 0,-24 29 32 0 0,-23 32 32 0 0,-6 7 1 0 0,0 0 0 0 0,0 1 0 0 0,0-1 0 0 0,1 1 0 0 0,0 0 0 0 0,0 1 0 0 0,0-1 0 0 0,0 1 0 0 0,1 0 0 0 0,0 0 0 0 0,7-3 0 0 0,-13 7-5 0 0,0 0 0 0 0,1 0 0 0 0,-1 0 0 0 0,0 0 0 0 0,0 0 0 0 0,1 0 0 0 0,-1 0 0 0 0,0 0 0 0 0,0 0 0 0 0,0 0 0 0 0,1 1 0 0 0,-1-1 0 0 0,0 0 0 0 0,0 0 0 0 0,0 0 0 0 0,1 0 0 0 0,-1 0 0 0 0,0 0 0 0 0,0 0 0 0 0,0 1 0 0 0,0-1 0 0 0,1 0 0 0 0,-1 0 0 0 0,0 0 0 0 0,0 1 0 0 0,0-1 0 0 0,0 0 0 0 0,0 0 0 0 0,0 0 0 0 0,0 1 0 0 0,1-1 0 0 0,-1 0 0 0 0,0 0 0 0 0,0 0 0 0 0,0 1 0 0 0,0-1 0 0 0,0 0 0 0 0,0 0 0 0 0,0 1 0 0 0,0-1 0 0 0,1 10 0 0 0,-1-10 0 0 0,-1 11 0 0 0,-1 0 0 0 0,0 0 0 0 0,0-1 0 0 0,-1 1 0 0 0,-8 19 0 0 0,6-16 0 0 0,0 1 0 0 0,-3 16 0 0 0,7-25 0 0 0,-2 7 0 0 0,2 0 0 0 0,-1 15 0 0 0,2-27 0 0 0,0 0 0 0 0,0-1 0 0 0,0 1 0 0 0,0 0 0 0 0,0-1 0 0 0,0 1 0 0 0,0 0 0 0 0,0-1 0 0 0,0 1 0 0 0,1 0 0 0 0,-1-1 0 0 0,0 1 0 0 0,0-1 0 0 0,1 1 0 0 0,-1 0 0 0 0,0-1 0 0 0,1 1 0 0 0,-1-1 0 0 0,1 1 0 0 0,-1-1 0 0 0,1 1 0 0 0,-1-1 0 0 0,1 1 0 0 0,-1-1 0 0 0,1 0 0 0 0,0 1 0 0 0,0 0 0 0 0,1-1 0 0 0,-1 0 0 0 0,1 0 0 0 0,-1 1 0 0 0,1-1 0 0 0,-1 0 0 0 0,0 0 0 0 0,1 0 0 0 0,-1 0 0 0 0,1-1 0 0 0,2 1 0 0 0,2-2 0 0 0,0 0 0 0 0,1-1 0 0 0,-1 1 0 0 0,8-6 0 0 0,6-6 0 0 0,0-1 0 0 0,-1-1 0 0 0,28-29 0 0 0,-40 38 0 0 0,19-19 0 0 0,-26 26 0 0 0,1 0 0 0 0,-1 0 0 0 0,0-1 0 0 0,0 1 0 0 0,0 0 0 0 0,1 0 0 0 0,-1 0 0 0 0,0-1 0 0 0,0 1 0 0 0,1 0 0 0 0,-1 0 0 0 0,0 0 0 0 0,1 0 0 0 0,-1 0 0 0 0,0-1 0 0 0,0 1 0 0 0,1 0 0 0 0,-1 0 0 0 0,0 0 0 0 0,1 0 0 0 0,-1 0 0 0 0,0 0 0 0 0,1 0 0 0 0,-1 0 0 0 0,0 0 0 0 0,0 0 0 0 0,1 0 0 0 0,-1 0 0 0 0,0 0 0 0 0,1 0 0 0 0,-1 0 0 0 0,0 1 0 0 0,1-1 0 0 0,-1 0 0 0 0,0 0 0 0 0,0 0 0 0 0,1 0 0 0 0,-1 1 0 0 0,0-1 0 0 0,0 0 0 0 0,1 0 0 0 0,-1 0 0 0 0,0 1 0 0 0,0-1 0 0 0,0 0 0 0 0,0 0 0 0 0,1 1 0 0 0,-1-1 0 0 0,0 0 0 0 0,0 0 0 0 0,0 1 0 0 0,0-1 0 0 0,0 0 0 0 0,0 1 0 0 0,1-1 0 0 0,0 3 0 0 0,1-1 0 0 0,-1 1 0 0 0,0 0 0 0 0,1 0 0 0 0,-1-1 0 0 0,0 1 0 0 0,0 0 0 0 0,-1 0 0 0 0,1 0 0 0 0,0 5 0 0 0,-2 32 0 0 0,0-32 0 0 0,0 0 0 0 0,1 0 0 0 0,1 12 0 0 0,-1-20 0 0 0,0 0 0 0 0,1 1 0 0 0,-1-1 0 0 0,0 0 0 0 0,0 0 0 0 0,0 1 0 0 0,0-1 0 0 0,0 0 0 0 0,0 0 0 0 0,0 1 0 0 0,0-1 0 0 0,0 0 0 0 0,1 0 0 0 0,-1 1 0 0 0,0-1 0 0 0,0 0 0 0 0,0 0 0 0 0,0 0 0 0 0,1 0 0 0 0,-1 1 0 0 0,0-1 0 0 0,0 0 0 0 0,0 0 0 0 0,1 0 0 0 0,-1 0 0 0 0,0 0 0 0 0,0 0 0 0 0,1 1 0 0 0,-1-1 0 0 0,0 0 0 0 0,0 0 0 0 0,1 0 0 0 0,-1 0 0 0 0,0 0 0 0 0,0 0 0 0 0,1 0 0 0 0,-1 0 0 0 0,0 0 0 0 0,0 0 0 0 0,1 0 0 0 0,-1 0 0 0 0,0-1 0 0 0,0 1 0 0 0,1 0 0 0 0,-1 0 0 0 0,9-5 0 0 0,-9 5 0 0 0,10-9 0 0 0,0 0 0 0 0,-1 0 0 0 0,0-1 0 0 0,0-1 0 0 0,-1 0 0 0 0,-1 0 0 0 0,7-13 0 0 0,15-19 11 0 0,-19 27 15 0 0,9-10 1 0 0,-28 65-27 0 0,0-15 5 0 0,1-1 10 0 0,1-1 0 0 0,1 2-1 0 0,-4 26 1 0 0,10-35-15 0 0,0-14 0 0 0,0-1 0 0 0,0 0 0 0 0,0 0 0 0 0,-1 0 0 0 0,1 1 0 0 0,0-1 0 0 0,0 0 0 0 0,0 0 0 0 0,0 1 0 0 0,0-1 1 0 0,0 0-1 0 0,0 0 0 0 0,1 0 0 0 0,-1 1 0 0 0,0-1 0 0 0,0 0 0 0 0,0 0 0 0 0,0 0 0 0 0,0 1 0 0 0,0-1 0 0 0,0 0 0 0 0,0 0 0 0 0,0 0 0 0 0,1 1 0 0 0,-1-1 0 0 0,0 0 0 0 0,0 0 0 0 0,0 0 0 0 0,0 0 0 0 0,1 1 0 0 0,-1-1 0 0 0,0 0 1 0 0,0 0-1 0 0,0 0 0 0 0,1 0 0 0 0,-1 0 0 0 0,0 0 0 0 0,0 0 0 0 0,0 0 0 0 0,1 0 0 0 0,-1 0 0 0 0,0 0 0 0 0,0 0 0 0 0,1 0 0 0 0,-1 0 0 0 0,0 0 0 0 0,0 0 0 0 0,0 0 0 0 0,1 0 0 0 0,-1 0 0 0 0,0 0 0 0 0,0 0 0 0 0,1 0 0 0 0,-1 0 1 0 0,0 0-1 0 0,0 0 0 0 0,0 0 0 0 0,1 0 0 0 0,-1-1 0 0 0,8-5-12 0 0,-8 6 10 0 0,18-17-17 0 0,-11 11 12 0 0,0 0 0 0 0,0-1 1 0 0,-1 0-1 0 0,8-12 0 0 0,32-39 7 0 0,-45 55 0 0 0,0 2 0 0 0,-1 0 0 0 0,1 0 0 0 0,-1 0 0 0 0,1 0 0 0 0,0 1 0 0 0,-1-1 0 0 0,1 0 0 0 0,0 0 0 0 0,0 1 0 0 0,-1-1 0 0 0,1 0 0 0 0,0 1 0 0 0,0-1 0 0 0,0 1 0 0 0,0-1 0 0 0,0 1 0 0 0,0-1 0 0 0,0 1 0 0 0,0 0 0 0 0,0-1 0 0 0,0 1 0 0 0,2 0 0 0 0,-3 1 0 0 0,1 0 0 0 0,-1 0 0 0 0,1-1 0 0 0,-1 1 0 0 0,1 0 0 0 0,-1 0 0 0 0,0 0 0 0 0,1 0 0 0 0,-1 0 0 0 0,0 0 0 0 0,0 0 0 0 0,0 0 0 0 0,1 2 0 0 0,-2 13 11 0 0,-1 0 0 0 0,0 0-1 0 0,-5 16 1 0 0,-3 17 10 0 0,10-46-21 0 0,-1 1 0 0 0,1-1 0 0 0,0 1 0 0 0,0-1 0 0 0,1 5 0 0 0,-1-7 0 0 0,0-1 0 0 0,0 1 0 0 0,0-1 0 0 0,1 0 0 0 0,-1 1 0 0 0,0-1 0 0 0,0 1 0 0 0,0-1 0 0 0,0 0 0 0 0,1 1 0 0 0,-1-1 0 0 0,0 1 0 0 0,0-1 0 0 0,0 0 0 0 0,1 1 0 0 0,-1-1 0 0 0,0 0 0 0 0,1 1 0 0 0,-1-1 0 0 0,0 0 0 0 0,1 0 0 0 0,-1 1 0 0 0,1-1 0 0 0,-1 0 0 0 0,0 0 0 0 0,1 0 0 0 0,-1 1 0 0 0,1-1 0 0 0,-1 0 0 0 0,0 0 0 0 0,1 0 0 0 0,-1 0 0 0 0,1 0 0 0 0,-1 0 0 0 0,1 0 0 0 0,-1 0 0 0 0,0 0 0 0 0,1 0 0 0 0,-1 0 0 0 0,1 0 0 0 0,-1 0 0 0 0,1 0 0 0 0,-1-1 0 0 0,0 1 0 0 0,1 0 0 0 0,-1 0 0 0 0,1 0 0 0 0,-1-1 0 0 0,0 1 0 0 0,1 0 0 0 0,-1 0 0 0 0,0-1 0 0 0,1 1 0 0 0,-1 0 0 0 0,0-1 0 0 0,0 1 0 0 0,1-1 0 0 0,-1 1 0 0 0,10-9-10 0 0,-1-1 0 0 0,-1-1 0 0 0,0 1 1 0 0,10-17-1 0 0,3-5-5 0 0,-2 4 15 0 0,-11 15 0 0 0,19-21 0 0 0,-22 30 0 0 0,-2 10 0 0 0,-1-2 0 0 0,-1 8-1 0 0,-1 8 13 0 0,0-20-11 0 0,0 1-1 0 0,0-1 1 0 0,0 0 0 0 0,1 0 0 0 0,-1 0 0 0 0,0 0 0 0 0,0 0-1 0 0,0 0 1 0 0,0 0 0 0 0,0 0 0 0 0,0 0 0 0 0,1 0 0 0 0,-1 0 0 0 0,0 0-1 0 0,0 0 1 0 0,0 0 0 0 0,0 0 0 0 0,1 0 0 0 0,-1 0 0 0 0,0 0-1 0 0,0 0 1 0 0,0 0 0 0 0,0 0 0 0 0,0 0 0 0 0,1 0 0 0 0,-1 0 0 0 0,0 0-1 0 0,0 0 1 0 0,0 0 0 0 0,0 0 0 0 0,0 0 0 0 0,1 0 0 0 0,-1 0-1 0 0,0 0 1 0 0,0-1 0 0 0,0 1 0 0 0,0 0 0 0 0,0 0 0 0 0,0 0 0 0 0,1 0-1 0 0,4-4 19 0 0,-2 2-19 0 0,0-1 0 0 0,0 0 0 0 0,0 0 0 0 0,0 1 0 0 0,-1-1 0 0 0,1-1 0 0 0,-1 1 0 0 0,0 0 0 0 0,0-1 0 0 0,0 1 0 0 0,0-1 0 0 0,1-6 0 0 0,-3 10 0 0 0,0 0 0 0 0,1 0 0 0 0,-1 0 0 0 0,0-1 0 0 0,0 1 0 0 0,0 0 0 0 0,0 0 0 0 0,0 0 0 0 0,0 0 0 0 0,0 0 0 0 0,0 0 0 0 0,0-1 0 0 0,0 1 0 0 0,0 0 0 0 0,0 0 0 0 0,0 0 0 0 0,0 0 0 0 0,0 0 0 0 0,0 0 0 0 0,0-1 0 0 0,0 1 0 0 0,0 0 0 0 0,0 0 0 0 0,0 0 0 0 0,0 0 0 0 0,0 0 0 0 0,0 0 0 0 0,0 0 0 0 0,-1-1 0 0 0,1 1 0 0 0,0 0 0 0 0,0 0 0 0 0,0 0 0 0 0,0 0 0 0 0,0 0 0 0 0,0 0 0 0 0,0 0 0 0 0,0 0 0 0 0,0 0 0 0 0,-1 0 0 0 0,1-1 0 0 0,0 1 0 0 0,0 0 0 0 0,0 0 0 0 0,0 0 0 0 0,0 0 0 0 0,0 0 0 0 0,-1 0 0 0 0,1 0 0 0 0,0 0 0 0 0,0 0 0 0 0,0 0 0 0 0,0 0 0 0 0,0 0 0 0 0,0 0 0 0 0,-1 0 0 0 0,1 0 0 0 0,0 0 0 0 0,0 0 0 0 0,0 1 0 0 0,-4 1 0 0 0,-3 2 0 0 0,1 1 0 0 0,1 0 0 0 0,-1 0 0 0 0,-6 9 0 0 0,-17 15 0 0 0,8-10 0 0 0,15-13 0 0 0,0 0 0 0 0,0 0 0 0 0,-1-1 0 0 0,-7 5 0 0 0,9-10 0 0 0,4-1 0 0 0,0 1 0 0 0,0-1 0 0 0,0 0 0 0 0,0 1 0 0 0,0-1 0 0 0,0 0 0 0 0,0 0 0 0 0,0 0 0 0 0,0 1 0 0 0,0-1 0 0 0,1 0 0 0 0,-1 0 0 0 0,0 0 0 0 0,1 0 0 0 0,-1 0 0 0 0,1-1 0 0 0,-1 1 0 0 0,1 0 0 0 0,-1 0 0 0 0,1 0 0 0 0,0 0 0 0 0,-1-1 0 0 0,1 1 0 0 0,0 0 0 0 0,0 0 0 0 0,0-1 0 0 0,0 1 0 0 0,0 0 0 0 0,1-2 0 0 0,-1 0 0 0 0,4-24-27 0 0,-3 23 22 0 0,0 0 0 0 0,0-1-1 0 0,-1 1 1 0 0,1 0 0 0 0,-1 0-1 0 0,-1-6 1 0 0,1 5 5 0 0,-1 0 0 0 0,1 0 0 0 0,0 0 0 0 0,0 1 0 0 0,1-1 0 0 0,0-7 0 0 0,-1 12 0 0 0,0 0 0 0 0,0-1 0 0 0,0 1 0 0 0,0 0 0 0 0,0 0 0 0 0,0-1 0 0 0,-1 1 0 0 0,1 0 0 0 0,0 0 0 0 0,0-1 0 0 0,0 1 0 0 0,-1 0 0 0 0,1 0 0 0 0,0 0 0 0 0,0-1 0 0 0,-1 1 0 0 0,1 0 0 0 0,0 0 0 0 0,0 0 0 0 0,-1 0 0 0 0,1-1 0 0 0,0 1 0 0 0,0 0 0 0 0,-1 0 0 0 0,1 0 0 0 0,0 0 0 0 0,-1 0 0 0 0,1 0 0 0 0,0 0 0 0 0,0 0 0 0 0,-1 0 0 0 0,1 0 0 0 0,0 0 0 0 0,-1 0 0 0 0,1 0 0 0 0,0 0 0 0 0,-1 0 0 0 0,1 0 0 0 0,0 1 0 0 0,0-1 0 0 0,-1 0 0 0 0,-11 3 0 0 0,-1 2-11 0 0,1 1-1 0 0,0 1 1 0 0,-19 13 0 0 0,-15 9-16 0 0,20-11 27 0 0,22-14 0 0 0,-1 0 0 0 0,0 0 0 0 0,0-1 0 0 0,-6 3 0 0 0,6-4 0 0 0,1-4 0 0 0,4 0-1 0 0,0 1-1 0 0,-1 0 1 0 0,1 0 0 0 0,0 0-1 0 0,0-1 1 0 0,0 1 0 0 0,0 0-1 0 0,0 0 1 0 0,0-1 0 0 0,0 1-1 0 0,0 0 1 0 0,0 0 0 0 0,0 0-1 0 0,1-1 1 0 0,0 0 0 0 0,8-21-36 0 0,-2 8 23 0 0,0-3 14 0 0,-5 12 0 0 0,1-1 0 0 0,-1 1 0 0 0,0-1 0 0 0,0 0 0 0 0,0 0 0 0 0,-1 0 0 0 0,0 0 0 0 0,-1-11 0 0 0,0 17 0 0 0,0 1 0 0 0,0-1 0 0 0,0 1 0 0 0,0 0 0 0 0,0-1 0 0 0,0 1 0 0 0,-1 0 0 0 0,1-1 0 0 0,0 1 0 0 0,0-1 0 0 0,-1 1 0 0 0,1 0 0 0 0,0 0 0 0 0,0-1 0 0 0,-1 1 0 0 0,1 0 0 0 0,0-1 0 0 0,-1 1 0 0 0,1 0 0 0 0,0 0 0 0 0,-1 0 0 0 0,1-1 0 0 0,0 1 0 0 0,-1 0 0 0 0,1 0 0 0 0,-1 0 0 0 0,1 0 0 0 0,0 0 0 0 0,-1-1 0 0 0,1 1 0 0 0,-1 0 0 0 0,1 0 0 0 0,0 0 0 0 0,-1 0 0 0 0,1 0 0 0 0,-1 1 0 0 0,1-1 0 0 0,0 0 0 0 0,-1 0 0 0 0,-14 5 0 0 0,15-4 0 0 0,-11 5 0 0 0,0 1 0 0 0,-14 12 0 0 0,10-7 0 0 0,14-12 0 0 0,-23 16 33 0 0,23-16-32 0 0,0 1 1 0 0,0-1-1 0 0,0 1 0 0 0,0-1 0 0 0,0 0 1 0 0,0 0-1 0 0,0 1 0 0 0,0-1 0 0 0,0 0 1 0 0,0 0-1 0 0,0 0 0 0 0,0 0 0 0 0,0 0 0 0 0,0 0 1 0 0,0 0-1 0 0,0 0 0 0 0,0-1 0 0 0,0 1 1 0 0,0 0-1 0 0,0-1 0 0 0,0 1 0 0 0,0-1 1 0 0,0 1-1 0 0,-1-1 0 0 0,1 0 0 0 0,1 0 0 0 0,-1 0 1 0 0,1 0-1 0 0,-1 0 0 0 0,1-1 0 0 0,-1 1 1 0 0,1 0-1 0 0,-1 0 0 0 0,1 0 0 0 0,0 0 0 0 0,0-1 1 0 0,0 1-1 0 0,0 0 0 0 0,0 0 0 0 0,0 0 0 0 0,0-1 1 0 0,0 1-1 0 0,0 0 0 0 0,0 0 0 0 0,1 0 1 0 0,-1-1-1 0 0,0 1 0 0 0,1-1 0 0 0,12-29 33 0 0,-12 28-33 0 0,16-39-1 0 0,-17 41 0 0 0,-3 4 0 0 0,-5 5 0 0 0,-46 64-64 0 0,27-37 64 0 0,58-73 0 0 0,5-16 0 0 0,-89 124-1217 0 0,48-64 807 0 0,-5 7-2083 0 0,-22 22 1 0 0</inkml:trace>
+</inkml:ink>
+</file>
+
+<file path=ppt/ink/ink25.xml><?xml version="1.0" encoding="utf-8"?>
+<inkml:ink xmlns:inkml="http://www.w3.org/2003/InkML">
+  <inkml:definitions>
+    <inkml:context xml:id="ctx0">
+      <inkml:inkSource xml:id="inkSrc0">
+        <inkml:traceFormat>
+          <inkml:channel name="X" type="integer" min="-2.14748E9" max="2.14748E9" units="cm"/>
+          <inkml:channel name="Y" type="integer" min="-2.14748E9" max="2.14748E9" units="cm"/>
+          <inkml:channel name="F" type="integer" max="32767" units="dev"/>
+          <inkml:channel name="OA" type="integer" max="360" units="deg"/>
+          <inkml:channel name="OE" type="integer" max="90" units="deg"/>
+        </inkml:traceFormat>
+        <inkml:channelProperties>
+          <inkml:channelProperty channel="X" name="resolution" value="1000" units="1/cm"/>
+          <inkml:channelProperty channel="Y" name="resolution" value="1000" units="1/cm"/>
+          <inkml:channelProperty channel="F" name="resolution" value="0" units="1/dev"/>
+          <inkml:channelProperty channel="OA" name="resolution" value="1000" units="1/deg"/>
+          <inkml:channelProperty channel="OE" name="resolution" value="1000" units="1/deg"/>
+        </inkml:channelProperties>
+      </inkml:inkSource>
+      <inkml:timestamp xml:id="ts0" timeString="2021-07-15T16:32:42.727"/>
+    </inkml:context>
+    <inkml:brush xml:id="br0">
+      <inkml:brushProperty name="width" value="0.05" units="cm"/>
+      <inkml:brushProperty name="height" value="0.05" units="cm"/>
+      <inkml:brushProperty name="color" value="#FF0066"/>
+    </inkml:brush>
+  </inkml:definitions>
+  <inkml:trace contextRef="#ctx0" brushRef="#br0">190 48 7280 0 0,'5'0'164'0'0,"-4"0"-104"0"0,1 0 1 0 0,-1 0-1 0 0,0 0 0 0 0,1 0 0 0 0,-1 0 0 0 0,0 0 1 0 0,1 0-1 0 0,-1-1 0 0 0,0 1 0 0 0,1 0 0 0 0,1-2 0 0 0,-3 2 272 0 0,1 0 0 0 0,-1 0 0 0 0,1-1-1 0 0,0 1 1 0 0,-1 0 0 0 0,1-1 0 0 0,-1 1-1 0 0,1 0 1 0 0,-1-1 0 0 0,1 1 0 0 0,-1-1-1 0 0,0 1 1 0 0,1-1 0 0 0,-1 1 0 0 0,1-1-1 0 0,-1 1 1 0 0,0-1 0 0 0,0 1 0 0 0,1-1-1 0 0,-1 0 1 0 0,0 1 0 0 0,0-1 0 0 0,1 0-1 0 0,-1-1-97 0 0,0 1-1 0 0,0 0 0 0 0,0 0 0 0 0,0 0 0 0 0,-1 0 0 0 0,1-1 1 0 0,0 1-1 0 0,0 0 0 0 0,-1 0 0 0 0,1 0 0 0 0,-1 0 1 0 0,0-2-1 0 0,1 2-136 0 0,-1 0 0 0 0,0 0 0 0 0,1 0 0 0 0,-1 0 0 0 0,0 0 1 0 0,1 0-1 0 0,-1 0 0 0 0,0 0 0 0 0,0 0 0 0 0,0 1 0 0 0,0-1 0 0 0,0 0 0 0 0,0 1 1 0 0,0-1-1 0 0,0 0 0 0 0,0 1 0 0 0,0-1 0 0 0,0 1 0 0 0,0 0 0 0 0,-1-1 0 0 0,1 1 1 0 0,0 0-1 0 0,0 0 0 0 0,0-1 0 0 0,0 1 0 0 0,-1 0 0 0 0,0 1 0 0 0,-8 2 189 0 0,0 0 0 0 0,1 1-1 0 0,-1 0 1 0 0,1 1-1 0 0,0 0 1 0 0,1 1 0 0 0,-1 0-1 0 0,-8 7 1 0 0,10-8 35 0 0,5-3-264 0 0,1-1 0 0 0,-1 0 0 0 0,0 0-1 0 0,1 1 1 0 0,-1-1 0 0 0,1 1 0 0 0,-1-1 0 0 0,1 1 0 0 0,0-1 0 0 0,0 1 0 0 0,0 0-1 0 0,0 0 1 0 0,-2 3 0 0 0,-1 5-235 0 0,3-10 219 0 0,1 0-1 0 0,0 1 1 0 0,-1-1 0 0 0,1 0 0 0 0,0 1 0 0 0,-1-1 0 0 0,1 1 0 0 0,0-1 0 0 0,0 0 0 0 0,0 1-1 0 0,-1-1 1 0 0,1 1 0 0 0,0-1 0 0 0,0 1 0 0 0,0-1 0 0 0,0 1 0 0 0,0-1 0 0 0,0 1-1 0 0,0-1 1 0 0,0 1 0 0 0,0-1 0 0 0,0 0 0 0 0,0 1 0 0 0,0-1 0 0 0,0 1 0 0 0,0-1 0 0 0,1 1-1 0 0,-1-1 1 0 0,0 1 0 0 0,0-1 0 0 0,0 0 0 0 0,1 1 0 0 0,-1-1 0 0 0,0 1 0 0 0,1-1 0 0 0,-1 0-1 0 0,0 1 1 0 0,1-1 0 0 0,-1 0 0 0 0,0 1 0 0 0,1-1 0 0 0,-1 0 0 0 0,1 0 0 0 0,-1 1 0 0 0,0-1-1 0 0,1 0 1 0 0,0 0 0 0 0,5 3-18 0 0,0-1 1 0 0,0 0-1 0 0,0 0 0 0 0,0-1 1 0 0,0 1-1 0 0,0-2 0 0 0,1 1 1 0 0,-1 0-1 0 0,13-2 0 0 0,22 3-24 0 0,-40-2 1 0 0,0 0 0 0 0,-1 0 0 0 0,1 0 0 0 0,0 0 0 0 0,-1 0 0 0 0,1 0 0 0 0,0 1 0 0 0,-1-1 0 0 0,1 0 0 0 0,-1 0 0 0 0,1 0 0 0 0,0 1 0 0 0,-1-1 0 0 0,1 0 0 0 0,-1 1 0 0 0,1-1 0 0 0,0 0 0 0 0,-1 1 0 0 0,1-1 0 0 0,-1 1 0 0 0,1-1 0 0 0,-1 1 0 0 0,0-1 0 0 0,1 1 0 0 0,-1-1 0 0 0,1 1 0 0 0,-1 0 0 0 0,0-1 0 0 0,0 1 0 0 0,1 0 0 0 0,-1-1 0 0 0,0 1 0 0 0,0-1 0 0 0,0 1 0 0 0,0 0 0 0 0,1-1 0 0 0,-1 1 0 0 0,0 0 0 0 0,-1 0 0 0 0,2 2 0 0 0,-1-1 0 0 0,-1 0 0 0 0,1 0 0 0 0,0 1 0 0 0,0-1 0 0 0,-1 0 0 0 0,0 0 0 0 0,1 0 0 0 0,-1 0 0 0 0,0 1 0 0 0,0-1 0 0 0,0 0 0 0 0,0-1 0 0 0,0 1 0 0 0,-1 0 0 0 0,-2 3 0 0 0,-1 1 0 0 0,0 0 0 0 0,0 0 0 0 0,-8 5 0 0 0,-4 2-250 0 0,0 0 0 0 0,-1-2 0 0 0,-1 0 0 0 0,1-1 0 0 0,-2-1 0 0 0,-26 9 0 0 0,45-17-253 0 0,-5 0-419 0 0</inkml:trace>
+</inkml:ink>
+</file>
+
+<file path=ppt/ink/ink26.xml><?xml version="1.0" encoding="utf-8"?>
+<inkml:ink xmlns:inkml="http://www.w3.org/2003/InkML">
+  <inkml:definitions>
+    <inkml:context xml:id="ctx0">
+      <inkml:inkSource xml:id="inkSrc0">
+        <inkml:traceFormat>
+          <inkml:channel name="X" type="integer" min="-2.14748E9" max="2.14748E9" units="cm"/>
+          <inkml:channel name="Y" type="integer" min="-2.14748E9" max="2.14748E9" units="cm"/>
+          <inkml:channel name="F" type="integer" max="32767" units="dev"/>
+          <inkml:channel name="OA" type="integer" max="360" units="deg"/>
+          <inkml:channel name="OE" type="integer" max="90" units="deg"/>
+        </inkml:traceFormat>
+        <inkml:channelProperties>
+          <inkml:channelProperty channel="X" name="resolution" value="1000" units="1/cm"/>
+          <inkml:channelProperty channel="Y" name="resolution" value="1000" units="1/cm"/>
+          <inkml:channelProperty channel="F" name="resolution" value="0" units="1/dev"/>
+          <inkml:channelProperty channel="OA" name="resolution" value="1000" units="1/deg"/>
+          <inkml:channelProperty channel="OE" name="resolution" value="1000" units="1/deg"/>
+        </inkml:channelProperties>
+      </inkml:inkSource>
+      <inkml:timestamp xml:id="ts0" timeString="2021-07-15T16:32:43.146"/>
+    </inkml:context>
+    <inkml:brush xml:id="br0">
+      <inkml:brushProperty name="width" value="0.05" units="cm"/>
+      <inkml:brushProperty name="height" value="0.05" units="cm"/>
+      <inkml:brushProperty name="color" value="#FF0066"/>
+    </inkml:brush>
+  </inkml:definitions>
+  <inkml:trace contextRef="#ctx0" brushRef="#br0">102 1 8752 0 0,'0'0'6750'0'0,"-16"4"-4499"0"0,11-2-1925 0 0,0 1 0 0 0,1 0 0 0 0,0 0 1 0 0,0 0-1 0 0,0 1 0 0 0,0-1 0 0 0,0 1 0 0 0,1 0 1 0 0,-1 0-1 0 0,-3 7 0 0 0,-1 2 335 0 0,0 1 0 0 0,-7 19 1 0 0,14-28-530 0 0,0-4-123 0 0,1 0 0 0 0,0 0 1 0 0,0 0-1 0 0,0 0 1 0 0,-1 0-1 0 0,1 0 1 0 0,0 0-1 0 0,-1 0 1 0 0,1 0-1 0 0,-1 0 1 0 0,-1 3 1826 0 0,4-5-1708 0 0,1 0-130 0 0,-1-1 1 0 0,1 1 0 0 0,-1-1 0 0 0,1 0 0 0 0,-1 0 0 0 0,0 0 0 0 0,1 0 0 0 0,-1 0 0 0 0,0 0 0 0 0,0 0 0 0 0,-1-1-1 0 0,1 1 1 0 0,0-1 0 0 0,1-3 0 0 0,9-12 170 0 0,6-12 362 0 0,-10 16 414 0 0,-8 13-607 0 0,5 26-206 0 0,-6 14-132 0 0,0-24 0 0 0,1 0 0 0 0,0 0 0 0 0,0 0 0 0 0,2 0 0 0 0,0 0 0 0 0,5 18 0 0 0,-7-32-69 0 0,0 0-1 0 0,0-1 1 0 0,1 1 0 0 0,-1 0-1 0 0,0-1 1 0 0,0 1 0 0 0,1 0-1 0 0,-1-1 1 0 0,0 1-1 0 0,1-1 1 0 0,-1 1 0 0 0,1 0-1 0 0,-1-1 1 0 0,1 1 0 0 0,-1-1-1 0 0,1 1 1 0 0,-1-1 0 0 0,1 0-1 0 0,0 1 1 0 0,-1-1-1 0 0,1 1 1 0 0,0-1 0 0 0,-1 0-1 0 0,1 0 1 0 0,0 1 0 0 0,-1-1-1 0 0,1 0 1 0 0,0 0-1 0 0,-1 0 1 0 0,1 0 0 0 0,0 0-1 0 0,0 0 1 0 0,-1 0 0 0 0,1 0-1 0 0,0 0 1 0 0,-1 0 0 0 0,1 0-1 0 0,0 0 1 0 0,0-1-1 0 0,-1 1 1 0 0,1 0 0 0 0,0 0-1 0 0,0-1 1 0 0,3-1-890 0 0,-1 0 0 0 0,0 0-1 0 0,0-1 1 0 0,0 1 0 0 0,-1-1 0 0 0,6-5 0 0 0,3-6-6746 0 0</inkml:trace>
+</inkml:ink>
+</file>
+
+<file path=ppt/ink/ink27.xml><?xml version="1.0" encoding="utf-8"?>
+<inkml:ink xmlns:inkml="http://www.w3.org/2003/InkML">
+  <inkml:definitions>
+    <inkml:context xml:id="ctx0">
+      <inkml:inkSource xml:id="inkSrc0">
+        <inkml:traceFormat>
+          <inkml:channel name="X" type="integer" min="-2.14748E9" max="2.14748E9" units="cm"/>
+          <inkml:channel name="Y" type="integer" min="-2.14748E9" max="2.14748E9" units="cm"/>
+          <inkml:channel name="F" type="integer" max="32767" units="dev"/>
+          <inkml:channel name="OA" type="integer" max="360" units="deg"/>
+          <inkml:channel name="OE" type="integer" max="90" units="deg"/>
+        </inkml:traceFormat>
+        <inkml:channelProperties>
+          <inkml:channelProperty channel="X" name="resolution" value="1000" units="1/cm"/>
+          <inkml:channelProperty channel="Y" name="resolution" value="1000" units="1/cm"/>
+          <inkml:channelProperty channel="F" name="resolution" value="0" units="1/dev"/>
+          <inkml:channelProperty channel="OA" name="resolution" value="1000" units="1/deg"/>
+          <inkml:channelProperty channel="OE" name="resolution" value="1000" units="1/deg"/>
+        </inkml:channelProperties>
+      </inkml:inkSource>
+      <inkml:timestamp xml:id="ts0" timeString="2021-07-15T16:32:43.536"/>
+    </inkml:context>
+    <inkml:brush xml:id="br0">
+      <inkml:brushProperty name="width" value="0.05" units="cm"/>
+      <inkml:brushProperty name="height" value="0.05" units="cm"/>
+      <inkml:brushProperty name="color" value="#FF0066"/>
+    </inkml:brush>
+  </inkml:definitions>
+  <inkml:trace contextRef="#ctx0" brushRef="#br0">0 33 2304 0 0,'1'-6'1641'0'0,"3"-21"16695"0"0,-3 30-18114 0 0,-1-1 1 0 0,1 0 0 0 0,-1 0 0 0 0,1 0-1 0 0,0 0 1 0 0,-1 0 0 0 0,2 2 0 0 0,4 11 473 0 0,-1 2-214 0 0,-2-10-416 0 0,-1 1-1 0 0,0-1 1 0 0,1 13-1 0 0,4 18 577 0 0,-1-8 220 0 0,19 105-2271 0 0,-24-128-395 0 0</inkml:trace>
+</inkml:ink>
+</file>
+
+<file path=ppt/ink/ink28.xml><?xml version="1.0" encoding="utf-8"?>
+<inkml:ink xmlns:inkml="http://www.w3.org/2003/InkML">
+  <inkml:definitions>
+    <inkml:context xml:id="ctx0">
+      <inkml:inkSource xml:id="inkSrc0">
+        <inkml:traceFormat>
+          <inkml:channel name="X" type="integer" min="-2.14748E9" max="2.14748E9" units="cm"/>
+          <inkml:channel name="Y" type="integer" min="-2.14748E9" max="2.14748E9" units="cm"/>
+          <inkml:channel name="F" type="integer" max="32767" units="dev"/>
+          <inkml:channel name="OA" type="integer" max="360" units="deg"/>
+          <inkml:channel name="OE" type="integer" max="90" units="deg"/>
+        </inkml:traceFormat>
+        <inkml:channelProperties>
+          <inkml:channelProperty channel="X" name="resolution" value="1000" units="1/cm"/>
+          <inkml:channelProperty channel="Y" name="resolution" value="1000" units="1/cm"/>
+          <inkml:channelProperty channel="F" name="resolution" value="0" units="1/dev"/>
+          <inkml:channelProperty channel="OA" name="resolution" value="1000" units="1/deg"/>
+          <inkml:channelProperty channel="OE" name="resolution" value="1000" units="1/deg"/>
+        </inkml:channelProperties>
+      </inkml:inkSource>
+      <inkml:timestamp xml:id="ts0" timeString="2021-07-15T16:32:43.953"/>
+    </inkml:context>
+    <inkml:brush xml:id="br0">
+      <inkml:brushProperty name="width" value="0.05" units="cm"/>
+      <inkml:brushProperty name="height" value="0.05" units="cm"/>
+      <inkml:brushProperty name="color" value="#FF0066"/>
+    </inkml:brush>
+  </inkml:definitions>
+  <inkml:trace contextRef="#ctx0" brushRef="#br0">21 38 14280 0 0,'-7'2'621'0'0,"-6"1"8304"0"0,15-4-8328 0 0,10-2 38 0 0,1-1 0 0 0,-1 2 0 0 0,1-1 0 0 0,23 0 0 0 0,67-6-1154 0 0,-38-3-4478 0 0,-45 7-3189 0 0</inkml:trace>
+</inkml:ink>
+</file>
+
+<file path=ppt/ink/ink3.xml><?xml version="1.0" encoding="utf-8"?>
+<inkml:ink xmlns:inkml="http://www.w3.org/2003/InkML">
+  <inkml:definitions>
+    <inkml:context xml:id="ctx0">
+      <inkml:inkSource xml:id="inkSrc0">
+        <inkml:traceFormat>
+          <inkml:channel name="X" type="integer" min="-2.14748E9" max="2.14748E9" units="cm"/>
+          <inkml:channel name="Y" type="integer" min="-2.14748E9" max="2.14748E9" units="cm"/>
+          <inkml:channel name="F" type="integer" max="32767" units="dev"/>
+          <inkml:channel name="OA" type="integer" max="360" units="deg"/>
+          <inkml:channel name="OE" type="integer" max="90" units="deg"/>
+        </inkml:traceFormat>
+        <inkml:channelProperties>
+          <inkml:channelProperty channel="X" name="resolution" value="1000" units="1/cm"/>
+          <inkml:channelProperty channel="Y" name="resolution" value="1000" units="1/cm"/>
+          <inkml:channelProperty channel="F" name="resolution" value="0" units="1/dev"/>
+          <inkml:channelProperty channel="OA" name="resolution" value="1000" units="1/deg"/>
+          <inkml:channelProperty channel="OE" name="resolution" value="1000" units="1/deg"/>
+        </inkml:channelProperties>
+      </inkml:inkSource>
+      <inkml:timestamp xml:id="ts0" timeString="2021-07-15T16:30:48.525"/>
+    </inkml:context>
+    <inkml:brush xml:id="br0">
+      <inkml:brushProperty name="width" value="0.05" units="cm"/>
+      <inkml:brushProperty name="height" value="0.05" units="cm"/>
+      <inkml:brushProperty name="color" value="#FF0066"/>
+    </inkml:brush>
+  </inkml:definitions>
+  <inkml:trace contextRef="#ctx0" brushRef="#br0">41 43 4144 0 0,'0'0'319'0'0,"-17"0"3123"0"0,-7-1 6053 0 0,34 5-6984 0 0,15 7-1724 0 0,-20-8-660 0 0,1 0 0 0 0,0-1 0 0 0,1 1 0 0 0,-1-1 0 0 0,0 0 0 0 0,1-1 0 0 0,8 1 0 0 0,27 0 596 0 0,65-5-1 0 0,70-16 630 0 0,9 0-464 0 0,-161 17-802 0 0,36-3 88 0 0,69 4 0 0 0,40 6 192 0 0,88-5 346 0 0,-105 5 0 0 0,-16-12-381 0 0,63-3 10 0 0,-65 6-57 0 0,-80 4-158 0 0,-1 2-1 0 0,74 14 1 0 0,-63-8 44 0 0,-45-5-110 0 0,-1-2 0 0 0,1 0 0 0 0,0-2 0 0 0,37-4 0 0 0,-5 0-3 0 0,-15 2-37 0 0,57-3 229 0 0,-38 3-138 0 0,-39 2-87 0 0,-2 0 41 0 0,0 0 0 0 0,16 2 0 0 0,15-1 154 0 0,-35-1-157 0 0,-1 1 0 0 0,19 1 0 0 0,-22 0-21 0 0,1-1 0 0 0,-1 0 1 0 0,11-2-1 0 0,10 1 151 0 0,22-4 651 0 0,-23-2-1039 0 0,-26 6-52 0 0,2 0-1247 0 0,0-5-3470 0 0</inkml:trace>
+</inkml:ink>
+</file>
+
+<file path=ppt/ink/ink4.xml><?xml version="1.0" encoding="utf-8"?>
+<inkml:ink xmlns:inkml="http://www.w3.org/2003/InkML">
+  <inkml:definitions>
+    <inkml:context xml:id="ctx0">
+      <inkml:inkSource xml:id="inkSrc0">
+        <inkml:traceFormat>
+          <inkml:channel name="X" type="integer" min="-2.14748E9" max="2.14748E9" units="cm"/>
+          <inkml:channel name="Y" type="integer" min="-2.14748E9" max="2.14748E9" units="cm"/>
+          <inkml:channel name="F" type="integer" max="32767" units="dev"/>
+          <inkml:channel name="OA" type="integer" max="360" units="deg"/>
+          <inkml:channel name="OE" type="integer" max="90" units="deg"/>
+        </inkml:traceFormat>
+        <inkml:channelProperties>
+          <inkml:channelProperty channel="X" name="resolution" value="1000" units="1/cm"/>
+          <inkml:channelProperty channel="Y" name="resolution" value="1000" units="1/cm"/>
+          <inkml:channelProperty channel="F" name="resolution" value="0" units="1/dev"/>
+          <inkml:channelProperty channel="OA" name="resolution" value="1000" units="1/deg"/>
+          <inkml:channelProperty channel="OE" name="resolution" value="1000" units="1/deg"/>
+        </inkml:channelProperties>
+      </inkml:inkSource>
+      <inkml:timestamp xml:id="ts0" timeString="2021-07-15T16:30:53.997"/>
+    </inkml:context>
+    <inkml:brush xml:id="br0">
+      <inkml:brushProperty name="width" value="0.05" units="cm"/>
+      <inkml:brushProperty name="height" value="0.05" units="cm"/>
+      <inkml:brushProperty name="color" value="#FF0066"/>
+    </inkml:brush>
+  </inkml:definitions>
+  <inkml:trace contextRef="#ctx0" brushRef="#br0">8 31 2760 0 0,'0'0'2228'0'0,"-1"-5"121"0"0,-2-5-486 0 0,-1-6 8853 0 0,4 16-10611 0 0,9 7 2505 0 0,-7-5-2526 0 0,1 0 0 0 0,-1 0 0 0 0,1 0 0 0 0,-1-1-1 0 0,1 1 1 0 0,0-1 0 0 0,0 0 0 0 0,0 0 0 0 0,0 0 0 0 0,3 1 0 0 0,36 5 863 0 0,-17-4-514 0 0,80 11 232 0 0,-36-6-617 0 0,82 8 819 0 0,-70-9-556 0 0,36 0 137 0 0,16-4 197 0 0,95 7 503 0 0,-195-6-926 0 0,27 2 180 0 0,-53-6-322 0 0,-1 0-1 0 0,1-1 1 0 0,0 0-1 0 0,0 0 1 0 0,0-1-1 0 0,10-3 1 0 0,-13 4-26 0 0,0-1 1 0 0,0 0-1 0 0,0 0 0 0 0,0 0 0 0 0,0 0 1 0 0,6-6-1 0 0,-8 6-40 0 0,-1 1 1 0 0,1-1-1 0 0,-1 0 1 0 0,1 0-1 0 0,-1 0 1 0 0,0 0-1 0 0,0 0 1 0 0,0 0-1 0 0,0 0 1 0 0,0 0-1 0 0,0 0 1 0 0,0-1-1 0 0,-1 1 1 0 0,1-3-1 0 0,-1-23-1944 0 0</inkml:trace>
+</inkml:ink>
+</file>
+
+<file path=ppt/ink/ink5.xml><?xml version="1.0" encoding="utf-8"?>
+<inkml:ink xmlns:inkml="http://www.w3.org/2003/InkML">
+  <inkml:definitions>
+    <inkml:context xml:id="ctx0">
+      <inkml:inkSource xml:id="inkSrc0">
+        <inkml:traceFormat>
+          <inkml:channel name="X" type="integer" min="-2.14748E9" max="2.14748E9" units="cm"/>
+          <inkml:channel name="Y" type="integer" min="-2.14748E9" max="2.14748E9" units="cm"/>
+          <inkml:channel name="F" type="integer" max="32767" units="dev"/>
+          <inkml:channel name="OA" type="integer" max="360" units="deg"/>
+          <inkml:channel name="OE" type="integer" max="90" units="deg"/>
+        </inkml:traceFormat>
+        <inkml:channelProperties>
+          <inkml:channelProperty channel="X" name="resolution" value="1000" units="1/cm"/>
+          <inkml:channelProperty channel="Y" name="resolution" value="1000" units="1/cm"/>
+          <inkml:channelProperty channel="F" name="resolution" value="0" units="1/dev"/>
+          <inkml:channelProperty channel="OA" name="resolution" value="1000" units="1/deg"/>
+          <inkml:channelProperty channel="OE" name="resolution" value="1000" units="1/deg"/>
+        </inkml:channelProperties>
+      </inkml:inkSource>
+      <inkml:timestamp xml:id="ts0" timeString="2021-07-15T16:31:08.305"/>
+    </inkml:context>
+    <inkml:brush xml:id="br0">
+      <inkml:brushProperty name="width" value="0.05" units="cm"/>
+      <inkml:brushProperty name="height" value="0.05" units="cm"/>
+      <inkml:brushProperty name="color" value="#FF0066"/>
+    </inkml:brush>
+  </inkml:definitions>
+  <inkml:trace contextRef="#ctx0" brushRef="#br0">39 84 1840 0 0,'0'0'840'0'0,"-4"-6"2329"0"0,-4 2-605 0 0,5 2-2136 0 0,1 1 1 0 0,0 0 0 0 0,0-1 0 0 0,-1 1 0 0 0,1 0-1 0 0,-1 0 1 0 0,-6-5 7523 0 0,10 5-7935 0 0,5-2 326 0 0,1-1 0 0 0,-1 0 0 0 0,0 0 0 0 0,5-6 0 0 0,-6 6-187 0 0,-1 1 0 0 0,1-1 0 0 0,-1 1 0 0 0,1 0 0 0 0,0 0 0 0 0,0 0 0 0 0,11-3 0 0 0,-8 3-1 0 0,-8 3-149 0 0,0 0 1 0 0,1 0 0 0 0,-1 1 0 0 0,0-1 0 0 0,0 0-1 0 0,0 0 1 0 0,0 0 0 0 0,1 1 0 0 0,-1-1-1 0 0,0 0 1 0 0,0 0 0 0 0,0 1 0 0 0,0-1-1 0 0,0 0 1 0 0,1 0 0 0 0,-1 1 0 0 0,0-1 0 0 0,0 0-1 0 0,0 0 1 0 0,0 1 0 0 0,0-1 0 0 0,0 0-1 0 0,0 0 1 0 0,0 1 0 0 0,0-1 0 0 0,0 0 0 0 0,0 1-1 0 0,0-1 1 0 0,-1 0 0 0 0,0 12 47 0 0,1-10-21 0 0,-2 7-4 0 0,0-1 0 0 0,0 0 0 0 0,-1 1 0 0 0,0-1 0 0 0,0-1 0 0 0,-1 1 0 0 0,0 0 0 0 0,-6 7 0 0 0,-8 18 30 0 0,9-12-59 0 0,8-16-12 0 0,6 0-36 0 0,0-4 54 0 0,-1 0-1 0 0,1 0 0 0 0,0 0 0 0 0,0-1 0 0 0,-1 1 1 0 0,1-1-1 0 0,0 0 0 0 0,0-1 0 0 0,0 1 1 0 0,5-3-1 0 0,-2 2 64 0 0,-1 0 0 0 0,1 1 0 0 0,8 0 0 0 0,-13 0-65 0 0,0 0 10 0 0,1 0 0 0 0,0 1-1 0 0,-1 0 1 0 0,1-1 0 0 0,5 3 0 0 0,-8-2-12 0 0,-1-1 0 0 0,1 1 0 0 0,0-1 0 0 0,0 1 0 0 0,0-1 0 0 0,-1 1 0 0 0,1-1 0 0 0,0 1 0 0 0,-1 0 0 0 0,1-1 0 0 0,0 1 0 0 0,-1 0 0 0 0,1 0 0 0 0,-1 0 1 0 0,0-1-1 0 0,1 1 0 0 0,-1 0 0 0 0,1 0 0 0 0,-1 0 0 0 0,0 0 0 0 0,0 0 0 0 0,1 0 0 0 0,-1 0 0 0 0,0 0 0 0 0,0 0 0 0 0,0 1 0 0 0,0 6 108 0 0,-1 0 0 0 0,0 0 0 0 0,0 0 0 0 0,-1-1-1 0 0,0 1 1 0 0,0 0 0 0 0,0-1 0 0 0,-1 1 0 0 0,-1-1-1 0 0,-3 8 1 0 0,4-10-72 0 0,-2 5 6 0 0,-1 0 0 0 0,1 0-1 0 0,-1 0 1 0 0,-1-1 0 0 0,0 0 0 0 0,-14 13-1 0 0,6-7-103 0 0,-14 9-1408 0 0</inkml:trace>
+</inkml:ink>
+</file>
+
+<file path=ppt/ink/ink6.xml><?xml version="1.0" encoding="utf-8"?>
+<inkml:ink xmlns:inkml="http://www.w3.org/2003/InkML">
+  <inkml:definitions>
+    <inkml:context xml:id="ctx0">
+      <inkml:inkSource xml:id="inkSrc0">
+        <inkml:traceFormat>
+          <inkml:channel name="X" type="integer" min="-2.14748E9" max="2.14748E9" units="cm"/>
+          <inkml:channel name="Y" type="integer" min="-2.14748E9" max="2.14748E9" units="cm"/>
+          <inkml:channel name="F" type="integer" max="32767" units="dev"/>
+          <inkml:channel name="OA" type="integer" max="360" units="deg"/>
+          <inkml:channel name="OE" type="integer" max="90" units="deg"/>
+        </inkml:traceFormat>
+        <inkml:channelProperties>
+          <inkml:channelProperty channel="X" name="resolution" value="1000" units="1/cm"/>
+          <inkml:channelProperty channel="Y" name="resolution" value="1000" units="1/cm"/>
+          <inkml:channelProperty channel="F" name="resolution" value="0" units="1/dev"/>
+          <inkml:channelProperty channel="OA" name="resolution" value="1000" units="1/deg"/>
+          <inkml:channelProperty channel="OE" name="resolution" value="1000" units="1/deg"/>
+        </inkml:channelProperties>
+      </inkml:inkSource>
+      <inkml:timestamp xml:id="ts0" timeString="2021-07-15T16:31:08.646"/>
+    </inkml:context>
+    <inkml:brush xml:id="br0">
+      <inkml:brushProperty name="width" value="0.05" units="cm"/>
+      <inkml:brushProperty name="height" value="0.05" units="cm"/>
+      <inkml:brushProperty name="color" value="#FF0066"/>
+    </inkml:brush>
+  </inkml:definitions>
+  <inkml:trace contextRef="#ctx0" brushRef="#br0">49 0 9648 0 0,'-12'3'1040'0'0,"4"4"-24"0"0,7-6-900 0 0,1-1 0 0 0,-1 1 0 0 0,0-1 1 0 0,1 1-1 0 0,-1-1 0 0 0,1 1 0 0 0,-1 0 0 0 0,1-1 0 0 0,-1 1 0 0 0,1 0 0 0 0,-1-1 1 0 0,1 1-1 0 0,-1 0 0 0 0,1 0 0 0 0,0-1 0 0 0,0 1 0 0 0,-1 1 0 0 0,-6 16 1521 0 0,-1 7 461 0 0,8-21-1614 0 0,-2 4-86 0 0,1 0 0 0 0,0 0 0 0 0,1 0 0 0 0,-1 0 0 0 0,2-1 0 0 0,1 13 0 0 0,-2-19-363 0 0,0 0 0 0 0,0-1-1 0 0,1 1 1 0 0,-1-1 0 0 0,1 1-1 0 0,-1 0 1 0 0,1-1 0 0 0,-1 1-1 0 0,1-1 1 0 0,-1 1 0 0 0,1-1-1 0 0,-1 0 1 0 0,1 1 0 0 0,-1-1-1 0 0,1 1 1 0 0,0-1 0 0 0,-1 0-1 0 0,1 1 1 0 0,0-1 0 0 0,-1 0-1 0 0,1 0 1 0 0,0 0 0 0 0,0 0-1 0 0,-1 1 1 0 0,1-1 0 0 0,0 0-1 0 0,1 0-30 0 0,0 0-1 0 0,0 0 1 0 0,0 0 0 0 0,0-1-1 0 0,0 1 1 0 0,-1 0-1 0 0,1-1 1 0 0,2 0-1 0 0,0-1-129 0 0,0-1-1 0 0,0 1 1 0 0,0-1 0 0 0,-1 0-1 0 0,1 0 1 0 0,-1-1-1 0 0,4-5 1 0 0,19-27-3455 0 0,-17 19 1950 0 0</inkml:trace>
+</inkml:ink>
+</file>
+
+<file path=ppt/ink/ink7.xml><?xml version="1.0" encoding="utf-8"?>
+<inkml:ink xmlns:inkml="http://www.w3.org/2003/InkML">
+  <inkml:definitions>
+    <inkml:context xml:id="ctx0">
+      <inkml:inkSource xml:id="inkSrc0">
+        <inkml:traceFormat>
+          <inkml:channel name="X" type="integer" min="-2.14748E9" max="2.14748E9" units="cm"/>
+          <inkml:channel name="Y" type="integer" min="-2.14748E9" max="2.14748E9" units="cm"/>
+          <inkml:channel name="F" type="integer" max="32767" units="dev"/>
+          <inkml:channel name="OA" type="integer" max="360" units="deg"/>
+          <inkml:channel name="OE" type="integer" max="90" units="deg"/>
+        </inkml:traceFormat>
+        <inkml:channelProperties>
+          <inkml:channelProperty channel="X" name="resolution" value="1000" units="1/cm"/>
+          <inkml:channelProperty channel="Y" name="resolution" value="1000" units="1/cm"/>
+          <inkml:channelProperty channel="F" name="resolution" value="0" units="1/dev"/>
+          <inkml:channelProperty channel="OA" name="resolution" value="1000" units="1/deg"/>
+          <inkml:channelProperty channel="OE" name="resolution" value="1000" units="1/deg"/>
+        </inkml:channelProperties>
+      </inkml:inkSource>
+      <inkml:timestamp xml:id="ts0" timeString="2021-07-15T16:31:09.021"/>
+    </inkml:context>
+    <inkml:brush xml:id="br0">
+      <inkml:brushProperty name="width" value="0.05" units="cm"/>
+      <inkml:brushProperty name="height" value="0.05" units="cm"/>
+      <inkml:brushProperty name="color" value="#FF0066"/>
+    </inkml:brush>
+  </inkml:definitions>
+  <inkml:trace contextRef="#ctx0" brushRef="#br0">220 1 15864 0 0,'-1'7'771'0'0,"-15"37"-13"0"0,-35 71 0 0 0,45-103-476 0 0,-111 231 1010 0 0,112-231-1164 0 0,0 1 1 0 0,1-1-1 0 0,0 1 0 0 0,1 0 1 0 0,0-1-1 0 0,1 1 1 0 0,0 1-1 0 0,1 17 1 0 0,1-29-209 0 0,0-1 0 0 0,0 0 0 0 0,0 1 0 0 0,0-1 0 0 0,1 1 0 0 0,-1-1 0 0 0,0 0 0 0 0,1 1 0 0 0,-1-1 0 0 0,1 0 0 0 0,-1 0 0 0 0,1 1 0 0 0,0-1 0 0 0,-1 0 0 0 0,1 0 0 0 0,0 0 0 0 0,0 0-1 0 0,0 0 1 0 0,0 0 0 0 0,1 1 0 0 0,0-1-395 0 0,-1 0-1 0 0,0-1 1 0 0,0 1-1 0 0,0 0 1 0 0,1-1-1 0 0,-1 0 1 0 0,0 1-1 0 0,1-1 0 0 0,-1 0 1 0 0,1 1-1 0 0,-1-1 1 0 0,2 0-1 0 0,8-2-5150 0 0</inkml:trace>
+  <inkml:trace contextRef="#ctx0" brushRef="#br0" timeOffset="1">223 403 4144 0 0,'-2'0'88'0'0,"1"0"1"0"0,0 1-1 0 0,-1-1 0 0 0,1 0 1 0 0,0 0-1 0 0,-1 1 1 0 0,1-1-1 0 0,0 1 0 0 0,-1-1 1 0 0,1 1-1 0 0,-2 1 0 0 0,1 0 550 0 0,-1 0-1 0 0,1 0 0 0 0,0 0 0 0 0,0 0 0 0 0,0 0 0 0 0,0 1 0 0 0,1-1 0 0 0,-3 5 0 0 0,-9 23 4876 0 0,8-12-4845 0 0,3-9-274 0 0,0 0 0 0 0,1 0-1 0 0,1 0 1 0 0,-1-1-1 0 0,1 1 1 0 0,1 0 0 0 0,-1 0-1 0 0,1 0 1 0 0,1 0-1 0 0,0 0 1 0 0,0-1 0 0 0,1 1-1 0 0,0-1 1 0 0,8 16-1 0 0,-10-22-322 0 0,-1-1-1 0 0,1 0 1 0 0,0 1-1 0 0,0-1 1 0 0,0 1 0 0 0,0-1-1 0 0,0 0 1 0 0,0 0-1 0 0,0 0 1 0 0,0 0-1 0 0,0 0 1 0 0,1 0-1 0 0,-1 0 1 0 0,0 0-1 0 0,1 0 1 0 0,-1 0-1 0 0,1-1 1 0 0,-1 1-1 0 0,1-1 1 0 0,-1 1 0 0 0,1-1-1 0 0,-1 1 1 0 0,1-1-1 0 0,0 0 1 0 0,-1 0-1 0 0,1 0 1 0 0,-1 0-1 0 0,1 0 1 0 0,0 0-1 0 0,-1 0 1 0 0,3-1-1 0 0,0 0-18 0 0,-1-1-1 0 0,0 1 0 0 0,-1-1 1 0 0,1 0-1 0 0,0 0 0 0 0,0 0 0 0 0,-1 0 1 0 0,1-1-1 0 0,-1 1 0 0 0,0 0 1 0 0,0-1-1 0 0,0 0 0 0 0,0 1 1 0 0,3-6-1 0 0,-1 0-113 0 0,-1 0 0 0 0,1-1 0 0 0,3-14 1 0 0,-1-11-7017 0 0,-5 9-967 0 0</inkml:trace>
+</inkml:ink>
+</file>
+
+<file path=ppt/ink/ink8.xml><?xml version="1.0" encoding="utf-8"?>
+<inkml:ink xmlns:inkml="http://www.w3.org/2003/InkML">
+  <inkml:definitions>
+    <inkml:context xml:id="ctx0">
+      <inkml:inkSource xml:id="inkSrc0">
+        <inkml:traceFormat>
+          <inkml:channel name="X" type="integer" min="-2.14748E9" max="2.14748E9" units="cm"/>
+          <inkml:channel name="Y" type="integer" min="-2.14748E9" max="2.14748E9" units="cm"/>
+          <inkml:channel name="F" type="integer" max="32767" units="dev"/>
+          <inkml:channel name="OA" type="integer" max="360" units="deg"/>
+          <inkml:channel name="OE" type="integer" max="90" units="deg"/>
+        </inkml:traceFormat>
+        <inkml:channelProperties>
+          <inkml:channelProperty channel="X" name="resolution" value="1000" units="1/cm"/>
+          <inkml:channelProperty channel="Y" name="resolution" value="1000" units="1/cm"/>
+          <inkml:channelProperty channel="F" name="resolution" value="0" units="1/dev"/>
+          <inkml:channelProperty channel="OA" name="resolution" value="1000" units="1/deg"/>
+          <inkml:channelProperty channel="OE" name="resolution" value="1000" units="1/deg"/>
+        </inkml:channelProperties>
+      </inkml:inkSource>
+      <inkml:timestamp xml:id="ts0" timeString="2021-07-15T16:31:09.930"/>
+    </inkml:context>
+    <inkml:brush xml:id="br0">
+      <inkml:brushProperty name="width" value="0.05" units="cm"/>
+      <inkml:brushProperty name="height" value="0.05" units="cm"/>
+      <inkml:brushProperty name="color" value="#FF0066"/>
+    </inkml:brush>
+  </inkml:definitions>
+  <inkml:trace contextRef="#ctx0" brushRef="#br0">122 22 10336 0 0,'0'0'4716'0'0,"-9"9"-3009"0"0,-11 2 232 0 0,16-10-1665 0 0,1 1 0 0 0,0 0 1 0 0,-1 0-1 0 0,1 0 0 0 0,-4 3 0 0 0,-7 8 654 0 0,5-6-902 0 0,1 0-1 0 0,-12 16 0 0 0,18-20 119 0 0,0 0-1 0 0,0 0 0 0 0,0 0 1 0 0,1 0-1 0 0,-1 0 0 0 0,1 0 1 0 0,0 0-1 0 0,0 1 0 0 0,0-1 1 0 0,0 0-1 0 0,1 1 0 0 0,-1-1 1 0 0,1 5-1 0 0,1-7-129 0 0,-1 0 0 0 0,1 1-1 0 0,0-1 1 0 0,0 0 0 0 0,0 0 0 0 0,0 0-1 0 0,1 0 1 0 0,-1 0 0 0 0,0 0 0 0 0,2 1 0 0 0,-2-1-1 0 0,8 4-24 0 0,-1 0 0 0 0,1-1 0 0 0,0 0-1 0 0,1-1 1 0 0,-1 0 0 0 0,16 4 0 0 0,-15-5-4 0 0,0 0 1 0 0,-1 1 0 0 0,1 1 0 0 0,-1 0-1 0 0,16 8 1 0 0,-22-10 24 0 0,-1 0 0 0 0,1 1 1 0 0,-1-1-1 0 0,1 0 0 0 0,-1 1 0 0 0,0-1 0 0 0,0 1 0 0 0,0 0 0 0 0,0 0 0 0 0,-1 0 1 0 0,1 0-1 0 0,-1 0 0 0 0,0 0 0 0 0,0 0 0 0 0,0 0 0 0 0,0 0 0 0 0,0 1 0 0 0,-1-1 1 0 0,1 0-1 0 0,-1 1 0 0 0,0 5 0 0 0,0-1-16 0 0,-1 1 1 0 0,0-1-1 0 0,0 0 0 0 0,0 1 1 0 0,-1-1-1 0 0,0 0 1 0 0,-7 15-1 0 0,8-20 39 0 0,-1 0 0 0 0,1 0 0 0 0,-1-1 0 0 0,1 1 0 0 0,-1-1 1 0 0,0 1-1 0 0,0-1 0 0 0,0 0 0 0 0,0 0 0 0 0,0 0 0 0 0,-1 0 0 0 0,1 0 0 0 0,-1 0 0 0 0,1-1 1 0 0,-1 1-1 0 0,0-1 0 0 0,1 1 0 0 0,-1-1 0 0 0,0 0 0 0 0,0 0 0 0 0,0-1 0 0 0,0 1 0 0 0,0 0 1 0 0,-6-1-1 0 0,6 0 18 0 0,0 0 0 0 0,0 0 1 0 0,-1 0-1 0 0,1-1 1 0 0,0 0-1 0 0,0 1 1 0 0,0-1-1 0 0,0 0 0 0 0,0-1 1 0 0,0 1-1 0 0,0 0 1 0 0,1-1-1 0 0,-1 0 0 0 0,0 1 1 0 0,1-1-1 0 0,-1 0 1 0 0,1 0-1 0 0,0-1 1 0 0,-1 1-1 0 0,1 0 0 0 0,0-1 1 0 0,-1-3-1 0 0,-1 1-55 0 0,1 0 0 0 0,0-1 0 0 0,0 1 0 0 0,1-1-1 0 0,0 0 1 0 0,0 0 0 0 0,0 0 0 0 0,1 0 0 0 0,0 0-1 0 0,0 0 1 0 0,0-1 0 0 0,1-6 0 0 0,0-14 489 0 0,5-37-1 0 0,-5 63-445 0 0,4-31 120 0 0,2 1 1 0 0,1-1 0 0 0,12-33-1 0 0,-17 60-337 0 0,0 0 0 0 0,1 0 0 0 0,0 1 0 0 0,-1-1 0 0 0,1 0 0 0 0,1 1 0 0 0,-1 0 0 0 0,6-6 0 0 0,-9 10 75 0 0,1 0 0 0 0,-1-1-1 0 0,1 1 1 0 0,-1 0 0 0 0,1-1 0 0 0,-1 1 0 0 0,1 0 0 0 0,-1 0 0 0 0,1-1 0 0 0,-1 1 0 0 0,1 0 0 0 0,-1 0 0 0 0,1 0 0 0 0,-1 0 0 0 0,1 0 0 0 0,0 0 0 0 0,-1 0 0 0 0,1 0 0 0 0,-1 0 0 0 0,1 0 0 0 0,-1 0 0 0 0,1 0 0 0 0,-1 0 0 0 0,1 0 0 0 0,0 1 0 0 0,-1-1 0 0 0,1 0 0 0 0,-1 0 0 0 0,1 1 0 0 0,-1-1 0 0 0,1 1 0 0 0,13 11-3535 0 0,-6-4 1839 0 0</inkml:trace>
+</inkml:ink>
+</file>
+
+<file path=ppt/ink/ink9.xml><?xml version="1.0" encoding="utf-8"?>
+<inkml:ink xmlns:inkml="http://www.w3.org/2003/InkML">
+  <inkml:definitions>
+    <inkml:context xml:id="ctx0">
+      <inkml:inkSource xml:id="inkSrc0">
+        <inkml:traceFormat>
+          <inkml:channel name="X" type="integer" min="-2.14748E9" max="2.14748E9" units="cm"/>
+          <inkml:channel name="Y" type="integer" min="-2.14748E9" max="2.14748E9" units="cm"/>
+          <inkml:channel name="F" type="integer" max="32767" units="dev"/>
+          <inkml:channel name="OA" type="integer" max="360" units="deg"/>
+          <inkml:channel name="OE" type="integer" max="90" units="deg"/>
+        </inkml:traceFormat>
+        <inkml:channelProperties>
+          <inkml:channelProperty channel="X" name="resolution" value="1000" units="1/cm"/>
+          <inkml:channelProperty channel="Y" name="resolution" value="1000" units="1/cm"/>
+          <inkml:channelProperty channel="F" name="resolution" value="0" units="1/dev"/>
+          <inkml:channelProperty channel="OA" name="resolution" value="1000" units="1/deg"/>
+          <inkml:channelProperty channel="OE" name="resolution" value="1000" units="1/deg"/>
+        </inkml:channelProperties>
+      </inkml:inkSource>
+      <inkml:timestamp xml:id="ts0" timeString="2021-07-15T16:31:10.309"/>
+    </inkml:context>
+    <inkml:brush xml:id="br0">
+      <inkml:brushProperty name="width" value="0.05" units="cm"/>
+      <inkml:brushProperty name="height" value="0.05" units="cm"/>
+      <inkml:brushProperty name="color" value="#FF0066"/>
+    </inkml:brush>
+  </inkml:definitions>
+  <inkml:trace contextRef="#ctx0" brushRef="#br0">74 0 2760 0 0,'-6'3'8131'0'0,"-8"4"-5053"0"0,9-3-2560 0 0,1-1 0 0 0,0 1 0 0 0,0 0 0 0 0,0 1 1 0 0,0-1-1 0 0,1 1 0 0 0,-1 0 0 0 0,1 0 0 0 0,0 0 0 0 0,1 0 0 0 0,-1 0 1 0 0,1 1-1 0 0,0-1 0 0 0,1 1 0 0 0,-1-1 0 0 0,1 1 0 0 0,-1 11 0 0 0,2-16-500 0 0,0 0 1 0 0,0-1-1 0 0,0 1 0 0 0,0 0 0 0 0,0 0 0 0 0,1-1 0 0 0,-1 1 0 0 0,0 0 0 0 0,1 0 0 0 0,-1-1 0 0 0,0 1 1 0 0,1 0-1 0 0,-1-1 0 0 0,1 1 0 0 0,-1 0 0 0 0,1-1 0 0 0,-1 1 0 0 0,1-1 0 0 0,-1 1 0 0 0,1-1 0 0 0,0 1 1 0 0,-1-1-1 0 0,1 1 0 0 0,0-1 0 0 0,-1 0 0 0 0,1 1 0 0 0,0-1 0 0 0,-1 0 0 0 0,1 1 0 0 0,0-1 1 0 0,1 0-1 0 0,0 0 31 0 0,0 1 0 0 0,0-1 0 0 0,0 0-1 0 0,-1 0 1 0 0,1 0 0 0 0,0 0 0 0 0,0 0 0 0 0,3-1 0 0 0,-2 0-274 0 0,0 0 0 0 0,0 0 0 0 0,0-1 0 0 0,0 1 0 0 0,-1-1 0 0 0,1 0 1 0 0,4-3-1 0 0,8-10-6110 0 0,-4 2-638 0 0</inkml:trace>
+</inkml:ink>
 </file>
 
 <file path=ppt/notesMasters/notesMaster1.xml><?xml version="1.0" encoding="utf-8"?>
@@ -837,7 +1735,7 @@
           <a:p>
             <a:fld id="{3A2BF66F-FEB0-48C1-A8B9-A73F54BB1A08}" type="datetimeFigureOut">
               <a:rPr lang="en-US" smtClean="0"/>
-              <a:t>7/14/2021</a:t>
+              <a:t>7/15/2021</a:t>
             </a:fld>
             <a:endParaRPr lang="en-US" dirty="0"/>
           </a:p>
@@ -1045,7 +1943,7 @@
           <a:p>
             <a:fld id="{3A2BF66F-FEB0-48C1-A8B9-A73F54BB1A08}" type="datetimeFigureOut">
               <a:rPr lang="en-US" smtClean="0"/>
-              <a:t>7/14/2021</a:t>
+              <a:t>7/15/2021</a:t>
             </a:fld>
             <a:endParaRPr lang="en-US" dirty="0"/>
           </a:p>
@@ -1263,7 +2161,7 @@
           <a:p>
             <a:fld id="{3A2BF66F-FEB0-48C1-A8B9-A73F54BB1A08}" type="datetimeFigureOut">
               <a:rPr lang="en-US" smtClean="0"/>
-              <a:t>7/14/2021</a:t>
+              <a:t>7/15/2021</a:t>
             </a:fld>
             <a:endParaRPr lang="en-US" dirty="0"/>
           </a:p>
@@ -1471,7 +2369,7 @@
           <a:p>
             <a:fld id="{3A2BF66F-FEB0-48C1-A8B9-A73F54BB1A08}" type="datetimeFigureOut">
               <a:rPr lang="en-US" smtClean="0"/>
-              <a:t>7/14/2021</a:t>
+              <a:t>7/15/2021</a:t>
             </a:fld>
             <a:endParaRPr lang="en-US" dirty="0"/>
           </a:p>
@@ -1756,7 +2654,7 @@
           <a:p>
             <a:fld id="{3A2BF66F-FEB0-48C1-A8B9-A73F54BB1A08}" type="datetimeFigureOut">
               <a:rPr lang="en-US" smtClean="0"/>
-              <a:t>7/14/2021</a:t>
+              <a:t>7/15/2021</a:t>
             </a:fld>
             <a:endParaRPr lang="en-US" dirty="0"/>
           </a:p>
@@ -2031,7 +2929,7 @@
           <a:p>
             <a:fld id="{3A2BF66F-FEB0-48C1-A8B9-A73F54BB1A08}" type="datetimeFigureOut">
               <a:rPr lang="en-US" smtClean="0"/>
-              <a:t>7/14/2021</a:t>
+              <a:t>7/15/2021</a:t>
             </a:fld>
             <a:endParaRPr lang="en-US" dirty="0"/>
           </a:p>
@@ -2453,7 +3351,7 @@
           <a:p>
             <a:fld id="{3A2BF66F-FEB0-48C1-A8B9-A73F54BB1A08}" type="datetimeFigureOut">
               <a:rPr lang="en-US" smtClean="0"/>
-              <a:t>7/14/2021</a:t>
+              <a:t>7/15/2021</a:t>
             </a:fld>
             <a:endParaRPr lang="en-US" dirty="0"/>
           </a:p>
@@ -2604,7 +3502,7 @@
           <a:p>
             <a:fld id="{3A2BF66F-FEB0-48C1-A8B9-A73F54BB1A08}" type="datetimeFigureOut">
               <a:rPr lang="en-US" smtClean="0"/>
-              <a:t>7/14/2021</a:t>
+              <a:t>7/15/2021</a:t>
             </a:fld>
             <a:endParaRPr lang="en-US" dirty="0"/>
           </a:p>
@@ -2727,7 +3625,7 @@
           <a:p>
             <a:fld id="{3A2BF66F-FEB0-48C1-A8B9-A73F54BB1A08}" type="datetimeFigureOut">
               <a:rPr lang="en-US" smtClean="0"/>
-              <a:t>7/14/2021</a:t>
+              <a:t>7/15/2021</a:t>
             </a:fld>
             <a:endParaRPr lang="en-US" dirty="0"/>
           </a:p>
@@ -3047,7 +3945,7 @@
           <a:p>
             <a:fld id="{3A2BF66F-FEB0-48C1-A8B9-A73F54BB1A08}" type="datetimeFigureOut">
               <a:rPr lang="en-US" smtClean="0"/>
-              <a:t>7/14/2021</a:t>
+              <a:t>7/15/2021</a:t>
             </a:fld>
             <a:endParaRPr lang="en-US" dirty="0"/>
           </a:p>
@@ -3345,7 +4243,7 @@
           <a:p>
             <a:fld id="{3A2BF66F-FEB0-48C1-A8B9-A73F54BB1A08}" type="datetimeFigureOut">
               <a:rPr lang="en-US" smtClean="0"/>
-              <a:t>7/14/2021</a:t>
+              <a:t>7/15/2021</a:t>
             </a:fld>
             <a:endParaRPr lang="en-US" dirty="0"/>
           </a:p>
@@ -3596,7 +4494,7 @@
           <a:p>
             <a:fld id="{3A2BF66F-FEB0-48C1-A8B9-A73F54BB1A08}" type="datetimeFigureOut">
               <a:rPr lang="en-US" smtClean="0"/>
-              <a:t>7/14/2021</a:t>
+              <a:t>7/15/2021</a:t>
             </a:fld>
             <a:endParaRPr lang="en-US" dirty="0"/>
           </a:p>
@@ -4361,6 +5259,1539 @@
           </a:p>
         </p:txBody>
       </p:sp>
+      <mc:AlternateContent xmlns:mc="http://schemas.openxmlformats.org/markup-compatibility/2006">
+        <mc:Choice xmlns:p14="http://schemas.microsoft.com/office/powerpoint/2010/main" Requires="p14">
+          <p:contentPart p14:bwMode="auto" r:id="rId2">
+            <p14:nvContentPartPr>
+              <p14:cNvPr id="4" name="Ink 3">
+                <a:extLst>
+                  <a:ext uri="{FF2B5EF4-FFF2-40B4-BE49-F238E27FC236}">
+                    <a16:creationId xmlns:a16="http://schemas.microsoft.com/office/drawing/2014/main" id="{7863179D-CAF1-4517-8597-8F666A67550E}"/>
+                  </a:ext>
+                </a:extLst>
+              </p14:cNvPr>
+              <p14:cNvContentPartPr/>
+              <p14:nvPr/>
+            </p14:nvContentPartPr>
+            <p14:xfrm>
+              <a:off x="839449" y="1682539"/>
+              <a:ext cx="426960" cy="33480"/>
+            </p14:xfrm>
+          </p:contentPart>
+        </mc:Choice>
+        <mc:Fallback>
+          <p:pic>
+            <p:nvPicPr>
+              <p:cNvPr id="4" name="Ink 3">
+                <a:extLst>
+                  <a:ext uri="{FF2B5EF4-FFF2-40B4-BE49-F238E27FC236}">
+                    <a16:creationId xmlns:a16="http://schemas.microsoft.com/office/drawing/2014/main" id="{7863179D-CAF1-4517-8597-8F666A67550E}"/>
+                  </a:ext>
+                </a:extLst>
+              </p:cNvPr>
+              <p:cNvPicPr/>
+              <p:nvPr/>
+            </p:nvPicPr>
+            <p:blipFill>
+              <a:blip r:embed="rId3"/>
+              <a:stretch>
+                <a:fillRect/>
+              </a:stretch>
+            </p:blipFill>
+            <p:spPr>
+              <a:xfrm>
+                <a:off x="830809" y="1673899"/>
+                <a:ext cx="444600" cy="51120"/>
+              </a:xfrm>
+              <a:prstGeom prst="rect">
+                <a:avLst/>
+              </a:prstGeom>
+            </p:spPr>
+          </p:pic>
+        </mc:Fallback>
+      </mc:AlternateContent>
+      <p:grpSp>
+        <p:nvGrpSpPr>
+          <p:cNvPr id="7" name="Group 6">
+            <a:extLst>
+              <a:ext uri="{FF2B5EF4-FFF2-40B4-BE49-F238E27FC236}">
+                <a16:creationId xmlns:a16="http://schemas.microsoft.com/office/drawing/2014/main" id="{01A128CF-7CE2-4334-94BC-6C38C9118CC9}"/>
+              </a:ext>
+            </a:extLst>
+          </p:cNvPr>
+          <p:cNvGrpSpPr/>
+          <p:nvPr/>
+        </p:nvGrpSpPr>
+        <p:grpSpPr>
+          <a:xfrm>
+            <a:off x="1919449" y="1951099"/>
+            <a:ext cx="1478520" cy="30600"/>
+            <a:chOff x="1919449" y="1951099"/>
+            <a:chExt cx="1478520" cy="30600"/>
+          </a:xfrm>
+        </p:grpSpPr>
+        <mc:AlternateContent xmlns:mc="http://schemas.openxmlformats.org/markup-compatibility/2006">
+          <mc:Choice xmlns:p14="http://schemas.microsoft.com/office/powerpoint/2010/main" Requires="p14">
+            <p:contentPart p14:bwMode="auto" r:id="rId4">
+              <p14:nvContentPartPr>
+                <p14:cNvPr id="5" name="Ink 4">
+                  <a:extLst>
+                    <a:ext uri="{FF2B5EF4-FFF2-40B4-BE49-F238E27FC236}">
+                      <a16:creationId xmlns:a16="http://schemas.microsoft.com/office/drawing/2014/main" id="{0BDFE391-0067-4BEF-A2B5-ADB97B9EDA75}"/>
+                    </a:ext>
+                  </a:extLst>
+                </p14:cNvPr>
+                <p14:cNvContentPartPr/>
+                <p14:nvPr/>
+              </p14:nvContentPartPr>
+              <p14:xfrm>
+                <a:off x="1919449" y="1955779"/>
+                <a:ext cx="150120" cy="25920"/>
+              </p14:xfrm>
+            </p:contentPart>
+          </mc:Choice>
+          <mc:Fallback>
+            <p:pic>
+              <p:nvPicPr>
+                <p:cNvPr id="5" name="Ink 4">
+                  <a:extLst>
+                    <a:ext uri="{FF2B5EF4-FFF2-40B4-BE49-F238E27FC236}">
+                      <a16:creationId xmlns:a16="http://schemas.microsoft.com/office/drawing/2014/main" id="{0BDFE391-0067-4BEF-A2B5-ADB97B9EDA75}"/>
+                    </a:ext>
+                  </a:extLst>
+                </p:cNvPr>
+                <p:cNvPicPr/>
+                <p:nvPr/>
+              </p:nvPicPr>
+              <p:blipFill>
+                <a:blip r:embed="rId5"/>
+                <a:stretch>
+                  <a:fillRect/>
+                </a:stretch>
+              </p:blipFill>
+              <p:spPr>
+                <a:xfrm>
+                  <a:off x="1910809" y="1946779"/>
+                  <a:ext cx="167760" cy="43560"/>
+                </a:xfrm>
+                <a:prstGeom prst="rect">
+                  <a:avLst/>
+                </a:prstGeom>
+              </p:spPr>
+            </p:pic>
+          </mc:Fallback>
+        </mc:AlternateContent>
+        <mc:AlternateContent xmlns:mc="http://schemas.openxmlformats.org/markup-compatibility/2006">
+          <mc:Choice xmlns:p14="http://schemas.microsoft.com/office/powerpoint/2010/main" Requires="p14">
+            <p:contentPart p14:bwMode="auto" r:id="rId6">
+              <p14:nvContentPartPr>
+                <p14:cNvPr id="6" name="Ink 5">
+                  <a:extLst>
+                    <a:ext uri="{FF2B5EF4-FFF2-40B4-BE49-F238E27FC236}">
+                      <a16:creationId xmlns:a16="http://schemas.microsoft.com/office/drawing/2014/main" id="{0BAB53B2-E0E2-4ED9-98C2-0EE2077F0458}"/>
+                    </a:ext>
+                  </a:extLst>
+                </p14:cNvPr>
+                <p14:cNvContentPartPr/>
+                <p14:nvPr/>
+              </p14:nvContentPartPr>
+              <p14:xfrm>
+                <a:off x="2361889" y="1951099"/>
+                <a:ext cx="1036080" cy="27720"/>
+              </p14:xfrm>
+            </p:contentPart>
+          </mc:Choice>
+          <mc:Fallback>
+            <p:pic>
+              <p:nvPicPr>
+                <p:cNvPr id="6" name="Ink 5">
+                  <a:extLst>
+                    <a:ext uri="{FF2B5EF4-FFF2-40B4-BE49-F238E27FC236}">
+                      <a16:creationId xmlns:a16="http://schemas.microsoft.com/office/drawing/2014/main" id="{0BAB53B2-E0E2-4ED9-98C2-0EE2077F0458}"/>
+                    </a:ext>
+                  </a:extLst>
+                </p:cNvPr>
+                <p:cNvPicPr/>
+                <p:nvPr/>
+              </p:nvPicPr>
+              <p:blipFill>
+                <a:blip r:embed="rId7"/>
+                <a:stretch>
+                  <a:fillRect/>
+                </a:stretch>
+              </p:blipFill>
+              <p:spPr>
+                <a:xfrm>
+                  <a:off x="2352889" y="1942459"/>
+                  <a:ext cx="1053720" cy="45360"/>
+                </a:xfrm>
+                <a:prstGeom prst="rect">
+                  <a:avLst/>
+                </a:prstGeom>
+              </p:spPr>
+            </p:pic>
+          </mc:Fallback>
+        </mc:AlternateContent>
+      </p:grpSp>
+      <mc:AlternateContent xmlns:mc="http://schemas.openxmlformats.org/markup-compatibility/2006">
+        <mc:Choice xmlns:p14="http://schemas.microsoft.com/office/powerpoint/2010/main" Requires="p14">
+          <p:contentPart p14:bwMode="auto" r:id="rId8">
+            <p14:nvContentPartPr>
+              <p14:cNvPr id="8" name="Ink 7">
+                <a:extLst>
+                  <a:ext uri="{FF2B5EF4-FFF2-40B4-BE49-F238E27FC236}">
+                    <a16:creationId xmlns:a16="http://schemas.microsoft.com/office/drawing/2014/main" id="{C99018CC-66F8-4491-8EAA-7E616DEABC8E}"/>
+                  </a:ext>
+                </a:extLst>
+              </p14:cNvPr>
+              <p14:cNvContentPartPr/>
+              <p14:nvPr/>
+            </p14:nvContentPartPr>
+            <p14:xfrm>
+              <a:off x="853129" y="2320459"/>
+              <a:ext cx="430560" cy="39600"/>
+            </p14:xfrm>
+          </p:contentPart>
+        </mc:Choice>
+        <mc:Fallback>
+          <p:pic>
+            <p:nvPicPr>
+              <p:cNvPr id="8" name="Ink 7">
+                <a:extLst>
+                  <a:ext uri="{FF2B5EF4-FFF2-40B4-BE49-F238E27FC236}">
+                    <a16:creationId xmlns:a16="http://schemas.microsoft.com/office/drawing/2014/main" id="{C99018CC-66F8-4491-8EAA-7E616DEABC8E}"/>
+                  </a:ext>
+                </a:extLst>
+              </p:cNvPr>
+              <p:cNvPicPr/>
+              <p:nvPr/>
+            </p:nvPicPr>
+            <p:blipFill>
+              <a:blip r:embed="rId9"/>
+              <a:stretch>
+                <a:fillRect/>
+              </a:stretch>
+            </p:blipFill>
+            <p:spPr>
+              <a:xfrm>
+                <a:off x="844129" y="2311459"/>
+                <a:ext cx="448200" cy="57240"/>
+              </a:xfrm>
+              <a:prstGeom prst="rect">
+                <a:avLst/>
+              </a:prstGeom>
+            </p:spPr>
+          </p:pic>
+        </mc:Fallback>
+      </mc:AlternateContent>
+      <p:grpSp>
+        <p:nvGrpSpPr>
+          <p:cNvPr id="17" name="Group 16">
+            <a:extLst>
+              <a:ext uri="{FF2B5EF4-FFF2-40B4-BE49-F238E27FC236}">
+                <a16:creationId xmlns:a16="http://schemas.microsoft.com/office/drawing/2014/main" id="{29210A4B-4ABD-4A38-A9E2-D5FE81F8CA70}"/>
+              </a:ext>
+            </a:extLst>
+          </p:cNvPr>
+          <p:cNvGrpSpPr/>
+          <p:nvPr/>
+        </p:nvGrpSpPr>
+        <p:grpSpPr>
+          <a:xfrm>
+            <a:off x="303409" y="1379059"/>
+            <a:ext cx="230400" cy="261000"/>
+            <a:chOff x="303409" y="1379059"/>
+            <a:chExt cx="230400" cy="261000"/>
+          </a:xfrm>
+        </p:grpSpPr>
+        <mc:AlternateContent xmlns:mc="http://schemas.openxmlformats.org/markup-compatibility/2006">
+          <mc:Choice xmlns:p14="http://schemas.microsoft.com/office/powerpoint/2010/main" Requires="p14">
+            <p:contentPart p14:bwMode="auto" r:id="rId10">
+              <p14:nvContentPartPr>
+                <p14:cNvPr id="9" name="Ink 8">
+                  <a:extLst>
+                    <a:ext uri="{FF2B5EF4-FFF2-40B4-BE49-F238E27FC236}">
+                      <a16:creationId xmlns:a16="http://schemas.microsoft.com/office/drawing/2014/main" id="{414AAC58-EC1C-4667-9E7A-F45CB8D1A8D9}"/>
+                    </a:ext>
+                  </a:extLst>
+                </p14:cNvPr>
+                <p14:cNvContentPartPr/>
+                <p14:nvPr/>
+              </p14:nvContentPartPr>
+              <p14:xfrm>
+                <a:off x="303409" y="1493179"/>
+                <a:ext cx="64800" cy="146880"/>
+              </p14:xfrm>
+            </p:contentPart>
+          </mc:Choice>
+          <mc:Fallback>
+            <p:pic>
+              <p:nvPicPr>
+                <p:cNvPr id="9" name="Ink 8">
+                  <a:extLst>
+                    <a:ext uri="{FF2B5EF4-FFF2-40B4-BE49-F238E27FC236}">
+                      <a16:creationId xmlns:a16="http://schemas.microsoft.com/office/drawing/2014/main" id="{414AAC58-EC1C-4667-9E7A-F45CB8D1A8D9}"/>
+                    </a:ext>
+                  </a:extLst>
+                </p:cNvPr>
+                <p:cNvPicPr/>
+                <p:nvPr/>
+              </p:nvPicPr>
+              <p:blipFill>
+                <a:blip r:embed="rId11"/>
+                <a:stretch>
+                  <a:fillRect/>
+                </a:stretch>
+              </p:blipFill>
+              <p:spPr>
+                <a:xfrm>
+                  <a:off x="294769" y="1484539"/>
+                  <a:ext cx="82440" cy="164520"/>
+                </a:xfrm>
+                <a:prstGeom prst="rect">
+                  <a:avLst/>
+                </a:prstGeom>
+              </p:spPr>
+            </p:pic>
+          </mc:Fallback>
+        </mc:AlternateContent>
+        <mc:AlternateContent xmlns:mc="http://schemas.openxmlformats.org/markup-compatibility/2006">
+          <mc:Choice xmlns:p14="http://schemas.microsoft.com/office/powerpoint/2010/main" Requires="p14">
+            <p:contentPart p14:bwMode="auto" r:id="rId12">
+              <p14:nvContentPartPr>
+                <p14:cNvPr id="10" name="Ink 9">
+                  <a:extLst>
+                    <a:ext uri="{FF2B5EF4-FFF2-40B4-BE49-F238E27FC236}">
+                      <a16:creationId xmlns:a16="http://schemas.microsoft.com/office/drawing/2014/main" id="{6E89CB76-B417-4A2B-B878-4E6F597AFB6C}"/>
+                    </a:ext>
+                  </a:extLst>
+                </p14:cNvPr>
+                <p14:cNvContentPartPr/>
+                <p14:nvPr/>
+              </p14:nvContentPartPr>
+              <p14:xfrm>
+                <a:off x="423649" y="1420459"/>
+                <a:ext cx="37800" cy="53640"/>
+              </p14:xfrm>
+            </p:contentPart>
+          </mc:Choice>
+          <mc:Fallback>
+            <p:pic>
+              <p:nvPicPr>
+                <p:cNvPr id="10" name="Ink 9">
+                  <a:extLst>
+                    <a:ext uri="{FF2B5EF4-FFF2-40B4-BE49-F238E27FC236}">
+                      <a16:creationId xmlns:a16="http://schemas.microsoft.com/office/drawing/2014/main" id="{6E89CB76-B417-4A2B-B878-4E6F597AFB6C}"/>
+                    </a:ext>
+                  </a:extLst>
+                </p:cNvPr>
+                <p:cNvPicPr/>
+                <p:nvPr/>
+              </p:nvPicPr>
+              <p:blipFill>
+                <a:blip r:embed="rId13"/>
+                <a:stretch>
+                  <a:fillRect/>
+                </a:stretch>
+              </p:blipFill>
+              <p:spPr>
+                <a:xfrm>
+                  <a:off x="414649" y="1411459"/>
+                  <a:ext cx="55440" cy="71280"/>
+                </a:xfrm>
+                <a:prstGeom prst="rect">
+                  <a:avLst/>
+                </a:prstGeom>
+              </p:spPr>
+            </p:pic>
+          </mc:Fallback>
+        </mc:AlternateContent>
+        <mc:AlternateContent xmlns:mc="http://schemas.openxmlformats.org/markup-compatibility/2006">
+          <mc:Choice xmlns:p14="http://schemas.microsoft.com/office/powerpoint/2010/main" Requires="p14">
+            <p:contentPart p14:bwMode="auto" r:id="rId14">
+              <p14:nvContentPartPr>
+                <p14:cNvPr id="11" name="Ink 10">
+                  <a:extLst>
+                    <a:ext uri="{FF2B5EF4-FFF2-40B4-BE49-F238E27FC236}">
+                      <a16:creationId xmlns:a16="http://schemas.microsoft.com/office/drawing/2014/main" id="{12C2C8F4-02DF-44C6-95AC-653D3CA2AB10}"/>
+                    </a:ext>
+                  </a:extLst>
+                </p14:cNvPr>
+                <p14:cNvContentPartPr/>
+                <p14:nvPr/>
+              </p14:nvContentPartPr>
+              <p14:xfrm>
+                <a:off x="426889" y="1379059"/>
+                <a:ext cx="106920" cy="234720"/>
+              </p14:xfrm>
+            </p:contentPart>
+          </mc:Choice>
+          <mc:Fallback>
+            <p:pic>
+              <p:nvPicPr>
+                <p:cNvPr id="11" name="Ink 10">
+                  <a:extLst>
+                    <a:ext uri="{FF2B5EF4-FFF2-40B4-BE49-F238E27FC236}">
+                      <a16:creationId xmlns:a16="http://schemas.microsoft.com/office/drawing/2014/main" id="{12C2C8F4-02DF-44C6-95AC-653D3CA2AB10}"/>
+                    </a:ext>
+                  </a:extLst>
+                </p:cNvPr>
+                <p:cNvPicPr/>
+                <p:nvPr/>
+              </p:nvPicPr>
+              <p:blipFill>
+                <a:blip r:embed="rId15"/>
+                <a:stretch>
+                  <a:fillRect/>
+                </a:stretch>
+              </p:blipFill>
+              <p:spPr>
+                <a:xfrm>
+                  <a:off x="417889" y="1370419"/>
+                  <a:ext cx="124560" cy="252360"/>
+                </a:xfrm>
+                <a:prstGeom prst="rect">
+                  <a:avLst/>
+                </a:prstGeom>
+              </p:spPr>
+            </p:pic>
+          </mc:Fallback>
+        </mc:AlternateContent>
+      </p:grpSp>
+      <p:grpSp>
+        <p:nvGrpSpPr>
+          <p:cNvPr id="16" name="Group 15">
+            <a:extLst>
+              <a:ext uri="{FF2B5EF4-FFF2-40B4-BE49-F238E27FC236}">
+                <a16:creationId xmlns:a16="http://schemas.microsoft.com/office/drawing/2014/main" id="{7ACC9454-0730-413B-A95F-D9B7DAF36321}"/>
+              </a:ext>
+            </a:extLst>
+          </p:cNvPr>
+          <p:cNvGrpSpPr/>
+          <p:nvPr/>
+        </p:nvGrpSpPr>
+        <p:grpSpPr>
+          <a:xfrm>
+            <a:off x="335089" y="2072059"/>
+            <a:ext cx="276480" cy="224640"/>
+            <a:chOff x="335089" y="2072059"/>
+            <a:chExt cx="276480" cy="224640"/>
+          </a:xfrm>
+        </p:grpSpPr>
+        <mc:AlternateContent xmlns:mc="http://schemas.openxmlformats.org/markup-compatibility/2006">
+          <mc:Choice xmlns:p14="http://schemas.microsoft.com/office/powerpoint/2010/main" Requires="p14">
+            <p:contentPart p14:bwMode="auto" r:id="rId16">
+              <p14:nvContentPartPr>
+                <p14:cNvPr id="12" name="Ink 11">
+                  <a:extLst>
+                    <a:ext uri="{FF2B5EF4-FFF2-40B4-BE49-F238E27FC236}">
+                      <a16:creationId xmlns:a16="http://schemas.microsoft.com/office/drawing/2014/main" id="{80362F48-D906-4EC2-A4F6-1E27043454BA}"/>
+                    </a:ext>
+                  </a:extLst>
+                </p14:cNvPr>
+                <p14:cNvContentPartPr/>
+                <p14:nvPr/>
+              </p14:nvContentPartPr>
+              <p14:xfrm>
+                <a:off x="349489" y="2144779"/>
+                <a:ext cx="72000" cy="151920"/>
+              </p14:xfrm>
+            </p:contentPart>
+          </mc:Choice>
+          <mc:Fallback>
+            <p:pic>
+              <p:nvPicPr>
+                <p:cNvPr id="12" name="Ink 11">
+                  <a:extLst>
+                    <a:ext uri="{FF2B5EF4-FFF2-40B4-BE49-F238E27FC236}">
+                      <a16:creationId xmlns:a16="http://schemas.microsoft.com/office/drawing/2014/main" id="{80362F48-D906-4EC2-A4F6-1E27043454BA}"/>
+                    </a:ext>
+                  </a:extLst>
+                </p:cNvPr>
+                <p:cNvPicPr/>
+                <p:nvPr/>
+              </p:nvPicPr>
+              <p:blipFill>
+                <a:blip r:embed="rId17"/>
+                <a:stretch>
+                  <a:fillRect/>
+                </a:stretch>
+              </p:blipFill>
+              <p:spPr>
+                <a:xfrm>
+                  <a:off x="340849" y="2136139"/>
+                  <a:ext cx="89640" cy="169560"/>
+                </a:xfrm>
+                <a:prstGeom prst="rect">
+                  <a:avLst/>
+                </a:prstGeom>
+              </p:spPr>
+            </p:pic>
+          </mc:Fallback>
+        </mc:AlternateContent>
+        <mc:AlternateContent xmlns:mc="http://schemas.openxmlformats.org/markup-compatibility/2006">
+          <mc:Choice xmlns:p14="http://schemas.microsoft.com/office/powerpoint/2010/main" Requires="p14">
+            <p:contentPart p14:bwMode="auto" r:id="rId18">
+              <p14:nvContentPartPr>
+                <p14:cNvPr id="13" name="Ink 12">
+                  <a:extLst>
+                    <a:ext uri="{FF2B5EF4-FFF2-40B4-BE49-F238E27FC236}">
+                      <a16:creationId xmlns:a16="http://schemas.microsoft.com/office/drawing/2014/main" id="{7C6EB6D1-1D7C-4002-B5BB-65DBD9EAEF37}"/>
+                    </a:ext>
+                  </a:extLst>
+                </p14:cNvPr>
+                <p14:cNvContentPartPr/>
+                <p14:nvPr/>
+              </p14:nvContentPartPr>
+              <p14:xfrm>
+                <a:off x="479449" y="2110219"/>
+                <a:ext cx="32760" cy="46440"/>
+              </p14:xfrm>
+            </p:contentPart>
+          </mc:Choice>
+          <mc:Fallback>
+            <p:pic>
+              <p:nvPicPr>
+                <p:cNvPr id="13" name="Ink 12">
+                  <a:extLst>
+                    <a:ext uri="{FF2B5EF4-FFF2-40B4-BE49-F238E27FC236}">
+                      <a16:creationId xmlns:a16="http://schemas.microsoft.com/office/drawing/2014/main" id="{7C6EB6D1-1D7C-4002-B5BB-65DBD9EAEF37}"/>
+                    </a:ext>
+                  </a:extLst>
+                </p:cNvPr>
+                <p:cNvPicPr/>
+                <p:nvPr/>
+              </p:nvPicPr>
+              <p:blipFill>
+                <a:blip r:embed="rId19"/>
+                <a:stretch>
+                  <a:fillRect/>
+                </a:stretch>
+              </p:blipFill>
+              <p:spPr>
+                <a:xfrm>
+                  <a:off x="470809" y="2101219"/>
+                  <a:ext cx="50400" cy="64080"/>
+                </a:xfrm>
+                <a:prstGeom prst="rect">
+                  <a:avLst/>
+                </a:prstGeom>
+              </p:spPr>
+            </p:pic>
+          </mc:Fallback>
+        </mc:AlternateContent>
+        <mc:AlternateContent xmlns:mc="http://schemas.openxmlformats.org/markup-compatibility/2006">
+          <mc:Choice xmlns:p14="http://schemas.microsoft.com/office/powerpoint/2010/main" Requires="p14">
+            <p:contentPart p14:bwMode="auto" r:id="rId20">
+              <p14:nvContentPartPr>
+                <p14:cNvPr id="14" name="Ink 13">
+                  <a:extLst>
+                    <a:ext uri="{FF2B5EF4-FFF2-40B4-BE49-F238E27FC236}">
+                      <a16:creationId xmlns:a16="http://schemas.microsoft.com/office/drawing/2014/main" id="{49938B5C-04AA-47E0-A388-E828CBDDAF4C}"/>
+                    </a:ext>
+                  </a:extLst>
+                </p14:cNvPr>
+                <p14:cNvContentPartPr/>
+                <p14:nvPr/>
+              </p14:nvContentPartPr>
+              <p14:xfrm>
+                <a:off x="493129" y="2072059"/>
+                <a:ext cx="118440" cy="189000"/>
+              </p14:xfrm>
+            </p:contentPart>
+          </mc:Choice>
+          <mc:Fallback>
+            <p:pic>
+              <p:nvPicPr>
+                <p:cNvPr id="14" name="Ink 13">
+                  <a:extLst>
+                    <a:ext uri="{FF2B5EF4-FFF2-40B4-BE49-F238E27FC236}">
+                      <a16:creationId xmlns:a16="http://schemas.microsoft.com/office/drawing/2014/main" id="{49938B5C-04AA-47E0-A388-E828CBDDAF4C}"/>
+                    </a:ext>
+                  </a:extLst>
+                </p:cNvPr>
+                <p:cNvPicPr/>
+                <p:nvPr/>
+              </p:nvPicPr>
+              <p:blipFill>
+                <a:blip r:embed="rId21"/>
+                <a:stretch>
+                  <a:fillRect/>
+                </a:stretch>
+              </p:blipFill>
+              <p:spPr>
+                <a:xfrm>
+                  <a:off x="484129" y="2063419"/>
+                  <a:ext cx="136080" cy="206640"/>
+                </a:xfrm>
+                <a:prstGeom prst="rect">
+                  <a:avLst/>
+                </a:prstGeom>
+              </p:spPr>
+            </p:pic>
+          </mc:Fallback>
+        </mc:AlternateContent>
+        <mc:AlternateContent xmlns:mc="http://schemas.openxmlformats.org/markup-compatibility/2006">
+          <mc:Choice xmlns:p14="http://schemas.microsoft.com/office/powerpoint/2010/main" Requires="p14">
+            <p:contentPart p14:bwMode="auto" r:id="rId22">
+              <p14:nvContentPartPr>
+                <p14:cNvPr id="15" name="Ink 14">
+                  <a:extLst>
+                    <a:ext uri="{FF2B5EF4-FFF2-40B4-BE49-F238E27FC236}">
+                      <a16:creationId xmlns:a16="http://schemas.microsoft.com/office/drawing/2014/main" id="{41AD9AD9-D758-467D-A195-1A2C6FCCB05D}"/>
+                    </a:ext>
+                  </a:extLst>
+                </p14:cNvPr>
+                <p14:cNvContentPartPr/>
+                <p14:nvPr/>
+              </p14:nvContentPartPr>
+              <p14:xfrm>
+                <a:off x="335089" y="2162059"/>
+                <a:ext cx="47520" cy="49680"/>
+              </p14:xfrm>
+            </p:contentPart>
+          </mc:Choice>
+          <mc:Fallback>
+            <p:pic>
+              <p:nvPicPr>
+                <p:cNvPr id="15" name="Ink 14">
+                  <a:extLst>
+                    <a:ext uri="{FF2B5EF4-FFF2-40B4-BE49-F238E27FC236}">
+                      <a16:creationId xmlns:a16="http://schemas.microsoft.com/office/drawing/2014/main" id="{41AD9AD9-D758-467D-A195-1A2C6FCCB05D}"/>
+                    </a:ext>
+                  </a:extLst>
+                </p:cNvPr>
+                <p:cNvPicPr/>
+                <p:nvPr/>
+              </p:nvPicPr>
+              <p:blipFill>
+                <a:blip r:embed="rId23"/>
+                <a:stretch>
+                  <a:fillRect/>
+                </a:stretch>
+              </p:blipFill>
+              <p:spPr>
+                <a:xfrm>
+                  <a:off x="326089" y="2153419"/>
+                  <a:ext cx="65160" cy="67320"/>
+                </a:xfrm>
+                <a:prstGeom prst="rect">
+                  <a:avLst/>
+                </a:prstGeom>
+              </p:spPr>
+            </p:pic>
+          </mc:Fallback>
+        </mc:AlternateContent>
+      </p:grpSp>
+      <mc:AlternateContent xmlns:mc="http://schemas.openxmlformats.org/markup-compatibility/2006">
+        <mc:Choice xmlns:p14="http://schemas.microsoft.com/office/powerpoint/2010/main" Requires="p14">
+          <p:contentPart p14:bwMode="auto" r:id="rId24">
+            <p14:nvContentPartPr>
+              <p14:cNvPr id="18" name="Ink 17">
+                <a:extLst>
+                  <a:ext uri="{FF2B5EF4-FFF2-40B4-BE49-F238E27FC236}">
+                    <a16:creationId xmlns:a16="http://schemas.microsoft.com/office/drawing/2014/main" id="{36D8B814-8D5C-4B42-8197-DECF70B67E4D}"/>
+                  </a:ext>
+                </a:extLst>
+              </p14:cNvPr>
+              <p14:cNvContentPartPr/>
+              <p14:nvPr/>
+            </p14:nvContentPartPr>
+            <p14:xfrm>
+              <a:off x="2491849" y="2333419"/>
+              <a:ext cx="699840" cy="28440"/>
+            </p14:xfrm>
+          </p:contentPart>
+        </mc:Choice>
+        <mc:Fallback>
+          <p:pic>
+            <p:nvPicPr>
+              <p:cNvPr id="18" name="Ink 17">
+                <a:extLst>
+                  <a:ext uri="{FF2B5EF4-FFF2-40B4-BE49-F238E27FC236}">
+                    <a16:creationId xmlns:a16="http://schemas.microsoft.com/office/drawing/2014/main" id="{36D8B814-8D5C-4B42-8197-DECF70B67E4D}"/>
+                  </a:ext>
+                </a:extLst>
+              </p:cNvPr>
+              <p:cNvPicPr/>
+              <p:nvPr/>
+            </p:nvPicPr>
+            <p:blipFill>
+              <a:blip r:embed="rId25"/>
+              <a:stretch>
+                <a:fillRect/>
+              </a:stretch>
+            </p:blipFill>
+            <p:spPr>
+              <a:xfrm>
+                <a:off x="2483209" y="2324419"/>
+                <a:ext cx="717480" cy="46080"/>
+              </a:xfrm>
+              <a:prstGeom prst="rect">
+                <a:avLst/>
+              </a:prstGeom>
+            </p:spPr>
+          </p:pic>
+        </mc:Fallback>
+      </mc:AlternateContent>
+      <mc:AlternateContent xmlns:mc="http://schemas.openxmlformats.org/markup-compatibility/2006">
+        <mc:Choice xmlns:p14="http://schemas.microsoft.com/office/powerpoint/2010/main" Requires="p14">
+          <p:contentPart p14:bwMode="auto" r:id="rId26">
+            <p14:nvContentPartPr>
+              <p14:cNvPr id="19" name="Ink 18">
+                <a:extLst>
+                  <a:ext uri="{FF2B5EF4-FFF2-40B4-BE49-F238E27FC236}">
+                    <a16:creationId xmlns:a16="http://schemas.microsoft.com/office/drawing/2014/main" id="{9B84A8DC-00C7-4A61-84A0-FA629F0137AE}"/>
+                  </a:ext>
+                </a:extLst>
+              </p14:cNvPr>
+              <p14:cNvContentPartPr/>
+              <p14:nvPr/>
+            </p14:nvContentPartPr>
+            <p14:xfrm>
+              <a:off x="447049" y="2518099"/>
+              <a:ext cx="293400" cy="114480"/>
+            </p14:xfrm>
+          </p:contentPart>
+        </mc:Choice>
+        <mc:Fallback>
+          <p:pic>
+            <p:nvPicPr>
+              <p:cNvPr id="19" name="Ink 18">
+                <a:extLst>
+                  <a:ext uri="{FF2B5EF4-FFF2-40B4-BE49-F238E27FC236}">
+                    <a16:creationId xmlns:a16="http://schemas.microsoft.com/office/drawing/2014/main" id="{9B84A8DC-00C7-4A61-84A0-FA629F0137AE}"/>
+                  </a:ext>
+                </a:extLst>
+              </p:cNvPr>
+              <p:cNvPicPr/>
+              <p:nvPr/>
+            </p:nvPicPr>
+            <p:blipFill>
+              <a:blip r:embed="rId27"/>
+              <a:stretch>
+                <a:fillRect/>
+              </a:stretch>
+            </p:blipFill>
+            <p:spPr>
+              <a:xfrm>
+                <a:off x="438049" y="2509459"/>
+                <a:ext cx="311040" cy="132120"/>
+              </a:xfrm>
+              <a:prstGeom prst="rect">
+                <a:avLst/>
+              </a:prstGeom>
+            </p:spPr>
+          </p:pic>
+        </mc:Fallback>
+      </mc:AlternateContent>
+      <mc:AlternateContent xmlns:mc="http://schemas.openxmlformats.org/markup-compatibility/2006">
+        <mc:Choice xmlns:p14="http://schemas.microsoft.com/office/powerpoint/2010/main" Requires="p14">
+          <p:contentPart p14:bwMode="auto" r:id="rId28">
+            <p14:nvContentPartPr>
+              <p14:cNvPr id="20" name="Ink 19">
+                <a:extLst>
+                  <a:ext uri="{FF2B5EF4-FFF2-40B4-BE49-F238E27FC236}">
+                    <a16:creationId xmlns:a16="http://schemas.microsoft.com/office/drawing/2014/main" id="{7A24477E-CB1D-4868-93C1-2FE21585A3FB}"/>
+                  </a:ext>
+                </a:extLst>
+              </p14:cNvPr>
+              <p14:cNvContentPartPr/>
+              <p14:nvPr/>
+            </p14:nvContentPartPr>
+            <p14:xfrm>
+              <a:off x="3081529" y="2970619"/>
+              <a:ext cx="577080" cy="34560"/>
+            </p14:xfrm>
+          </p:contentPart>
+        </mc:Choice>
+        <mc:Fallback>
+          <p:pic>
+            <p:nvPicPr>
+              <p:cNvPr id="20" name="Ink 19">
+                <a:extLst>
+                  <a:ext uri="{FF2B5EF4-FFF2-40B4-BE49-F238E27FC236}">
+                    <a16:creationId xmlns:a16="http://schemas.microsoft.com/office/drawing/2014/main" id="{7A24477E-CB1D-4868-93C1-2FE21585A3FB}"/>
+                  </a:ext>
+                </a:extLst>
+              </p:cNvPr>
+              <p:cNvPicPr/>
+              <p:nvPr/>
+            </p:nvPicPr>
+            <p:blipFill>
+              <a:blip r:embed="rId29"/>
+              <a:stretch>
+                <a:fillRect/>
+              </a:stretch>
+            </p:blipFill>
+            <p:spPr>
+              <a:xfrm>
+                <a:off x="3072529" y="2961979"/>
+                <a:ext cx="594720" cy="52200"/>
+              </a:xfrm>
+              <a:prstGeom prst="rect">
+                <a:avLst/>
+              </a:prstGeom>
+            </p:spPr>
+          </p:pic>
+        </mc:Fallback>
+      </mc:AlternateContent>
+      <mc:AlternateContent xmlns:mc="http://schemas.openxmlformats.org/markup-compatibility/2006">
+        <mc:Choice xmlns:p14="http://schemas.microsoft.com/office/powerpoint/2010/main" Requires="p14">
+          <p:contentPart p14:bwMode="auto" r:id="rId30">
+            <p14:nvContentPartPr>
+              <p14:cNvPr id="21" name="Ink 20">
+                <a:extLst>
+                  <a:ext uri="{FF2B5EF4-FFF2-40B4-BE49-F238E27FC236}">
+                    <a16:creationId xmlns:a16="http://schemas.microsoft.com/office/drawing/2014/main" id="{A24E869F-6797-4648-9EBB-55311BBF6CAF}"/>
+                  </a:ext>
+                </a:extLst>
+              </p14:cNvPr>
+              <p14:cNvContentPartPr/>
+              <p14:nvPr/>
+            </p14:nvContentPartPr>
+            <p14:xfrm>
+              <a:off x="460009" y="3145219"/>
+              <a:ext cx="302760" cy="168840"/>
+            </p14:xfrm>
+          </p:contentPart>
+        </mc:Choice>
+        <mc:Fallback>
+          <p:pic>
+            <p:nvPicPr>
+              <p:cNvPr id="21" name="Ink 20">
+                <a:extLst>
+                  <a:ext uri="{FF2B5EF4-FFF2-40B4-BE49-F238E27FC236}">
+                    <a16:creationId xmlns:a16="http://schemas.microsoft.com/office/drawing/2014/main" id="{A24E869F-6797-4648-9EBB-55311BBF6CAF}"/>
+                  </a:ext>
+                </a:extLst>
+              </p:cNvPr>
+              <p:cNvPicPr/>
+              <p:nvPr/>
+            </p:nvPicPr>
+            <p:blipFill>
+              <a:blip r:embed="rId31"/>
+              <a:stretch>
+                <a:fillRect/>
+              </a:stretch>
+            </p:blipFill>
+            <p:spPr>
+              <a:xfrm>
+                <a:off x="451369" y="3136579"/>
+                <a:ext cx="320400" cy="186480"/>
+              </a:xfrm>
+              <a:prstGeom prst="rect">
+                <a:avLst/>
+              </a:prstGeom>
+            </p:spPr>
+          </p:pic>
+        </mc:Fallback>
+      </mc:AlternateContent>
+      <mc:AlternateContent xmlns:mc="http://schemas.openxmlformats.org/markup-compatibility/2006">
+        <mc:Choice xmlns:p14="http://schemas.microsoft.com/office/powerpoint/2010/main" Requires="p14">
+          <p:contentPart p14:bwMode="auto" r:id="rId32">
+            <p14:nvContentPartPr>
+              <p14:cNvPr id="22" name="Ink 21">
+                <a:extLst>
+                  <a:ext uri="{FF2B5EF4-FFF2-40B4-BE49-F238E27FC236}">
+                    <a16:creationId xmlns:a16="http://schemas.microsoft.com/office/drawing/2014/main" id="{613D9A6D-C80C-45BC-8265-C2327447006F}"/>
+                  </a:ext>
+                </a:extLst>
+              </p14:cNvPr>
+              <p14:cNvContentPartPr/>
+              <p14:nvPr/>
+            </p14:nvContentPartPr>
+            <p14:xfrm>
+              <a:off x="518689" y="3520339"/>
+              <a:ext cx="249840" cy="101160"/>
+            </p14:xfrm>
+          </p:contentPart>
+        </mc:Choice>
+        <mc:Fallback>
+          <p:pic>
+            <p:nvPicPr>
+              <p:cNvPr id="22" name="Ink 21">
+                <a:extLst>
+                  <a:ext uri="{FF2B5EF4-FFF2-40B4-BE49-F238E27FC236}">
+                    <a16:creationId xmlns:a16="http://schemas.microsoft.com/office/drawing/2014/main" id="{613D9A6D-C80C-45BC-8265-C2327447006F}"/>
+                  </a:ext>
+                </a:extLst>
+              </p:cNvPr>
+              <p:cNvPicPr/>
+              <p:nvPr/>
+            </p:nvPicPr>
+            <p:blipFill>
+              <a:blip r:embed="rId33"/>
+              <a:stretch>
+                <a:fillRect/>
+              </a:stretch>
+            </p:blipFill>
+            <p:spPr>
+              <a:xfrm>
+                <a:off x="510049" y="3511699"/>
+                <a:ext cx="267480" cy="118800"/>
+              </a:xfrm>
+              <a:prstGeom prst="rect">
+                <a:avLst/>
+              </a:prstGeom>
+            </p:spPr>
+          </p:pic>
+        </mc:Fallback>
+      </mc:AlternateContent>
+      <mc:AlternateContent xmlns:mc="http://schemas.openxmlformats.org/markup-compatibility/2006">
+        <mc:Choice xmlns:p14="http://schemas.microsoft.com/office/powerpoint/2010/main" Requires="p14">
+          <p:contentPart p14:bwMode="auto" r:id="rId34">
+            <p14:nvContentPartPr>
+              <p14:cNvPr id="23" name="Ink 22">
+                <a:extLst>
+                  <a:ext uri="{FF2B5EF4-FFF2-40B4-BE49-F238E27FC236}">
+                    <a16:creationId xmlns:a16="http://schemas.microsoft.com/office/drawing/2014/main" id="{68AAC5E1-1532-4287-ADA7-705FA0B78609}"/>
+                  </a:ext>
+                </a:extLst>
+              </p14:cNvPr>
+              <p14:cNvContentPartPr/>
+              <p14:nvPr/>
+            </p14:nvContentPartPr>
+            <p14:xfrm>
+              <a:off x="777529" y="4164739"/>
+              <a:ext cx="280080" cy="79200"/>
+            </p14:xfrm>
+          </p:contentPart>
+        </mc:Choice>
+        <mc:Fallback>
+          <p:pic>
+            <p:nvPicPr>
+              <p:cNvPr id="23" name="Ink 22">
+                <a:extLst>
+                  <a:ext uri="{FF2B5EF4-FFF2-40B4-BE49-F238E27FC236}">
+                    <a16:creationId xmlns:a16="http://schemas.microsoft.com/office/drawing/2014/main" id="{68AAC5E1-1532-4287-ADA7-705FA0B78609}"/>
+                  </a:ext>
+                </a:extLst>
+              </p:cNvPr>
+              <p:cNvPicPr/>
+              <p:nvPr/>
+            </p:nvPicPr>
+            <p:blipFill>
+              <a:blip r:embed="rId35"/>
+              <a:stretch>
+                <a:fillRect/>
+              </a:stretch>
+            </p:blipFill>
+            <p:spPr>
+              <a:xfrm>
+                <a:off x="768889" y="4156099"/>
+                <a:ext cx="297720" cy="96840"/>
+              </a:xfrm>
+              <a:prstGeom prst="rect">
+                <a:avLst/>
+              </a:prstGeom>
+            </p:spPr>
+          </p:pic>
+        </mc:Fallback>
+      </mc:AlternateContent>
+      <p:grpSp>
+        <p:nvGrpSpPr>
+          <p:cNvPr id="28" name="Group 27">
+            <a:extLst>
+              <a:ext uri="{FF2B5EF4-FFF2-40B4-BE49-F238E27FC236}">
+                <a16:creationId xmlns:a16="http://schemas.microsoft.com/office/drawing/2014/main" id="{BC1AEBEC-8C39-4F6C-BA96-11230EF88B8C}"/>
+              </a:ext>
+            </a:extLst>
+          </p:cNvPr>
+          <p:cNvGrpSpPr/>
+          <p:nvPr/>
+        </p:nvGrpSpPr>
+        <p:grpSpPr>
+          <a:xfrm>
+            <a:off x="2371609" y="4390099"/>
+            <a:ext cx="967680" cy="229680"/>
+            <a:chOff x="2371609" y="4390099"/>
+            <a:chExt cx="967680" cy="229680"/>
+          </a:xfrm>
+        </p:grpSpPr>
+        <mc:AlternateContent xmlns:mc="http://schemas.openxmlformats.org/markup-compatibility/2006">
+          <mc:Choice xmlns:p14="http://schemas.microsoft.com/office/powerpoint/2010/main" Requires="p14">
+            <p:contentPart p14:bwMode="auto" r:id="rId36">
+              <p14:nvContentPartPr>
+                <p14:cNvPr id="24" name="Ink 23">
+                  <a:extLst>
+                    <a:ext uri="{FF2B5EF4-FFF2-40B4-BE49-F238E27FC236}">
+                      <a16:creationId xmlns:a16="http://schemas.microsoft.com/office/drawing/2014/main" id="{EBCE042F-BB94-48C6-85A4-3431CE50941E}"/>
+                    </a:ext>
+                  </a:extLst>
+                </p14:cNvPr>
+                <p14:cNvContentPartPr/>
+                <p14:nvPr/>
+              </p14:nvContentPartPr>
+              <p14:xfrm>
+                <a:off x="2371609" y="4589179"/>
+                <a:ext cx="604800" cy="30600"/>
+              </p14:xfrm>
+            </p:contentPart>
+          </mc:Choice>
+          <mc:Fallback>
+            <p:pic>
+              <p:nvPicPr>
+                <p:cNvPr id="24" name="Ink 23">
+                  <a:extLst>
+                    <a:ext uri="{FF2B5EF4-FFF2-40B4-BE49-F238E27FC236}">
+                      <a16:creationId xmlns:a16="http://schemas.microsoft.com/office/drawing/2014/main" id="{EBCE042F-BB94-48C6-85A4-3431CE50941E}"/>
+                    </a:ext>
+                  </a:extLst>
+                </p:cNvPr>
+                <p:cNvPicPr/>
+                <p:nvPr/>
+              </p:nvPicPr>
+              <p:blipFill>
+                <a:blip r:embed="rId37"/>
+                <a:stretch>
+                  <a:fillRect/>
+                </a:stretch>
+              </p:blipFill>
+              <p:spPr>
+                <a:xfrm>
+                  <a:off x="2362969" y="4580539"/>
+                  <a:ext cx="622440" cy="48240"/>
+                </a:xfrm>
+                <a:prstGeom prst="rect">
+                  <a:avLst/>
+                </a:prstGeom>
+              </p:spPr>
+            </p:pic>
+          </mc:Fallback>
+        </mc:AlternateContent>
+        <mc:AlternateContent xmlns:mc="http://schemas.openxmlformats.org/markup-compatibility/2006">
+          <mc:Choice xmlns:p14="http://schemas.microsoft.com/office/powerpoint/2010/main" Requires="p14">
+            <p:contentPart p14:bwMode="auto" r:id="rId38">
+              <p14:nvContentPartPr>
+                <p14:cNvPr id="25" name="Ink 24">
+                  <a:extLst>
+                    <a:ext uri="{FF2B5EF4-FFF2-40B4-BE49-F238E27FC236}">
+                      <a16:creationId xmlns:a16="http://schemas.microsoft.com/office/drawing/2014/main" id="{7C55925A-B651-49A4-B6F4-A5A03920A332}"/>
+                    </a:ext>
+                  </a:extLst>
+                </p14:cNvPr>
+                <p14:cNvContentPartPr/>
+                <p14:nvPr/>
+              </p14:nvContentPartPr>
+              <p14:xfrm>
+                <a:off x="3088369" y="4408819"/>
+                <a:ext cx="82800" cy="160920"/>
+              </p14:xfrm>
+            </p:contentPart>
+          </mc:Choice>
+          <mc:Fallback>
+            <p:pic>
+              <p:nvPicPr>
+                <p:cNvPr id="25" name="Ink 24">
+                  <a:extLst>
+                    <a:ext uri="{FF2B5EF4-FFF2-40B4-BE49-F238E27FC236}">
+                      <a16:creationId xmlns:a16="http://schemas.microsoft.com/office/drawing/2014/main" id="{7C55925A-B651-49A4-B6F4-A5A03920A332}"/>
+                    </a:ext>
+                  </a:extLst>
+                </p:cNvPr>
+                <p:cNvPicPr/>
+                <p:nvPr/>
+              </p:nvPicPr>
+              <p:blipFill>
+                <a:blip r:embed="rId39"/>
+                <a:stretch>
+                  <a:fillRect/>
+                </a:stretch>
+              </p:blipFill>
+              <p:spPr>
+                <a:xfrm>
+                  <a:off x="3079369" y="4400179"/>
+                  <a:ext cx="100440" cy="178560"/>
+                </a:xfrm>
+                <a:prstGeom prst="rect">
+                  <a:avLst/>
+                </a:prstGeom>
+              </p:spPr>
+            </p:pic>
+          </mc:Fallback>
+        </mc:AlternateContent>
+        <mc:AlternateContent xmlns:mc="http://schemas.openxmlformats.org/markup-compatibility/2006">
+          <mc:Choice xmlns:p14="http://schemas.microsoft.com/office/powerpoint/2010/main" Requires="p14">
+            <p:contentPart p14:bwMode="auto" r:id="rId40">
+              <p14:nvContentPartPr>
+                <p14:cNvPr id="26" name="Ink 25">
+                  <a:extLst>
+                    <a:ext uri="{FF2B5EF4-FFF2-40B4-BE49-F238E27FC236}">
+                      <a16:creationId xmlns:a16="http://schemas.microsoft.com/office/drawing/2014/main" id="{88ACB384-0973-4C07-9FB3-D18F22A47AA2}"/>
+                    </a:ext>
+                  </a:extLst>
+                </p14:cNvPr>
+                <p14:cNvContentPartPr/>
+                <p14:nvPr/>
+              </p14:nvContentPartPr>
+              <p14:xfrm>
+                <a:off x="3221929" y="4390099"/>
+                <a:ext cx="117360" cy="34920"/>
+              </p14:xfrm>
+            </p:contentPart>
+          </mc:Choice>
+          <mc:Fallback>
+            <p:pic>
+              <p:nvPicPr>
+                <p:cNvPr id="26" name="Ink 25">
+                  <a:extLst>
+                    <a:ext uri="{FF2B5EF4-FFF2-40B4-BE49-F238E27FC236}">
+                      <a16:creationId xmlns:a16="http://schemas.microsoft.com/office/drawing/2014/main" id="{88ACB384-0973-4C07-9FB3-D18F22A47AA2}"/>
+                    </a:ext>
+                  </a:extLst>
+                </p:cNvPr>
+                <p:cNvPicPr/>
+                <p:nvPr/>
+              </p:nvPicPr>
+              <p:blipFill>
+                <a:blip r:embed="rId41"/>
+                <a:stretch>
+                  <a:fillRect/>
+                </a:stretch>
+              </p:blipFill>
+              <p:spPr>
+                <a:xfrm>
+                  <a:off x="3212929" y="4381099"/>
+                  <a:ext cx="135000" cy="52560"/>
+                </a:xfrm>
+                <a:prstGeom prst="rect">
+                  <a:avLst/>
+                </a:prstGeom>
+              </p:spPr>
+            </p:pic>
+          </mc:Fallback>
+        </mc:AlternateContent>
+        <mc:AlternateContent xmlns:mc="http://schemas.openxmlformats.org/markup-compatibility/2006">
+          <mc:Choice xmlns:p14="http://schemas.microsoft.com/office/powerpoint/2010/main" Requires="p14">
+            <p:contentPart p14:bwMode="auto" r:id="rId42">
+              <p14:nvContentPartPr>
+                <p14:cNvPr id="27" name="Ink 26">
+                  <a:extLst>
+                    <a:ext uri="{FF2B5EF4-FFF2-40B4-BE49-F238E27FC236}">
+                      <a16:creationId xmlns:a16="http://schemas.microsoft.com/office/drawing/2014/main" id="{5F2AAB4E-7ED8-4F18-B4A9-3EC692EBAB96}"/>
+                    </a:ext>
+                  </a:extLst>
+                </p14:cNvPr>
+                <p14:cNvContentPartPr/>
+                <p14:nvPr/>
+              </p14:nvContentPartPr>
+              <p14:xfrm>
+                <a:off x="3278809" y="4391179"/>
+                <a:ext cx="26640" cy="143640"/>
+              </p14:xfrm>
+            </p:contentPart>
+          </mc:Choice>
+          <mc:Fallback>
+            <p:pic>
+              <p:nvPicPr>
+                <p:cNvPr id="27" name="Ink 26">
+                  <a:extLst>
+                    <a:ext uri="{FF2B5EF4-FFF2-40B4-BE49-F238E27FC236}">
+                      <a16:creationId xmlns:a16="http://schemas.microsoft.com/office/drawing/2014/main" id="{5F2AAB4E-7ED8-4F18-B4A9-3EC692EBAB96}"/>
+                    </a:ext>
+                  </a:extLst>
+                </p:cNvPr>
+                <p:cNvPicPr/>
+                <p:nvPr/>
+              </p:nvPicPr>
+              <p:blipFill>
+                <a:blip r:embed="rId43"/>
+                <a:stretch>
+                  <a:fillRect/>
+                </a:stretch>
+              </p:blipFill>
+              <p:spPr>
+                <a:xfrm>
+                  <a:off x="3270169" y="4382179"/>
+                  <a:ext cx="44280" cy="161280"/>
+                </a:xfrm>
+                <a:prstGeom prst="rect">
+                  <a:avLst/>
+                </a:prstGeom>
+              </p:spPr>
+            </p:pic>
+          </mc:Fallback>
+        </mc:AlternateContent>
+      </p:grpSp>
+      <mc:AlternateContent xmlns:mc="http://schemas.openxmlformats.org/markup-compatibility/2006">
+        <mc:Choice xmlns:p14="http://schemas.microsoft.com/office/powerpoint/2010/main" Requires="p14">
+          <p:contentPart p14:bwMode="auto" r:id="rId44">
+            <p14:nvContentPartPr>
+              <p14:cNvPr id="29" name="Ink 28">
+                <a:extLst>
+                  <a:ext uri="{FF2B5EF4-FFF2-40B4-BE49-F238E27FC236}">
+                    <a16:creationId xmlns:a16="http://schemas.microsoft.com/office/drawing/2014/main" id="{D8196D28-3B54-4636-995E-589AE40A5DE8}"/>
+                  </a:ext>
+                </a:extLst>
+              </p14:cNvPr>
+              <p14:cNvContentPartPr/>
+              <p14:nvPr/>
+            </p14:nvContentPartPr>
+            <p14:xfrm>
+              <a:off x="3723769" y="3870259"/>
+              <a:ext cx="101520" cy="218520"/>
+            </p14:xfrm>
+          </p:contentPart>
+        </mc:Choice>
+        <mc:Fallback>
+          <p:pic>
+            <p:nvPicPr>
+              <p:cNvPr id="29" name="Ink 28">
+                <a:extLst>
+                  <a:ext uri="{FF2B5EF4-FFF2-40B4-BE49-F238E27FC236}">
+                    <a16:creationId xmlns:a16="http://schemas.microsoft.com/office/drawing/2014/main" id="{D8196D28-3B54-4636-995E-589AE40A5DE8}"/>
+                  </a:ext>
+                </a:extLst>
+              </p:cNvPr>
+              <p:cNvPicPr/>
+              <p:nvPr/>
+            </p:nvPicPr>
+            <p:blipFill>
+              <a:blip r:embed="rId45"/>
+              <a:stretch>
+                <a:fillRect/>
+              </a:stretch>
+            </p:blipFill>
+            <p:spPr>
+              <a:xfrm>
+                <a:off x="3715129" y="3861259"/>
+                <a:ext cx="119160" cy="236160"/>
+              </a:xfrm>
+              <a:prstGeom prst="rect">
+                <a:avLst/>
+              </a:prstGeom>
+            </p:spPr>
+          </p:pic>
+        </mc:Fallback>
+      </mc:AlternateContent>
+      <mc:AlternateContent xmlns:mc="http://schemas.openxmlformats.org/markup-compatibility/2006">
+        <mc:Choice xmlns:p14="http://schemas.microsoft.com/office/powerpoint/2010/main" Requires="p14">
+          <p:contentPart p14:bwMode="auto" r:id="rId46">
+            <p14:nvContentPartPr>
+              <p14:cNvPr id="30" name="Ink 29">
+                <a:extLst>
+                  <a:ext uri="{FF2B5EF4-FFF2-40B4-BE49-F238E27FC236}">
+                    <a16:creationId xmlns:a16="http://schemas.microsoft.com/office/drawing/2014/main" id="{35ACD688-F6F9-423A-B1EF-13EEB5F1E874}"/>
+                  </a:ext>
+                </a:extLst>
+              </p14:cNvPr>
+              <p14:cNvContentPartPr/>
+              <p14:nvPr/>
+            </p14:nvContentPartPr>
+            <p14:xfrm>
+              <a:off x="2119969" y="4891579"/>
+              <a:ext cx="559080" cy="35280"/>
+            </p14:xfrm>
+          </p:contentPart>
+        </mc:Choice>
+        <mc:Fallback>
+          <p:pic>
+            <p:nvPicPr>
+              <p:cNvPr id="30" name="Ink 29">
+                <a:extLst>
+                  <a:ext uri="{FF2B5EF4-FFF2-40B4-BE49-F238E27FC236}">
+                    <a16:creationId xmlns:a16="http://schemas.microsoft.com/office/drawing/2014/main" id="{35ACD688-F6F9-423A-B1EF-13EEB5F1E874}"/>
+                  </a:ext>
+                </a:extLst>
+              </p:cNvPr>
+              <p:cNvPicPr/>
+              <p:nvPr/>
+            </p:nvPicPr>
+            <p:blipFill>
+              <a:blip r:embed="rId47"/>
+              <a:stretch>
+                <a:fillRect/>
+              </a:stretch>
+            </p:blipFill>
+            <p:spPr>
+              <a:xfrm>
+                <a:off x="2110969" y="4882939"/>
+                <a:ext cx="576720" cy="52920"/>
+              </a:xfrm>
+              <a:prstGeom prst="rect">
+                <a:avLst/>
+              </a:prstGeom>
+            </p:spPr>
+          </p:pic>
+        </mc:Fallback>
+      </mc:AlternateContent>
+      <p:grpSp>
+        <p:nvGrpSpPr>
+          <p:cNvPr id="36" name="Group 35">
+            <a:extLst>
+              <a:ext uri="{FF2B5EF4-FFF2-40B4-BE49-F238E27FC236}">
+                <a16:creationId xmlns:a16="http://schemas.microsoft.com/office/drawing/2014/main" id="{088EF30E-78A3-4667-A272-EFD510405764}"/>
+              </a:ext>
+            </a:extLst>
+          </p:cNvPr>
+          <p:cNvGrpSpPr/>
+          <p:nvPr/>
+        </p:nvGrpSpPr>
+        <p:grpSpPr>
+          <a:xfrm>
+            <a:off x="1890289" y="4282819"/>
+            <a:ext cx="453240" cy="277920"/>
+            <a:chOff x="1890289" y="4282819"/>
+            <a:chExt cx="453240" cy="277920"/>
+          </a:xfrm>
+        </p:grpSpPr>
+        <mc:AlternateContent xmlns:mc="http://schemas.openxmlformats.org/markup-compatibility/2006">
+          <mc:Choice xmlns:p14="http://schemas.microsoft.com/office/powerpoint/2010/main" Requires="p14">
+            <p:contentPart p14:bwMode="auto" r:id="rId48">
+              <p14:nvContentPartPr>
+                <p14:cNvPr id="31" name="Ink 30">
+                  <a:extLst>
+                    <a:ext uri="{FF2B5EF4-FFF2-40B4-BE49-F238E27FC236}">
+                      <a16:creationId xmlns:a16="http://schemas.microsoft.com/office/drawing/2014/main" id="{F26B8884-37B4-43C7-A9C0-16815CF0CA0E}"/>
+                    </a:ext>
+                  </a:extLst>
+                </p14:cNvPr>
+                <p14:cNvContentPartPr/>
+                <p14:nvPr/>
+              </p14:nvContentPartPr>
+              <p14:xfrm>
+                <a:off x="1890289" y="4443379"/>
+                <a:ext cx="453240" cy="117360"/>
+              </p14:xfrm>
+            </p:contentPart>
+          </mc:Choice>
+          <mc:Fallback>
+            <p:pic>
+              <p:nvPicPr>
+                <p:cNvPr id="31" name="Ink 30">
+                  <a:extLst>
+                    <a:ext uri="{FF2B5EF4-FFF2-40B4-BE49-F238E27FC236}">
+                      <a16:creationId xmlns:a16="http://schemas.microsoft.com/office/drawing/2014/main" id="{F26B8884-37B4-43C7-A9C0-16815CF0CA0E}"/>
+                    </a:ext>
+                  </a:extLst>
+                </p:cNvPr>
+                <p:cNvPicPr/>
+                <p:nvPr/>
+              </p:nvPicPr>
+              <p:blipFill>
+                <a:blip r:embed="rId49"/>
+                <a:stretch>
+                  <a:fillRect/>
+                </a:stretch>
+              </p:blipFill>
+              <p:spPr>
+                <a:xfrm>
+                  <a:off x="1881289" y="4434379"/>
+                  <a:ext cx="470880" cy="135000"/>
+                </a:xfrm>
+                <a:prstGeom prst="rect">
+                  <a:avLst/>
+                </a:prstGeom>
+              </p:spPr>
+            </p:pic>
+          </mc:Fallback>
+        </mc:AlternateContent>
+        <mc:AlternateContent xmlns:mc="http://schemas.openxmlformats.org/markup-compatibility/2006">
+          <mc:Choice xmlns:p14="http://schemas.microsoft.com/office/powerpoint/2010/main" Requires="p14">
+            <p:contentPart p14:bwMode="auto" r:id="rId50">
+              <p14:nvContentPartPr>
+                <p14:cNvPr id="32" name="Ink 31">
+                  <a:extLst>
+                    <a:ext uri="{FF2B5EF4-FFF2-40B4-BE49-F238E27FC236}">
+                      <a16:creationId xmlns:a16="http://schemas.microsoft.com/office/drawing/2014/main" id="{5E106A62-5E40-4B56-8E4E-534DC532C3A0}"/>
+                    </a:ext>
+                  </a:extLst>
+                </p14:cNvPr>
+                <p14:cNvContentPartPr/>
+                <p14:nvPr/>
+              </p14:nvContentPartPr>
+              <p14:xfrm>
+                <a:off x="1951129" y="4297219"/>
+                <a:ext cx="80280" cy="106560"/>
+              </p14:xfrm>
+            </p:contentPart>
+          </mc:Choice>
+          <mc:Fallback>
+            <p:pic>
+              <p:nvPicPr>
+                <p:cNvPr id="32" name="Ink 31">
+                  <a:extLst>
+                    <a:ext uri="{FF2B5EF4-FFF2-40B4-BE49-F238E27FC236}">
+                      <a16:creationId xmlns:a16="http://schemas.microsoft.com/office/drawing/2014/main" id="{5E106A62-5E40-4B56-8E4E-534DC532C3A0}"/>
+                    </a:ext>
+                  </a:extLst>
+                </p:cNvPr>
+                <p:cNvPicPr/>
+                <p:nvPr/>
+              </p:nvPicPr>
+              <p:blipFill>
+                <a:blip r:embed="rId51"/>
+                <a:stretch>
+                  <a:fillRect/>
+                </a:stretch>
+              </p:blipFill>
+              <p:spPr>
+                <a:xfrm>
+                  <a:off x="1942129" y="4288219"/>
+                  <a:ext cx="97920" cy="124200"/>
+                </a:xfrm>
+                <a:prstGeom prst="rect">
+                  <a:avLst/>
+                </a:prstGeom>
+              </p:spPr>
+            </p:pic>
+          </mc:Fallback>
+        </mc:AlternateContent>
+        <mc:AlternateContent xmlns:mc="http://schemas.openxmlformats.org/markup-compatibility/2006">
+          <mc:Choice xmlns:p14="http://schemas.microsoft.com/office/powerpoint/2010/main" Requires="p14">
+            <p:contentPart p14:bwMode="auto" r:id="rId52">
+              <p14:nvContentPartPr>
+                <p14:cNvPr id="33" name="Ink 32">
+                  <a:extLst>
+                    <a:ext uri="{FF2B5EF4-FFF2-40B4-BE49-F238E27FC236}">
+                      <a16:creationId xmlns:a16="http://schemas.microsoft.com/office/drawing/2014/main" id="{BAEACF30-3762-4CBB-8DAA-6184B37A2373}"/>
+                    </a:ext>
+                  </a:extLst>
+                </p14:cNvPr>
+                <p14:cNvContentPartPr/>
+                <p14:nvPr/>
+              </p14:nvContentPartPr>
+              <p14:xfrm>
+                <a:off x="2045809" y="4339339"/>
+                <a:ext cx="54360" cy="83880"/>
+              </p14:xfrm>
+            </p:contentPart>
+          </mc:Choice>
+          <mc:Fallback>
+            <p:pic>
+              <p:nvPicPr>
+                <p:cNvPr id="33" name="Ink 32">
+                  <a:extLst>
+                    <a:ext uri="{FF2B5EF4-FFF2-40B4-BE49-F238E27FC236}">
+                      <a16:creationId xmlns:a16="http://schemas.microsoft.com/office/drawing/2014/main" id="{BAEACF30-3762-4CBB-8DAA-6184B37A2373}"/>
+                    </a:ext>
+                  </a:extLst>
+                </p:cNvPr>
+                <p:cNvPicPr/>
+                <p:nvPr/>
+              </p:nvPicPr>
+              <p:blipFill>
+                <a:blip r:embed="rId53"/>
+                <a:stretch>
+                  <a:fillRect/>
+                </a:stretch>
+              </p:blipFill>
+              <p:spPr>
+                <a:xfrm>
+                  <a:off x="2036809" y="4330699"/>
+                  <a:ext cx="72000" cy="101520"/>
+                </a:xfrm>
+                <a:prstGeom prst="rect">
+                  <a:avLst/>
+                </a:prstGeom>
+              </p:spPr>
+            </p:pic>
+          </mc:Fallback>
+        </mc:AlternateContent>
+        <mc:AlternateContent xmlns:mc="http://schemas.openxmlformats.org/markup-compatibility/2006">
+          <mc:Choice xmlns:p14="http://schemas.microsoft.com/office/powerpoint/2010/main" Requires="p14">
+            <p:contentPart p14:bwMode="auto" r:id="rId54">
+              <p14:nvContentPartPr>
+                <p14:cNvPr id="34" name="Ink 33">
+                  <a:extLst>
+                    <a:ext uri="{FF2B5EF4-FFF2-40B4-BE49-F238E27FC236}">
+                      <a16:creationId xmlns:a16="http://schemas.microsoft.com/office/drawing/2014/main" id="{F05C2DEF-0898-43B8-820D-A52702E9CF22}"/>
+                    </a:ext>
+                  </a:extLst>
+                </p14:cNvPr>
+                <p14:cNvContentPartPr/>
+                <p14:nvPr/>
+              </p14:nvContentPartPr>
+              <p14:xfrm>
+                <a:off x="2154529" y="4282819"/>
+                <a:ext cx="25920" cy="109440"/>
+              </p14:xfrm>
+            </p:contentPart>
+          </mc:Choice>
+          <mc:Fallback>
+            <p:pic>
+              <p:nvPicPr>
+                <p:cNvPr id="34" name="Ink 33">
+                  <a:extLst>
+                    <a:ext uri="{FF2B5EF4-FFF2-40B4-BE49-F238E27FC236}">
+                      <a16:creationId xmlns:a16="http://schemas.microsoft.com/office/drawing/2014/main" id="{F05C2DEF-0898-43B8-820D-A52702E9CF22}"/>
+                    </a:ext>
+                  </a:extLst>
+                </p:cNvPr>
+                <p:cNvPicPr/>
+                <p:nvPr/>
+              </p:nvPicPr>
+              <p:blipFill>
+                <a:blip r:embed="rId55"/>
+                <a:stretch>
+                  <a:fillRect/>
+                </a:stretch>
+              </p:blipFill>
+              <p:spPr>
+                <a:xfrm>
+                  <a:off x="2145529" y="4273819"/>
+                  <a:ext cx="43560" cy="127080"/>
+                </a:xfrm>
+                <a:prstGeom prst="rect">
+                  <a:avLst/>
+                </a:prstGeom>
+              </p:spPr>
+            </p:pic>
+          </mc:Fallback>
+        </mc:AlternateContent>
+        <mc:AlternateContent xmlns:mc="http://schemas.openxmlformats.org/markup-compatibility/2006">
+          <mc:Choice xmlns:p14="http://schemas.microsoft.com/office/powerpoint/2010/main" Requires="p14">
+            <p:contentPart p14:bwMode="auto" r:id="rId56">
+              <p14:nvContentPartPr>
+                <p14:cNvPr id="35" name="Ink 34">
+                  <a:extLst>
+                    <a:ext uri="{FF2B5EF4-FFF2-40B4-BE49-F238E27FC236}">
+                      <a16:creationId xmlns:a16="http://schemas.microsoft.com/office/drawing/2014/main" id="{384E9EC1-3860-421A-8DA7-0837BE5D65DB}"/>
+                    </a:ext>
+                  </a:extLst>
+                </p14:cNvPr>
+                <p14:cNvContentPartPr/>
+                <p14:nvPr/>
+              </p14:nvContentPartPr>
+              <p14:xfrm>
+                <a:off x="2132929" y="4311619"/>
+                <a:ext cx="99720" cy="15840"/>
+              </p14:xfrm>
+            </p:contentPart>
+          </mc:Choice>
+          <mc:Fallback>
+            <p:pic>
+              <p:nvPicPr>
+                <p:cNvPr id="35" name="Ink 34">
+                  <a:extLst>
+                    <a:ext uri="{FF2B5EF4-FFF2-40B4-BE49-F238E27FC236}">
+                      <a16:creationId xmlns:a16="http://schemas.microsoft.com/office/drawing/2014/main" id="{384E9EC1-3860-421A-8DA7-0837BE5D65DB}"/>
+                    </a:ext>
+                  </a:extLst>
+                </p:cNvPr>
+                <p:cNvPicPr/>
+                <p:nvPr/>
+              </p:nvPicPr>
+              <p:blipFill>
+                <a:blip r:embed="rId57"/>
+                <a:stretch>
+                  <a:fillRect/>
+                </a:stretch>
+              </p:blipFill>
+              <p:spPr>
+                <a:xfrm>
+                  <a:off x="2124289" y="4302979"/>
+                  <a:ext cx="117360" cy="33480"/>
+                </a:xfrm>
+                <a:prstGeom prst="rect">
+                  <a:avLst/>
+                </a:prstGeom>
+              </p:spPr>
+            </p:pic>
+          </mc:Fallback>
+        </mc:AlternateContent>
+      </p:grpSp>
     </p:spTree>
     <p:extLst>
       <p:ext uri="{BB962C8B-B14F-4D97-AF65-F5344CB8AC3E}">
